--- a/study-note/자바/2022-07-20 내용정리.pptx
+++ b/study-note/자바/2022-07-20 내용정리.pptx
@@ -5,11 +5,17 @@
     <p:sldMasterId id="2147483648" r:id="rId1"/>
   </p:sldMasterIdLst>
   <p:notesMasterIdLst>
-    <p:notesMasterId r:id="rId4"/>
+    <p:notesMasterId r:id="rId10"/>
   </p:notesMasterIdLst>
   <p:sldIdLst>
     <p:sldId id="256" r:id="rId2"/>
-    <p:sldId id="257" r:id="rId3"/>
+    <p:sldId id="258" r:id="rId3"/>
+    <p:sldId id="259" r:id="rId4"/>
+    <p:sldId id="261" r:id="rId5"/>
+    <p:sldId id="262" r:id="rId6"/>
+    <p:sldId id="263" r:id="rId7"/>
+    <p:sldId id="260" r:id="rId8"/>
+    <p:sldId id="257" r:id="rId9"/>
   </p:sldIdLst>
   <p:sldSz cx="12192000" cy="6858000"/>
   <p:notesSz cx="6858000" cy="9144000"/>
@@ -3753,6 +3759,8978 @@
 </file>
 
 <file path=ppt/slides/slide2.xml><?xml version="1.0" encoding="utf-8"?>
+<p:sld xmlns:a="http://schemas.openxmlformats.org/drawingml/2006/main" xmlns:r="http://schemas.openxmlformats.org/officeDocument/2006/relationships" xmlns:p="http://schemas.openxmlformats.org/presentationml/2006/main">
+  <p:cSld>
+    <p:spTree>
+      <p:nvGrpSpPr>
+        <p:cNvPr id="1" name=""/>
+        <p:cNvGrpSpPr/>
+        <p:nvPr/>
+      </p:nvGrpSpPr>
+      <p:grpSpPr>
+        <a:xfrm>
+          <a:off x="0" y="0"/>
+          <a:ext cx="0" cy="0"/>
+          <a:chOff x="0" y="0"/>
+          <a:chExt cx="0" cy="0"/>
+        </a:xfrm>
+      </p:grpSpPr>
+      <p:cxnSp>
+        <p:nvCxnSpPr>
+          <p:cNvPr id="60" name="연결선: 구부러짐 59">
+            <a:extLst>
+              <a:ext uri="{FF2B5EF4-FFF2-40B4-BE49-F238E27FC236}">
+                <a16:creationId xmlns:a16="http://schemas.microsoft.com/office/drawing/2014/main" id="{80623CF0-E186-DE22-4FBA-F8A639F75FA2}"/>
+              </a:ext>
+            </a:extLst>
+          </p:cNvPr>
+          <p:cNvCxnSpPr>
+            <a:cxnSpLocks/>
+            <a:stCxn id="2" idx="0"/>
+            <a:endCxn id="50" idx="3"/>
+          </p:cNvCxnSpPr>
+          <p:nvPr/>
+        </p:nvCxnSpPr>
+        <p:spPr>
+          <a:xfrm rot="5400000" flipH="1" flipV="1">
+            <a:off x="244125" y="1638471"/>
+            <a:ext cx="2013305" cy="677074"/>
+          </a:xfrm>
+          <a:prstGeom prst="curvedConnector4">
+            <a:avLst>
+              <a:gd name="adj1" fmla="val 42739"/>
+              <a:gd name="adj2" fmla="val 133763"/>
+            </a:avLst>
+          </a:prstGeom>
+          <a:ln w="25400">
+            <a:solidFill>
+              <a:srgbClr val="FDA9F7"/>
+            </a:solidFill>
+            <a:headEnd type="triangle"/>
+            <a:tailEnd type="triangle"/>
+          </a:ln>
+        </p:spPr>
+        <p:style>
+          <a:lnRef idx="1">
+            <a:schemeClr val="accent1"/>
+          </a:lnRef>
+          <a:fillRef idx="0">
+            <a:schemeClr val="accent1"/>
+          </a:fillRef>
+          <a:effectRef idx="0">
+            <a:schemeClr val="accent1"/>
+          </a:effectRef>
+          <a:fontRef idx="minor">
+            <a:schemeClr val="tx1"/>
+          </a:fontRef>
+        </p:style>
+      </p:cxnSp>
+      <p:sp>
+        <p:nvSpPr>
+          <p:cNvPr id="2" name="TextBox 1">
+            <a:extLst>
+              <a:ext uri="{FF2B5EF4-FFF2-40B4-BE49-F238E27FC236}">
+                <a16:creationId xmlns:a16="http://schemas.microsoft.com/office/drawing/2014/main" id="{578980CB-5DC3-54ED-010D-4BC85DA88EB6}"/>
+              </a:ext>
+            </a:extLst>
+          </p:cNvPr>
+          <p:cNvSpPr txBox="1"/>
+          <p:nvPr/>
+        </p:nvSpPr>
+        <p:spPr>
+          <a:xfrm>
+            <a:off x="389725" y="2983660"/>
+            <a:ext cx="1045029" cy="584775"/>
+          </a:xfrm>
+          <a:prstGeom prst="rect">
+            <a:avLst/>
+          </a:prstGeom>
+          <a:noFill/>
+        </p:spPr>
+        <p:txBody>
+          <a:bodyPr wrap="square" rtlCol="0">
+            <a:spAutoFit/>
+          </a:bodyPr>
+          <a:lstStyle/>
+          <a:p>
+            <a:r>
+              <a:rPr lang="en-US" altLang="ko-KR" sz="3200" dirty="0" err="1">
+                <a:solidFill>
+                  <a:schemeClr val="accent1"/>
+                </a:solidFill>
+              </a:rPr>
+              <a:t>j</a:t>
+            </a:r>
+            <a:r>
+              <a:rPr lang="en-US" altLang="ko-KR" sz="3200" dirty="0" err="1">
+                <a:solidFill>
+                  <a:schemeClr val="accent6"/>
+                </a:solidFill>
+              </a:rPr>
+              <a:t>++</a:t>
+            </a:r>
+            <a:r>
+              <a:rPr lang="en-US" altLang="ko-KR" sz="3200" dirty="0"/>
+              <a:t>;</a:t>
+            </a:r>
+            <a:endParaRPr lang="ko-KR" altLang="en-US" sz="3200" dirty="0"/>
+          </a:p>
+        </p:txBody>
+      </p:sp>
+      <p:sp>
+        <p:nvSpPr>
+          <p:cNvPr id="11" name="TextBox 10">
+            <a:extLst>
+              <a:ext uri="{FF2B5EF4-FFF2-40B4-BE49-F238E27FC236}">
+                <a16:creationId xmlns:a16="http://schemas.microsoft.com/office/drawing/2014/main" id="{7CC3E45B-C9A1-2F1D-A998-17B9F9590537}"/>
+              </a:ext>
+            </a:extLst>
+          </p:cNvPr>
+          <p:cNvSpPr txBox="1"/>
+          <p:nvPr/>
+        </p:nvSpPr>
+        <p:spPr>
+          <a:xfrm>
+            <a:off x="5148943" y="63903"/>
+            <a:ext cx="4691744" cy="461665"/>
+          </a:xfrm>
+          <a:prstGeom prst="rect">
+            <a:avLst/>
+          </a:prstGeom>
+          <a:noFill/>
+        </p:spPr>
+        <p:txBody>
+          <a:bodyPr wrap="square" rtlCol="0">
+            <a:spAutoFit/>
+          </a:bodyPr>
+          <a:lstStyle/>
+          <a:p>
+            <a:r>
+              <a:rPr lang="en-US" altLang="ko-KR" sz="2400" dirty="0"/>
+              <a:t>Score s1, s2;</a:t>
+            </a:r>
+            <a:endParaRPr lang="ko-KR" altLang="en-US" sz="2400" dirty="0"/>
+          </a:p>
+        </p:txBody>
+      </p:sp>
+      <p:sp>
+        <p:nvSpPr>
+          <p:cNvPr id="12" name="TextBox 11">
+            <a:extLst>
+              <a:ext uri="{FF2B5EF4-FFF2-40B4-BE49-F238E27FC236}">
+                <a16:creationId xmlns:a16="http://schemas.microsoft.com/office/drawing/2014/main" id="{E9BB6099-BE96-691C-079D-36F8EA640127}"/>
+              </a:ext>
+            </a:extLst>
+          </p:cNvPr>
+          <p:cNvSpPr txBox="1"/>
+          <p:nvPr/>
+        </p:nvSpPr>
+        <p:spPr>
+          <a:xfrm>
+            <a:off x="5148943" y="707687"/>
+            <a:ext cx="4691744" cy="461665"/>
+          </a:xfrm>
+          <a:prstGeom prst="rect">
+            <a:avLst/>
+          </a:prstGeom>
+          <a:noFill/>
+        </p:spPr>
+        <p:txBody>
+          <a:bodyPr wrap="square" rtlCol="0">
+            <a:spAutoFit/>
+          </a:bodyPr>
+          <a:lstStyle/>
+          <a:p>
+            <a:r>
+              <a:rPr lang="en-US" altLang="ko-KR" sz="2400" dirty="0"/>
+              <a:t>s1 =new Score();</a:t>
+            </a:r>
+            <a:endParaRPr lang="ko-KR" altLang="en-US" sz="2400" dirty="0"/>
+          </a:p>
+        </p:txBody>
+      </p:sp>
+      <p:sp>
+        <p:nvSpPr>
+          <p:cNvPr id="14" name="TextBox 13">
+            <a:extLst>
+              <a:ext uri="{FF2B5EF4-FFF2-40B4-BE49-F238E27FC236}">
+                <a16:creationId xmlns:a16="http://schemas.microsoft.com/office/drawing/2014/main" id="{BAECECAC-8922-E73E-1B6F-FEFAB9ADA119}"/>
+              </a:ext>
+            </a:extLst>
+          </p:cNvPr>
+          <p:cNvSpPr txBox="1"/>
+          <p:nvPr/>
+        </p:nvSpPr>
+        <p:spPr>
+          <a:xfrm>
+            <a:off x="5148943" y="1351471"/>
+            <a:ext cx="4691744" cy="461665"/>
+          </a:xfrm>
+          <a:prstGeom prst="rect">
+            <a:avLst/>
+          </a:prstGeom>
+          <a:noFill/>
+        </p:spPr>
+        <p:txBody>
+          <a:bodyPr wrap="square" rtlCol="0">
+            <a:spAutoFit/>
+          </a:bodyPr>
+          <a:lstStyle/>
+          <a:p>
+            <a:r>
+              <a:rPr lang="en-US" altLang="ko-KR" sz="2400" dirty="0"/>
+              <a:t>s2 =new Score();</a:t>
+            </a:r>
+            <a:endParaRPr lang="ko-KR" altLang="en-US" sz="2400" dirty="0"/>
+          </a:p>
+        </p:txBody>
+      </p:sp>
+      <p:sp>
+        <p:nvSpPr>
+          <p:cNvPr id="3" name="TextBox 2">
+            <a:extLst>
+              <a:ext uri="{FF2B5EF4-FFF2-40B4-BE49-F238E27FC236}">
+                <a16:creationId xmlns:a16="http://schemas.microsoft.com/office/drawing/2014/main" id="{E4C45C8B-ED71-EEEA-3E3C-735B9953B82C}"/>
+              </a:ext>
+            </a:extLst>
+          </p:cNvPr>
+          <p:cNvSpPr txBox="1"/>
+          <p:nvPr/>
+        </p:nvSpPr>
+        <p:spPr>
+          <a:xfrm>
+            <a:off x="8316686" y="499126"/>
+            <a:ext cx="751114" cy="369332"/>
+          </a:xfrm>
+          <a:prstGeom prst="rect">
+            <a:avLst/>
+          </a:prstGeom>
+        </p:spPr>
+        <p:style>
+          <a:lnRef idx="2">
+            <a:schemeClr val="dk1"/>
+          </a:lnRef>
+          <a:fillRef idx="1">
+            <a:schemeClr val="lt1"/>
+          </a:fillRef>
+          <a:effectRef idx="0">
+            <a:schemeClr val="dk1"/>
+          </a:effectRef>
+          <a:fontRef idx="minor">
+            <a:schemeClr val="dk1"/>
+          </a:fontRef>
+        </p:style>
+        <p:txBody>
+          <a:bodyPr wrap="square" rtlCol="0">
+            <a:spAutoFit/>
+          </a:bodyPr>
+          <a:lstStyle/>
+          <a:p>
+            <a:r>
+              <a:rPr lang="en-US" altLang="ko-KR" dirty="0"/>
+              <a:t>200</a:t>
+            </a:r>
+            <a:endParaRPr lang="ko-KR" altLang="en-US" dirty="0"/>
+          </a:p>
+        </p:txBody>
+      </p:sp>
+      <p:sp>
+        <p:nvSpPr>
+          <p:cNvPr id="15" name="TextBox 14">
+            <a:extLst>
+              <a:ext uri="{FF2B5EF4-FFF2-40B4-BE49-F238E27FC236}">
+                <a16:creationId xmlns:a16="http://schemas.microsoft.com/office/drawing/2014/main" id="{A887FE4E-A3A3-0C8A-5516-D6E2599704B0}"/>
+              </a:ext>
+            </a:extLst>
+          </p:cNvPr>
+          <p:cNvSpPr txBox="1"/>
+          <p:nvPr/>
+        </p:nvSpPr>
+        <p:spPr>
+          <a:xfrm>
+            <a:off x="8104416" y="111429"/>
+            <a:ext cx="751114" cy="400110"/>
+          </a:xfrm>
+          <a:prstGeom prst="rect">
+            <a:avLst/>
+          </a:prstGeom>
+          <a:noFill/>
+        </p:spPr>
+        <p:txBody>
+          <a:bodyPr wrap="square" rtlCol="0">
+            <a:spAutoFit/>
+          </a:bodyPr>
+          <a:lstStyle/>
+          <a:p>
+            <a:r>
+              <a:rPr lang="en-US" altLang="ko-KR" sz="2000" dirty="0"/>
+              <a:t>s1</a:t>
+            </a:r>
+            <a:endParaRPr lang="ko-KR" altLang="en-US" sz="2000" dirty="0"/>
+          </a:p>
+        </p:txBody>
+      </p:sp>
+      <p:sp>
+        <p:nvSpPr>
+          <p:cNvPr id="17" name="TextBox 16">
+            <a:extLst>
+              <a:ext uri="{FF2B5EF4-FFF2-40B4-BE49-F238E27FC236}">
+                <a16:creationId xmlns:a16="http://schemas.microsoft.com/office/drawing/2014/main" id="{2C121F37-F301-1473-5CB9-DE593BFDB442}"/>
+              </a:ext>
+            </a:extLst>
+          </p:cNvPr>
+          <p:cNvSpPr txBox="1"/>
+          <p:nvPr/>
+        </p:nvSpPr>
+        <p:spPr>
+          <a:xfrm>
+            <a:off x="9704615" y="499126"/>
+            <a:ext cx="751114" cy="369332"/>
+          </a:xfrm>
+          <a:prstGeom prst="rect">
+            <a:avLst/>
+          </a:prstGeom>
+        </p:spPr>
+        <p:style>
+          <a:lnRef idx="2">
+            <a:schemeClr val="accent2"/>
+          </a:lnRef>
+          <a:fillRef idx="1">
+            <a:schemeClr val="lt1"/>
+          </a:fillRef>
+          <a:effectRef idx="0">
+            <a:schemeClr val="accent2"/>
+          </a:effectRef>
+          <a:fontRef idx="minor">
+            <a:schemeClr val="dk1"/>
+          </a:fontRef>
+        </p:style>
+        <p:txBody>
+          <a:bodyPr wrap="square" rtlCol="0">
+            <a:spAutoFit/>
+          </a:bodyPr>
+          <a:lstStyle/>
+          <a:p>
+            <a:endParaRPr lang="ko-KR" altLang="en-US" dirty="0"/>
+          </a:p>
+        </p:txBody>
+      </p:sp>
+      <p:sp>
+        <p:nvSpPr>
+          <p:cNvPr id="18" name="TextBox 17">
+            <a:extLst>
+              <a:ext uri="{FF2B5EF4-FFF2-40B4-BE49-F238E27FC236}">
+                <a16:creationId xmlns:a16="http://schemas.microsoft.com/office/drawing/2014/main" id="{ED1F3123-9164-03B5-5EAF-7FA8A3BFCA79}"/>
+              </a:ext>
+            </a:extLst>
+          </p:cNvPr>
+          <p:cNvSpPr txBox="1"/>
+          <p:nvPr/>
+        </p:nvSpPr>
+        <p:spPr>
+          <a:xfrm>
+            <a:off x="10341430" y="499126"/>
+            <a:ext cx="751114" cy="369332"/>
+          </a:xfrm>
+          <a:prstGeom prst="rect">
+            <a:avLst/>
+          </a:prstGeom>
+        </p:spPr>
+        <p:style>
+          <a:lnRef idx="2">
+            <a:schemeClr val="accent2"/>
+          </a:lnRef>
+          <a:fillRef idx="1">
+            <a:schemeClr val="lt1"/>
+          </a:fillRef>
+          <a:effectRef idx="0">
+            <a:schemeClr val="accent2"/>
+          </a:effectRef>
+          <a:fontRef idx="minor">
+            <a:schemeClr val="dk1"/>
+          </a:fontRef>
+        </p:style>
+        <p:txBody>
+          <a:bodyPr wrap="square" rtlCol="0">
+            <a:spAutoFit/>
+          </a:bodyPr>
+          <a:lstStyle/>
+          <a:p>
+            <a:endParaRPr lang="ko-KR" altLang="en-US" dirty="0"/>
+          </a:p>
+        </p:txBody>
+      </p:sp>
+      <p:sp>
+        <p:nvSpPr>
+          <p:cNvPr id="19" name="TextBox 18">
+            <a:extLst>
+              <a:ext uri="{FF2B5EF4-FFF2-40B4-BE49-F238E27FC236}">
+                <a16:creationId xmlns:a16="http://schemas.microsoft.com/office/drawing/2014/main" id="{6BA39FFE-07F9-FE6E-5472-75CDD5859F17}"/>
+              </a:ext>
+            </a:extLst>
+          </p:cNvPr>
+          <p:cNvSpPr txBox="1"/>
+          <p:nvPr/>
+        </p:nvSpPr>
+        <p:spPr>
+          <a:xfrm>
+            <a:off x="11092544" y="499126"/>
+            <a:ext cx="751114" cy="369332"/>
+          </a:xfrm>
+          <a:prstGeom prst="rect">
+            <a:avLst/>
+          </a:prstGeom>
+        </p:spPr>
+        <p:style>
+          <a:lnRef idx="2">
+            <a:schemeClr val="accent2"/>
+          </a:lnRef>
+          <a:fillRef idx="1">
+            <a:schemeClr val="lt1"/>
+          </a:fillRef>
+          <a:effectRef idx="0">
+            <a:schemeClr val="accent2"/>
+          </a:effectRef>
+          <a:fontRef idx="minor">
+            <a:schemeClr val="dk1"/>
+          </a:fontRef>
+        </p:style>
+        <p:txBody>
+          <a:bodyPr wrap="square" rtlCol="0">
+            <a:spAutoFit/>
+          </a:bodyPr>
+          <a:lstStyle/>
+          <a:p>
+            <a:endParaRPr lang="ko-KR" altLang="en-US" dirty="0"/>
+          </a:p>
+        </p:txBody>
+      </p:sp>
+      <p:sp>
+        <p:nvSpPr>
+          <p:cNvPr id="20" name="TextBox 19">
+            <a:extLst>
+              <a:ext uri="{FF2B5EF4-FFF2-40B4-BE49-F238E27FC236}">
+                <a16:creationId xmlns:a16="http://schemas.microsoft.com/office/drawing/2014/main" id="{ACF927C6-C667-A748-D1C9-A1B5FD9690F3}"/>
+              </a:ext>
+            </a:extLst>
+          </p:cNvPr>
+          <p:cNvSpPr txBox="1"/>
+          <p:nvPr/>
+        </p:nvSpPr>
+        <p:spPr>
+          <a:xfrm>
+            <a:off x="9492344" y="142207"/>
+            <a:ext cx="751114" cy="369332"/>
+          </a:xfrm>
+          <a:prstGeom prst="rect">
+            <a:avLst/>
+          </a:prstGeom>
+          <a:noFill/>
+          <a:ln>
+            <a:noFill/>
+          </a:ln>
+        </p:spPr>
+        <p:style>
+          <a:lnRef idx="0">
+            <a:scrgbClr r="0" g="0" b="0"/>
+          </a:lnRef>
+          <a:fillRef idx="0">
+            <a:scrgbClr r="0" g="0" b="0"/>
+          </a:fillRef>
+          <a:effectRef idx="0">
+            <a:scrgbClr r="0" g="0" b="0"/>
+          </a:effectRef>
+          <a:fontRef idx="minor">
+            <a:schemeClr val="dk1"/>
+          </a:fontRef>
+        </p:style>
+        <p:txBody>
+          <a:bodyPr wrap="square" rtlCol="0">
+            <a:spAutoFit/>
+          </a:bodyPr>
+          <a:lstStyle/>
+          <a:p>
+            <a:r>
+              <a:rPr lang="en-US" altLang="ko-KR" dirty="0"/>
+              <a:t>200</a:t>
+            </a:r>
+            <a:endParaRPr lang="ko-KR" altLang="en-US" dirty="0"/>
+          </a:p>
+        </p:txBody>
+      </p:sp>
+      <p:sp>
+        <p:nvSpPr>
+          <p:cNvPr id="21" name="TextBox 20">
+            <a:extLst>
+              <a:ext uri="{FF2B5EF4-FFF2-40B4-BE49-F238E27FC236}">
+                <a16:creationId xmlns:a16="http://schemas.microsoft.com/office/drawing/2014/main" id="{43120B2E-86D0-B20C-CABA-80013D534A8D}"/>
+              </a:ext>
+            </a:extLst>
+          </p:cNvPr>
+          <p:cNvSpPr txBox="1"/>
+          <p:nvPr/>
+        </p:nvSpPr>
+        <p:spPr>
+          <a:xfrm>
+            <a:off x="8316686" y="1392146"/>
+            <a:ext cx="751114" cy="369332"/>
+          </a:xfrm>
+          <a:prstGeom prst="rect">
+            <a:avLst/>
+          </a:prstGeom>
+        </p:spPr>
+        <p:style>
+          <a:lnRef idx="2">
+            <a:schemeClr val="dk1"/>
+          </a:lnRef>
+          <a:fillRef idx="1">
+            <a:schemeClr val="lt1"/>
+          </a:fillRef>
+          <a:effectRef idx="0">
+            <a:schemeClr val="dk1"/>
+          </a:effectRef>
+          <a:fontRef idx="minor">
+            <a:schemeClr val="dk1"/>
+          </a:fontRef>
+        </p:style>
+        <p:txBody>
+          <a:bodyPr wrap="square" rtlCol="0">
+            <a:spAutoFit/>
+          </a:bodyPr>
+          <a:lstStyle/>
+          <a:p>
+            <a:r>
+              <a:rPr lang="en-US" altLang="ko-KR" dirty="0"/>
+              <a:t>300</a:t>
+            </a:r>
+            <a:endParaRPr lang="ko-KR" altLang="en-US" dirty="0"/>
+          </a:p>
+        </p:txBody>
+      </p:sp>
+      <p:sp>
+        <p:nvSpPr>
+          <p:cNvPr id="22" name="TextBox 21">
+            <a:extLst>
+              <a:ext uri="{FF2B5EF4-FFF2-40B4-BE49-F238E27FC236}">
+                <a16:creationId xmlns:a16="http://schemas.microsoft.com/office/drawing/2014/main" id="{668E56E1-0750-CCBD-C0E8-FAC5AD0BDD49}"/>
+              </a:ext>
+            </a:extLst>
+          </p:cNvPr>
+          <p:cNvSpPr txBox="1"/>
+          <p:nvPr/>
+        </p:nvSpPr>
+        <p:spPr>
+          <a:xfrm>
+            <a:off x="8104416" y="1004449"/>
+            <a:ext cx="751114" cy="400110"/>
+          </a:xfrm>
+          <a:prstGeom prst="rect">
+            <a:avLst/>
+          </a:prstGeom>
+          <a:noFill/>
+        </p:spPr>
+        <p:txBody>
+          <a:bodyPr wrap="square" rtlCol="0">
+            <a:spAutoFit/>
+          </a:bodyPr>
+          <a:lstStyle/>
+          <a:p>
+            <a:r>
+              <a:rPr lang="en-US" altLang="ko-KR" sz="2000" dirty="0"/>
+              <a:t>s2</a:t>
+            </a:r>
+            <a:endParaRPr lang="ko-KR" altLang="en-US" sz="2000" dirty="0"/>
+          </a:p>
+        </p:txBody>
+      </p:sp>
+      <p:sp>
+        <p:nvSpPr>
+          <p:cNvPr id="23" name="TextBox 22">
+            <a:extLst>
+              <a:ext uri="{FF2B5EF4-FFF2-40B4-BE49-F238E27FC236}">
+                <a16:creationId xmlns:a16="http://schemas.microsoft.com/office/drawing/2014/main" id="{30C406FC-6B98-2508-760B-A686C32C315F}"/>
+              </a:ext>
+            </a:extLst>
+          </p:cNvPr>
+          <p:cNvSpPr txBox="1"/>
+          <p:nvPr/>
+        </p:nvSpPr>
+        <p:spPr>
+          <a:xfrm>
+            <a:off x="9704615" y="1416971"/>
+            <a:ext cx="751114" cy="369332"/>
+          </a:xfrm>
+          <a:prstGeom prst="rect">
+            <a:avLst/>
+          </a:prstGeom>
+        </p:spPr>
+        <p:style>
+          <a:lnRef idx="2">
+            <a:schemeClr val="accent2"/>
+          </a:lnRef>
+          <a:fillRef idx="1">
+            <a:schemeClr val="lt1"/>
+          </a:fillRef>
+          <a:effectRef idx="0">
+            <a:schemeClr val="accent2"/>
+          </a:effectRef>
+          <a:fontRef idx="minor">
+            <a:schemeClr val="dk1"/>
+          </a:fontRef>
+        </p:style>
+        <p:txBody>
+          <a:bodyPr wrap="square" rtlCol="0">
+            <a:spAutoFit/>
+          </a:bodyPr>
+          <a:lstStyle/>
+          <a:p>
+            <a:endParaRPr lang="ko-KR" altLang="en-US" dirty="0"/>
+          </a:p>
+        </p:txBody>
+      </p:sp>
+      <p:sp>
+        <p:nvSpPr>
+          <p:cNvPr id="24" name="TextBox 23">
+            <a:extLst>
+              <a:ext uri="{FF2B5EF4-FFF2-40B4-BE49-F238E27FC236}">
+                <a16:creationId xmlns:a16="http://schemas.microsoft.com/office/drawing/2014/main" id="{9191094C-07AF-F071-71F7-580C4F9CA974}"/>
+              </a:ext>
+            </a:extLst>
+          </p:cNvPr>
+          <p:cNvSpPr txBox="1"/>
+          <p:nvPr/>
+        </p:nvSpPr>
+        <p:spPr>
+          <a:xfrm>
+            <a:off x="10341430" y="1416971"/>
+            <a:ext cx="751114" cy="369332"/>
+          </a:xfrm>
+          <a:prstGeom prst="rect">
+            <a:avLst/>
+          </a:prstGeom>
+        </p:spPr>
+        <p:style>
+          <a:lnRef idx="2">
+            <a:schemeClr val="accent2"/>
+          </a:lnRef>
+          <a:fillRef idx="1">
+            <a:schemeClr val="lt1"/>
+          </a:fillRef>
+          <a:effectRef idx="0">
+            <a:schemeClr val="accent2"/>
+          </a:effectRef>
+          <a:fontRef idx="minor">
+            <a:schemeClr val="dk1"/>
+          </a:fontRef>
+        </p:style>
+        <p:txBody>
+          <a:bodyPr wrap="square" rtlCol="0">
+            <a:spAutoFit/>
+          </a:bodyPr>
+          <a:lstStyle/>
+          <a:p>
+            <a:endParaRPr lang="ko-KR" altLang="en-US" dirty="0"/>
+          </a:p>
+        </p:txBody>
+      </p:sp>
+      <p:sp>
+        <p:nvSpPr>
+          <p:cNvPr id="25" name="TextBox 24">
+            <a:extLst>
+              <a:ext uri="{FF2B5EF4-FFF2-40B4-BE49-F238E27FC236}">
+                <a16:creationId xmlns:a16="http://schemas.microsoft.com/office/drawing/2014/main" id="{9603A91B-67E5-D38B-AC1D-C5FA4A1665F7}"/>
+              </a:ext>
+            </a:extLst>
+          </p:cNvPr>
+          <p:cNvSpPr txBox="1"/>
+          <p:nvPr/>
+        </p:nvSpPr>
+        <p:spPr>
+          <a:xfrm>
+            <a:off x="11092544" y="1416971"/>
+            <a:ext cx="751114" cy="369332"/>
+          </a:xfrm>
+          <a:prstGeom prst="rect">
+            <a:avLst/>
+          </a:prstGeom>
+        </p:spPr>
+        <p:style>
+          <a:lnRef idx="2">
+            <a:schemeClr val="accent2"/>
+          </a:lnRef>
+          <a:fillRef idx="1">
+            <a:schemeClr val="lt1"/>
+          </a:fillRef>
+          <a:effectRef idx="0">
+            <a:schemeClr val="accent2"/>
+          </a:effectRef>
+          <a:fontRef idx="minor">
+            <a:schemeClr val="dk1"/>
+          </a:fontRef>
+        </p:style>
+        <p:txBody>
+          <a:bodyPr wrap="square" rtlCol="0">
+            <a:spAutoFit/>
+          </a:bodyPr>
+          <a:lstStyle/>
+          <a:p>
+            <a:endParaRPr lang="ko-KR" altLang="en-US" dirty="0"/>
+          </a:p>
+        </p:txBody>
+      </p:sp>
+      <p:sp>
+        <p:nvSpPr>
+          <p:cNvPr id="26" name="TextBox 25">
+            <a:extLst>
+              <a:ext uri="{FF2B5EF4-FFF2-40B4-BE49-F238E27FC236}">
+                <a16:creationId xmlns:a16="http://schemas.microsoft.com/office/drawing/2014/main" id="{6EED3F7F-0BFA-7DAB-FC71-B59107761C6E}"/>
+              </a:ext>
+            </a:extLst>
+          </p:cNvPr>
+          <p:cNvSpPr txBox="1"/>
+          <p:nvPr/>
+        </p:nvSpPr>
+        <p:spPr>
+          <a:xfrm>
+            <a:off x="9492344" y="1060052"/>
+            <a:ext cx="751114" cy="369332"/>
+          </a:xfrm>
+          <a:prstGeom prst="rect">
+            <a:avLst/>
+          </a:prstGeom>
+          <a:noFill/>
+          <a:ln>
+            <a:noFill/>
+          </a:ln>
+        </p:spPr>
+        <p:style>
+          <a:lnRef idx="0">
+            <a:scrgbClr r="0" g="0" b="0"/>
+          </a:lnRef>
+          <a:fillRef idx="0">
+            <a:scrgbClr r="0" g="0" b="0"/>
+          </a:fillRef>
+          <a:effectRef idx="0">
+            <a:scrgbClr r="0" g="0" b="0"/>
+          </a:effectRef>
+          <a:fontRef idx="minor">
+            <a:schemeClr val="dk1"/>
+          </a:fontRef>
+        </p:style>
+        <p:txBody>
+          <a:bodyPr wrap="square" rtlCol="0">
+            <a:spAutoFit/>
+          </a:bodyPr>
+          <a:lstStyle/>
+          <a:p>
+            <a:r>
+              <a:rPr lang="en-US" altLang="ko-KR" dirty="0"/>
+              <a:t>300</a:t>
+            </a:r>
+            <a:endParaRPr lang="ko-KR" altLang="en-US" dirty="0"/>
+          </a:p>
+        </p:txBody>
+      </p:sp>
+      <p:sp>
+        <p:nvSpPr>
+          <p:cNvPr id="8" name="화살표: 위쪽 7">
+            <a:extLst>
+              <a:ext uri="{FF2B5EF4-FFF2-40B4-BE49-F238E27FC236}">
+                <a16:creationId xmlns:a16="http://schemas.microsoft.com/office/drawing/2014/main" id="{427285D7-A155-363D-A30C-43E49662AB9F}"/>
+              </a:ext>
+            </a:extLst>
+          </p:cNvPr>
+          <p:cNvSpPr/>
+          <p:nvPr/>
+        </p:nvSpPr>
+        <p:spPr>
+          <a:xfrm>
+            <a:off x="391885" y="1169352"/>
+            <a:ext cx="261258" cy="584775"/>
+          </a:xfrm>
+          <a:prstGeom prst="upArrow">
+            <a:avLst/>
+          </a:prstGeom>
+        </p:spPr>
+        <p:style>
+          <a:lnRef idx="2">
+            <a:schemeClr val="accent1">
+              <a:shade val="50000"/>
+            </a:schemeClr>
+          </a:lnRef>
+          <a:fillRef idx="1">
+            <a:schemeClr val="accent1"/>
+          </a:fillRef>
+          <a:effectRef idx="0">
+            <a:schemeClr val="accent1"/>
+          </a:effectRef>
+          <a:fontRef idx="minor">
+            <a:schemeClr val="lt1"/>
+          </a:fontRef>
+        </p:style>
+        <p:txBody>
+          <a:bodyPr rtlCol="0" anchor="ctr"/>
+          <a:lstStyle/>
+          <a:p>
+            <a:pPr algn="ctr"/>
+            <a:endParaRPr lang="ko-KR" altLang="en-US"/>
+          </a:p>
+        </p:txBody>
+      </p:sp>
+      <p:sp>
+        <p:nvSpPr>
+          <p:cNvPr id="27" name="TextBox 26">
+            <a:extLst>
+              <a:ext uri="{FF2B5EF4-FFF2-40B4-BE49-F238E27FC236}">
+                <a16:creationId xmlns:a16="http://schemas.microsoft.com/office/drawing/2014/main" id="{32EE4991-1E3D-2737-59AC-7F886D8815E5}"/>
+              </a:ext>
+            </a:extLst>
+          </p:cNvPr>
+          <p:cNvSpPr txBox="1"/>
+          <p:nvPr/>
+        </p:nvSpPr>
+        <p:spPr>
+          <a:xfrm>
+            <a:off x="228601" y="1981200"/>
+            <a:ext cx="1132114" cy="646331"/>
+          </a:xfrm>
+          <a:prstGeom prst="rect">
+            <a:avLst/>
+          </a:prstGeom>
+        </p:spPr>
+        <p:style>
+          <a:lnRef idx="2">
+            <a:schemeClr val="accent1"/>
+          </a:lnRef>
+          <a:fillRef idx="1">
+            <a:schemeClr val="lt1"/>
+          </a:fillRef>
+          <a:effectRef idx="0">
+            <a:schemeClr val="accent1"/>
+          </a:effectRef>
+          <a:fontRef idx="minor">
+            <a:schemeClr val="dk1"/>
+          </a:fontRef>
+        </p:style>
+        <p:txBody>
+          <a:bodyPr wrap="square" rtlCol="0">
+            <a:spAutoFit/>
+          </a:bodyPr>
+          <a:lstStyle/>
+          <a:p>
+            <a:r>
+              <a:rPr lang="en-US" altLang="ko-KR"/>
+              <a:t>operand</a:t>
+            </a:r>
+            <a:endParaRPr lang="en-US" altLang="ko-KR" dirty="0"/>
+          </a:p>
+          <a:p>
+            <a:r>
+              <a:rPr lang="ko-KR" altLang="en-US" dirty="0"/>
+              <a:t>피연산자</a:t>
+            </a:r>
+          </a:p>
+        </p:txBody>
+      </p:sp>
+      <p:sp>
+        <p:nvSpPr>
+          <p:cNvPr id="28" name="화살표: 위쪽 27">
+            <a:extLst>
+              <a:ext uri="{FF2B5EF4-FFF2-40B4-BE49-F238E27FC236}">
+                <a16:creationId xmlns:a16="http://schemas.microsoft.com/office/drawing/2014/main" id="{8102A984-9DCB-9732-8796-5B62B6FB6BB7}"/>
+              </a:ext>
+            </a:extLst>
+          </p:cNvPr>
+          <p:cNvSpPr/>
+          <p:nvPr/>
+        </p:nvSpPr>
+        <p:spPr>
+          <a:xfrm rot="18676431">
+            <a:off x="1339501" y="1238410"/>
+            <a:ext cx="261258" cy="584775"/>
+          </a:xfrm>
+          <a:prstGeom prst="upArrow">
+            <a:avLst/>
+          </a:prstGeom>
+        </p:spPr>
+        <p:style>
+          <a:lnRef idx="2">
+            <a:schemeClr val="accent6">
+              <a:shade val="50000"/>
+            </a:schemeClr>
+          </a:lnRef>
+          <a:fillRef idx="1">
+            <a:schemeClr val="accent6"/>
+          </a:fillRef>
+          <a:effectRef idx="0">
+            <a:schemeClr val="accent6"/>
+          </a:effectRef>
+          <a:fontRef idx="minor">
+            <a:schemeClr val="lt1"/>
+          </a:fontRef>
+        </p:style>
+        <p:txBody>
+          <a:bodyPr rtlCol="0" anchor="ctr"/>
+          <a:lstStyle/>
+          <a:p>
+            <a:pPr algn="ctr"/>
+            <a:endParaRPr lang="ko-KR" altLang="en-US"/>
+          </a:p>
+        </p:txBody>
+      </p:sp>
+      <p:sp>
+        <p:nvSpPr>
+          <p:cNvPr id="29" name="TextBox 28">
+            <a:extLst>
+              <a:ext uri="{FF2B5EF4-FFF2-40B4-BE49-F238E27FC236}">
+                <a16:creationId xmlns:a16="http://schemas.microsoft.com/office/drawing/2014/main" id="{E6DD136C-DBBB-177B-D6E8-280DB6472187}"/>
+              </a:ext>
+            </a:extLst>
+          </p:cNvPr>
+          <p:cNvSpPr txBox="1"/>
+          <p:nvPr/>
+        </p:nvSpPr>
+        <p:spPr>
+          <a:xfrm>
+            <a:off x="1818474" y="1540310"/>
+            <a:ext cx="1132114" cy="646331"/>
+          </a:xfrm>
+          <a:prstGeom prst="rect">
+            <a:avLst/>
+          </a:prstGeom>
+        </p:spPr>
+        <p:style>
+          <a:lnRef idx="2">
+            <a:schemeClr val="accent6"/>
+          </a:lnRef>
+          <a:fillRef idx="1">
+            <a:schemeClr val="lt1"/>
+          </a:fillRef>
+          <a:effectRef idx="0">
+            <a:schemeClr val="accent6"/>
+          </a:effectRef>
+          <a:fontRef idx="minor">
+            <a:schemeClr val="dk1"/>
+          </a:fontRef>
+        </p:style>
+        <p:txBody>
+          <a:bodyPr wrap="square" rtlCol="0">
+            <a:spAutoFit/>
+          </a:bodyPr>
+          <a:lstStyle/>
+          <a:p>
+            <a:r>
+              <a:rPr lang="en-US" altLang="ko-KR" dirty="0" err="1"/>
+              <a:t>operater</a:t>
+            </a:r>
+            <a:r>
+              <a:rPr lang="ko-KR" altLang="en-US" dirty="0"/>
+              <a:t>연산자</a:t>
+            </a:r>
+          </a:p>
+        </p:txBody>
+      </p:sp>
+      <p:sp>
+        <p:nvSpPr>
+          <p:cNvPr id="35" name="TextBox 34">
+            <a:extLst>
+              <a:ext uri="{FF2B5EF4-FFF2-40B4-BE49-F238E27FC236}">
+                <a16:creationId xmlns:a16="http://schemas.microsoft.com/office/drawing/2014/main" id="{69D30059-F4B3-EFCB-944A-108C34E29D73}"/>
+              </a:ext>
+            </a:extLst>
+          </p:cNvPr>
+          <p:cNvSpPr txBox="1"/>
+          <p:nvPr/>
+        </p:nvSpPr>
+        <p:spPr>
+          <a:xfrm>
+            <a:off x="5011474" y="3348583"/>
+            <a:ext cx="3177510" cy="584775"/>
+          </a:xfrm>
+          <a:prstGeom prst="rect">
+            <a:avLst/>
+          </a:prstGeom>
+          <a:noFill/>
+        </p:spPr>
+        <p:txBody>
+          <a:bodyPr wrap="square" rtlCol="0">
+            <a:spAutoFit/>
+          </a:bodyPr>
+          <a:lstStyle/>
+          <a:p>
+            <a:r>
+              <a:rPr lang="en-US" altLang="ko-KR" sz="3200" dirty="0">
+                <a:solidFill>
+                  <a:schemeClr val="accent1"/>
+                </a:solidFill>
+              </a:rPr>
+              <a:t>s1</a:t>
+            </a:r>
+            <a:r>
+              <a:rPr lang="en-US" altLang="ko-KR" sz="3200" dirty="0"/>
+              <a:t>.</a:t>
+            </a:r>
+            <a:r>
+              <a:rPr lang="en-US" altLang="ko-KR" sz="3200" dirty="0">
+                <a:solidFill>
+                  <a:schemeClr val="accent6"/>
+                </a:solidFill>
+              </a:rPr>
+              <a:t>compute()</a:t>
+            </a:r>
+            <a:r>
+              <a:rPr lang="en-US" altLang="ko-KR" sz="3200" dirty="0"/>
+              <a:t>;</a:t>
+            </a:r>
+            <a:endParaRPr lang="ko-KR" altLang="en-US" sz="3200" dirty="0"/>
+          </a:p>
+        </p:txBody>
+      </p:sp>
+      <p:sp>
+        <p:nvSpPr>
+          <p:cNvPr id="36" name="화살표: 위쪽 35">
+            <a:extLst>
+              <a:ext uri="{FF2B5EF4-FFF2-40B4-BE49-F238E27FC236}">
+                <a16:creationId xmlns:a16="http://schemas.microsoft.com/office/drawing/2014/main" id="{10B1B567-19F5-E1D3-52EE-CC43A4A4AC12}"/>
+              </a:ext>
+            </a:extLst>
+          </p:cNvPr>
+          <p:cNvSpPr/>
+          <p:nvPr/>
+        </p:nvSpPr>
+        <p:spPr>
+          <a:xfrm>
+            <a:off x="5011474" y="3992368"/>
+            <a:ext cx="261258" cy="584775"/>
+          </a:xfrm>
+          <a:prstGeom prst="upArrow">
+            <a:avLst/>
+          </a:prstGeom>
+        </p:spPr>
+        <p:style>
+          <a:lnRef idx="2">
+            <a:schemeClr val="accent1">
+              <a:shade val="50000"/>
+            </a:schemeClr>
+          </a:lnRef>
+          <a:fillRef idx="1">
+            <a:schemeClr val="accent1"/>
+          </a:fillRef>
+          <a:effectRef idx="0">
+            <a:schemeClr val="accent1"/>
+          </a:effectRef>
+          <a:fontRef idx="minor">
+            <a:schemeClr val="lt1"/>
+          </a:fontRef>
+        </p:style>
+        <p:txBody>
+          <a:bodyPr rtlCol="0" anchor="ctr"/>
+          <a:lstStyle/>
+          <a:p>
+            <a:pPr algn="ctr"/>
+            <a:endParaRPr lang="ko-KR" altLang="en-US"/>
+          </a:p>
+        </p:txBody>
+      </p:sp>
+      <p:sp>
+        <p:nvSpPr>
+          <p:cNvPr id="37" name="TextBox 36">
+            <a:extLst>
+              <a:ext uri="{FF2B5EF4-FFF2-40B4-BE49-F238E27FC236}">
+                <a16:creationId xmlns:a16="http://schemas.microsoft.com/office/drawing/2014/main" id="{5C6712D0-C9C7-8A11-FE35-2D6B27382475}"/>
+              </a:ext>
+            </a:extLst>
+          </p:cNvPr>
+          <p:cNvSpPr txBox="1"/>
+          <p:nvPr/>
+        </p:nvSpPr>
+        <p:spPr>
+          <a:xfrm>
+            <a:off x="4708838" y="4652669"/>
+            <a:ext cx="2921695" cy="1200329"/>
+          </a:xfrm>
+          <a:prstGeom prst="rect">
+            <a:avLst/>
+          </a:prstGeom>
+        </p:spPr>
+        <p:style>
+          <a:lnRef idx="2">
+            <a:schemeClr val="accent1"/>
+          </a:lnRef>
+          <a:fillRef idx="1">
+            <a:schemeClr val="lt1"/>
+          </a:fillRef>
+          <a:effectRef idx="0">
+            <a:schemeClr val="accent1"/>
+          </a:effectRef>
+          <a:fontRef idx="minor">
+            <a:schemeClr val="dk1"/>
+          </a:fontRef>
+        </p:style>
+        <p:txBody>
+          <a:bodyPr wrap="square" rtlCol="0">
+            <a:spAutoFit/>
+          </a:bodyPr>
+          <a:lstStyle/>
+          <a:p>
+            <a:r>
+              <a:rPr lang="ko-KR" altLang="en-US" dirty="0"/>
+              <a:t>인스턴스 주소를 </a:t>
+            </a:r>
+            <a:r>
+              <a:rPr lang="ko-KR" altLang="en-US" dirty="0" err="1"/>
+              <a:t>가르키는</a:t>
+            </a:r>
+            <a:r>
+              <a:rPr lang="ko-KR" altLang="en-US" dirty="0"/>
+              <a:t> 레퍼런스 변수</a:t>
+            </a:r>
+            <a:endParaRPr lang="en-US" altLang="ko-KR" dirty="0"/>
+          </a:p>
+          <a:p>
+            <a:r>
+              <a:rPr lang="en-US" altLang="ko-KR" dirty="0"/>
+              <a:t>operand</a:t>
+            </a:r>
+          </a:p>
+          <a:p>
+            <a:r>
+              <a:rPr lang="ko-KR" altLang="en-US" dirty="0"/>
+              <a:t>피연산자</a:t>
+            </a:r>
+          </a:p>
+        </p:txBody>
+      </p:sp>
+      <p:sp>
+        <p:nvSpPr>
+          <p:cNvPr id="39" name="TextBox 38">
+            <a:extLst>
+              <a:ext uri="{FF2B5EF4-FFF2-40B4-BE49-F238E27FC236}">
+                <a16:creationId xmlns:a16="http://schemas.microsoft.com/office/drawing/2014/main" id="{C8022C2F-367B-DE6C-2711-F65AFACF8969}"/>
+              </a:ext>
+            </a:extLst>
+          </p:cNvPr>
+          <p:cNvSpPr txBox="1"/>
+          <p:nvPr/>
+        </p:nvSpPr>
+        <p:spPr>
+          <a:xfrm>
+            <a:off x="8398118" y="4500542"/>
+            <a:ext cx="1329735" cy="923330"/>
+          </a:xfrm>
+          <a:prstGeom prst="rect">
+            <a:avLst/>
+          </a:prstGeom>
+        </p:spPr>
+        <p:style>
+          <a:lnRef idx="2">
+            <a:schemeClr val="accent6"/>
+          </a:lnRef>
+          <a:fillRef idx="1">
+            <a:schemeClr val="lt1"/>
+          </a:fillRef>
+          <a:effectRef idx="0">
+            <a:schemeClr val="accent6"/>
+          </a:effectRef>
+          <a:fontRef idx="minor">
+            <a:schemeClr val="dk1"/>
+          </a:fontRef>
+        </p:style>
+        <p:txBody>
+          <a:bodyPr wrap="square" rtlCol="0">
+            <a:spAutoFit/>
+          </a:bodyPr>
+          <a:lstStyle/>
+          <a:p>
+            <a:r>
+              <a:rPr lang="en-US" altLang="ko-KR" dirty="0"/>
+              <a:t>method</a:t>
+            </a:r>
+          </a:p>
+          <a:p>
+            <a:r>
+              <a:rPr lang="en-US" altLang="ko-KR" dirty="0" err="1"/>
+              <a:t>operater</a:t>
+            </a:r>
+            <a:endParaRPr lang="en-US" altLang="ko-KR" dirty="0"/>
+          </a:p>
+          <a:p>
+            <a:r>
+              <a:rPr lang="ko-KR" altLang="en-US" dirty="0"/>
+              <a:t>연산자</a:t>
+            </a:r>
+          </a:p>
+        </p:txBody>
+      </p:sp>
+      <p:sp>
+        <p:nvSpPr>
+          <p:cNvPr id="45" name="TextBox 44">
+            <a:extLst>
+              <a:ext uri="{FF2B5EF4-FFF2-40B4-BE49-F238E27FC236}">
+                <a16:creationId xmlns:a16="http://schemas.microsoft.com/office/drawing/2014/main" id="{74B66CFD-E582-218F-F235-51B2B0AC6389}"/>
+              </a:ext>
+            </a:extLst>
+          </p:cNvPr>
+          <p:cNvSpPr txBox="1"/>
+          <p:nvPr/>
+        </p:nvSpPr>
+        <p:spPr>
+          <a:xfrm>
+            <a:off x="9381670" y="3424599"/>
+            <a:ext cx="3177510" cy="584775"/>
+          </a:xfrm>
+          <a:prstGeom prst="rect">
+            <a:avLst/>
+          </a:prstGeom>
+          <a:noFill/>
+        </p:spPr>
+        <p:txBody>
+          <a:bodyPr wrap="square" rtlCol="0">
+            <a:spAutoFit/>
+          </a:bodyPr>
+          <a:lstStyle/>
+          <a:p>
+            <a:r>
+              <a:rPr lang="en-US" altLang="ko-KR" sz="3200" dirty="0">
+                <a:solidFill>
+                  <a:schemeClr val="accent1"/>
+                </a:solidFill>
+              </a:rPr>
+              <a:t>s2</a:t>
+            </a:r>
+            <a:r>
+              <a:rPr lang="en-US" altLang="ko-KR" sz="3200" dirty="0"/>
+              <a:t>.</a:t>
+            </a:r>
+            <a:r>
+              <a:rPr lang="en-US" altLang="ko-KR" sz="3200" dirty="0">
+                <a:solidFill>
+                  <a:schemeClr val="accent6"/>
+                </a:solidFill>
+              </a:rPr>
+              <a:t>compute()</a:t>
+            </a:r>
+            <a:r>
+              <a:rPr lang="en-US" altLang="ko-KR" sz="3200" dirty="0"/>
+              <a:t>;</a:t>
+            </a:r>
+            <a:endParaRPr lang="ko-KR" altLang="en-US" sz="3200" dirty="0"/>
+          </a:p>
+        </p:txBody>
+      </p:sp>
+      <p:sp>
+        <p:nvSpPr>
+          <p:cNvPr id="50" name="TextBox 49">
+            <a:extLst>
+              <a:ext uri="{FF2B5EF4-FFF2-40B4-BE49-F238E27FC236}">
+                <a16:creationId xmlns:a16="http://schemas.microsoft.com/office/drawing/2014/main" id="{BABC49A4-2969-96EB-DEE4-E0AF01696C14}"/>
+              </a:ext>
+            </a:extLst>
+          </p:cNvPr>
+          <p:cNvSpPr txBox="1"/>
+          <p:nvPr/>
+        </p:nvSpPr>
+        <p:spPr>
+          <a:xfrm>
+            <a:off x="544285" y="677967"/>
+            <a:ext cx="1045029" cy="584775"/>
+          </a:xfrm>
+          <a:prstGeom prst="rect">
+            <a:avLst/>
+          </a:prstGeom>
+          <a:noFill/>
+        </p:spPr>
+        <p:txBody>
+          <a:bodyPr wrap="square" rtlCol="0">
+            <a:spAutoFit/>
+          </a:bodyPr>
+          <a:lstStyle/>
+          <a:p>
+            <a:r>
+              <a:rPr lang="en-US" altLang="ko-KR" sz="3200" dirty="0" err="1">
+                <a:solidFill>
+                  <a:schemeClr val="accent1"/>
+                </a:solidFill>
+              </a:rPr>
+              <a:t>i</a:t>
+            </a:r>
+            <a:r>
+              <a:rPr lang="en-US" altLang="ko-KR" sz="3200" dirty="0">
+                <a:solidFill>
+                  <a:schemeClr val="accent6"/>
+                </a:solidFill>
+              </a:rPr>
+              <a:t>++</a:t>
+            </a:r>
+            <a:r>
+              <a:rPr lang="en-US" altLang="ko-KR" sz="3200" dirty="0"/>
+              <a:t>;</a:t>
+            </a:r>
+            <a:endParaRPr lang="ko-KR" altLang="en-US" sz="3200" dirty="0"/>
+          </a:p>
+        </p:txBody>
+      </p:sp>
+      <p:cxnSp>
+        <p:nvCxnSpPr>
+          <p:cNvPr id="53" name="직선 연결선 52">
+            <a:extLst>
+              <a:ext uri="{FF2B5EF4-FFF2-40B4-BE49-F238E27FC236}">
+                <a16:creationId xmlns:a16="http://schemas.microsoft.com/office/drawing/2014/main" id="{70FBD5E9-81F9-E3C5-6053-B6EFF9A090B1}"/>
+              </a:ext>
+            </a:extLst>
+          </p:cNvPr>
+          <p:cNvCxnSpPr/>
+          <p:nvPr/>
+        </p:nvCxnSpPr>
+        <p:spPr>
+          <a:xfrm>
+            <a:off x="5517240" y="3943691"/>
+            <a:ext cx="2165978" cy="0"/>
+          </a:xfrm>
+          <a:prstGeom prst="line">
+            <a:avLst/>
+          </a:prstGeom>
+          <a:ln w="38100">
+            <a:solidFill>
+              <a:srgbClr val="FDA9F7"/>
+            </a:solidFill>
+          </a:ln>
+        </p:spPr>
+        <p:style>
+          <a:lnRef idx="1">
+            <a:schemeClr val="accent1"/>
+          </a:lnRef>
+          <a:fillRef idx="0">
+            <a:schemeClr val="accent1"/>
+          </a:fillRef>
+          <a:effectRef idx="0">
+            <a:schemeClr val="accent1"/>
+          </a:effectRef>
+          <a:fontRef idx="minor">
+            <a:schemeClr val="tx1"/>
+          </a:fontRef>
+        </p:style>
+      </p:cxnSp>
+      <p:cxnSp>
+        <p:nvCxnSpPr>
+          <p:cNvPr id="54" name="직선 연결선 53">
+            <a:extLst>
+              <a:ext uri="{FF2B5EF4-FFF2-40B4-BE49-F238E27FC236}">
+                <a16:creationId xmlns:a16="http://schemas.microsoft.com/office/drawing/2014/main" id="{F92878E2-410E-C9B8-F323-6BFBB081415D}"/>
+              </a:ext>
+            </a:extLst>
+          </p:cNvPr>
+          <p:cNvCxnSpPr/>
+          <p:nvPr/>
+        </p:nvCxnSpPr>
+        <p:spPr>
+          <a:xfrm>
+            <a:off x="9887436" y="4047325"/>
+            <a:ext cx="2165978" cy="0"/>
+          </a:xfrm>
+          <a:prstGeom prst="line">
+            <a:avLst/>
+          </a:prstGeom>
+          <a:ln w="38100">
+            <a:solidFill>
+              <a:srgbClr val="FDA9F7"/>
+            </a:solidFill>
+          </a:ln>
+        </p:spPr>
+        <p:style>
+          <a:lnRef idx="1">
+            <a:schemeClr val="accent1"/>
+          </a:lnRef>
+          <a:fillRef idx="0">
+            <a:schemeClr val="accent1"/>
+          </a:fillRef>
+          <a:effectRef idx="0">
+            <a:schemeClr val="accent1"/>
+          </a:effectRef>
+          <a:fontRef idx="minor">
+            <a:schemeClr val="tx1"/>
+          </a:fontRef>
+        </p:style>
+      </p:cxnSp>
+      <p:cxnSp>
+        <p:nvCxnSpPr>
+          <p:cNvPr id="55" name="직선 연결선 54">
+            <a:extLst>
+              <a:ext uri="{FF2B5EF4-FFF2-40B4-BE49-F238E27FC236}">
+                <a16:creationId xmlns:a16="http://schemas.microsoft.com/office/drawing/2014/main" id="{0064F8CA-E359-59B6-FF37-BC3659C163D7}"/>
+              </a:ext>
+            </a:extLst>
+          </p:cNvPr>
+          <p:cNvCxnSpPr>
+            <a:cxnSpLocks/>
+          </p:cNvCxnSpPr>
+          <p:nvPr/>
+        </p:nvCxnSpPr>
+        <p:spPr>
+          <a:xfrm>
+            <a:off x="751952" y="1169352"/>
+            <a:ext cx="576105" cy="0"/>
+          </a:xfrm>
+          <a:prstGeom prst="line">
+            <a:avLst/>
+          </a:prstGeom>
+          <a:ln w="38100">
+            <a:solidFill>
+              <a:srgbClr val="FDA9F7"/>
+            </a:solidFill>
+          </a:ln>
+        </p:spPr>
+        <p:style>
+          <a:lnRef idx="1">
+            <a:schemeClr val="accent1"/>
+          </a:lnRef>
+          <a:fillRef idx="0">
+            <a:schemeClr val="accent1"/>
+          </a:fillRef>
+          <a:effectRef idx="0">
+            <a:schemeClr val="accent1"/>
+          </a:effectRef>
+          <a:fontRef idx="minor">
+            <a:schemeClr val="tx1"/>
+          </a:fontRef>
+        </p:style>
+      </p:cxnSp>
+      <p:cxnSp>
+        <p:nvCxnSpPr>
+          <p:cNvPr id="57" name="직선 연결선 56">
+            <a:extLst>
+              <a:ext uri="{FF2B5EF4-FFF2-40B4-BE49-F238E27FC236}">
+                <a16:creationId xmlns:a16="http://schemas.microsoft.com/office/drawing/2014/main" id="{8CC39579-3B88-1EA1-5CDF-5FE8F65DA61E}"/>
+              </a:ext>
+            </a:extLst>
+          </p:cNvPr>
+          <p:cNvCxnSpPr>
+            <a:cxnSpLocks/>
+          </p:cNvCxnSpPr>
+          <p:nvPr/>
+        </p:nvCxnSpPr>
+        <p:spPr>
+          <a:xfrm>
+            <a:off x="624186" y="3562130"/>
+            <a:ext cx="576105" cy="0"/>
+          </a:xfrm>
+          <a:prstGeom prst="line">
+            <a:avLst/>
+          </a:prstGeom>
+          <a:ln w="38100">
+            <a:solidFill>
+              <a:srgbClr val="FDA9F7"/>
+            </a:solidFill>
+          </a:ln>
+        </p:spPr>
+        <p:style>
+          <a:lnRef idx="1">
+            <a:schemeClr val="accent1"/>
+          </a:lnRef>
+          <a:fillRef idx="0">
+            <a:schemeClr val="accent1"/>
+          </a:fillRef>
+          <a:effectRef idx="0">
+            <a:schemeClr val="accent1"/>
+          </a:effectRef>
+          <a:fontRef idx="minor">
+            <a:schemeClr val="tx1"/>
+          </a:fontRef>
+        </p:style>
+      </p:cxnSp>
+      <p:cxnSp>
+        <p:nvCxnSpPr>
+          <p:cNvPr id="59" name="연결선: 구부러짐 58">
+            <a:extLst>
+              <a:ext uri="{FF2B5EF4-FFF2-40B4-BE49-F238E27FC236}">
+                <a16:creationId xmlns:a16="http://schemas.microsoft.com/office/drawing/2014/main" id="{AE5A1B33-6600-A60F-4630-6779A2E30A93}"/>
+              </a:ext>
+            </a:extLst>
+          </p:cNvPr>
+          <p:cNvCxnSpPr>
+            <a:stCxn id="35" idx="2"/>
+            <a:endCxn id="45" idx="2"/>
+          </p:cNvCxnSpPr>
+          <p:nvPr/>
+        </p:nvCxnSpPr>
+        <p:spPr>
+          <a:xfrm rot="16200000" flipH="1">
+            <a:off x="8747319" y="1786268"/>
+            <a:ext cx="76016" cy="4370196"/>
+          </a:xfrm>
+          <a:prstGeom prst="curvedConnector3">
+            <a:avLst>
+              <a:gd name="adj1" fmla="val 400726"/>
+            </a:avLst>
+          </a:prstGeom>
+          <a:ln w="25400">
+            <a:solidFill>
+              <a:srgbClr val="FDA9F7"/>
+            </a:solidFill>
+            <a:headEnd type="triangle"/>
+            <a:tailEnd type="triangle"/>
+          </a:ln>
+        </p:spPr>
+        <p:style>
+          <a:lnRef idx="1">
+            <a:schemeClr val="accent1"/>
+          </a:lnRef>
+          <a:fillRef idx="0">
+            <a:schemeClr val="accent1"/>
+          </a:fillRef>
+          <a:effectRef idx="0">
+            <a:schemeClr val="accent1"/>
+          </a:effectRef>
+          <a:fontRef idx="minor">
+            <a:schemeClr val="tx1"/>
+          </a:fontRef>
+        </p:style>
+      </p:cxnSp>
+      <p:sp>
+        <p:nvSpPr>
+          <p:cNvPr id="38" name="화살표: 위쪽 37">
+            <a:extLst>
+              <a:ext uri="{FF2B5EF4-FFF2-40B4-BE49-F238E27FC236}">
+                <a16:creationId xmlns:a16="http://schemas.microsoft.com/office/drawing/2014/main" id="{C6EFB7DC-AFA3-6C3B-5606-76A00B56CB6C}"/>
+              </a:ext>
+            </a:extLst>
+          </p:cNvPr>
+          <p:cNvSpPr/>
+          <p:nvPr/>
+        </p:nvSpPr>
+        <p:spPr>
+          <a:xfrm rot="18676431">
+            <a:off x="7706649" y="3876329"/>
+            <a:ext cx="265965" cy="1025477"/>
+          </a:xfrm>
+          <a:prstGeom prst="upArrow">
+            <a:avLst/>
+          </a:prstGeom>
+        </p:spPr>
+        <p:style>
+          <a:lnRef idx="2">
+            <a:schemeClr val="accent6">
+              <a:shade val="50000"/>
+            </a:schemeClr>
+          </a:lnRef>
+          <a:fillRef idx="1">
+            <a:schemeClr val="accent6"/>
+          </a:fillRef>
+          <a:effectRef idx="0">
+            <a:schemeClr val="accent6"/>
+          </a:effectRef>
+          <a:fontRef idx="minor">
+            <a:schemeClr val="lt1"/>
+          </a:fontRef>
+        </p:style>
+        <p:txBody>
+          <a:bodyPr rtlCol="0" anchor="ctr"/>
+          <a:lstStyle/>
+          <a:p>
+            <a:pPr algn="ctr"/>
+            <a:endParaRPr lang="ko-KR" altLang="en-US"/>
+          </a:p>
+        </p:txBody>
+      </p:sp>
+      <p:sp>
+        <p:nvSpPr>
+          <p:cNvPr id="64" name="TextBox 63">
+            <a:extLst>
+              <a:ext uri="{FF2B5EF4-FFF2-40B4-BE49-F238E27FC236}">
+                <a16:creationId xmlns:a16="http://schemas.microsoft.com/office/drawing/2014/main" id="{CB2AF0E1-00FA-7622-DE9C-BB842A53389E}"/>
+              </a:ext>
+            </a:extLst>
+          </p:cNvPr>
+          <p:cNvSpPr txBox="1"/>
+          <p:nvPr/>
+        </p:nvSpPr>
+        <p:spPr>
+          <a:xfrm>
+            <a:off x="9838311" y="4342444"/>
+            <a:ext cx="2165979" cy="923330"/>
+          </a:xfrm>
+          <a:prstGeom prst="rect">
+            <a:avLst/>
+          </a:prstGeom>
+          <a:ln>
+            <a:solidFill>
+              <a:srgbClr val="FDA9F7"/>
+            </a:solidFill>
+          </a:ln>
+        </p:spPr>
+        <p:style>
+          <a:lnRef idx="2">
+            <a:schemeClr val="accent6"/>
+          </a:lnRef>
+          <a:fillRef idx="1">
+            <a:schemeClr val="lt1"/>
+          </a:fillRef>
+          <a:effectRef idx="0">
+            <a:schemeClr val="accent6"/>
+          </a:effectRef>
+          <a:fontRef idx="minor">
+            <a:schemeClr val="dk1"/>
+          </a:fontRef>
+        </p:style>
+        <p:txBody>
+          <a:bodyPr wrap="square" rtlCol="0">
+            <a:spAutoFit/>
+          </a:bodyPr>
+          <a:lstStyle/>
+          <a:p>
+            <a:pPr marL="285750" indent="-285750">
+              <a:buFont typeface="Arial" panose="020B0604020202020204" pitchFamily="34" charset="0"/>
+              <a:buChar char="•"/>
+            </a:pPr>
+            <a:r>
+              <a:rPr lang="ko-KR" altLang="en-US" dirty="0"/>
+              <a:t>같은 메소드</a:t>
+            </a:r>
+            <a:endParaRPr lang="en-US" altLang="ko-KR" dirty="0"/>
+          </a:p>
+          <a:p>
+            <a:pPr marL="285750" indent="-285750">
+              <a:buFont typeface="Arial" panose="020B0604020202020204" pitchFamily="34" charset="0"/>
+              <a:buChar char="•"/>
+            </a:pPr>
+            <a:r>
+              <a:rPr lang="ko-KR" altLang="en-US" dirty="0"/>
+              <a:t>계산 해 줄 값</a:t>
+            </a:r>
+            <a:endParaRPr lang="en-US" altLang="ko-KR" dirty="0"/>
+          </a:p>
+          <a:p>
+            <a:r>
+              <a:rPr lang="en-US" altLang="ko-KR" dirty="0"/>
+              <a:t>(s1, s2)</a:t>
+            </a:r>
+            <a:r>
+              <a:rPr lang="ko-KR" altLang="en-US" dirty="0"/>
+              <a:t>만 다른 것</a:t>
+            </a:r>
+            <a:r>
+              <a:rPr lang="en-US" altLang="ko-KR" dirty="0"/>
+              <a:t>!</a:t>
+            </a:r>
+          </a:p>
+        </p:txBody>
+      </p:sp>
+      <p:sp>
+        <p:nvSpPr>
+          <p:cNvPr id="65" name="TextBox 64">
+            <a:extLst>
+              <a:ext uri="{FF2B5EF4-FFF2-40B4-BE49-F238E27FC236}">
+                <a16:creationId xmlns:a16="http://schemas.microsoft.com/office/drawing/2014/main" id="{9ACD565B-E707-33E1-3C8C-FEBB8C181A5B}"/>
+              </a:ext>
+            </a:extLst>
+          </p:cNvPr>
+          <p:cNvSpPr txBox="1"/>
+          <p:nvPr/>
+        </p:nvSpPr>
+        <p:spPr>
+          <a:xfrm>
+            <a:off x="1669699" y="2569982"/>
+            <a:ext cx="2165979" cy="923330"/>
+          </a:xfrm>
+          <a:prstGeom prst="rect">
+            <a:avLst/>
+          </a:prstGeom>
+          <a:ln>
+            <a:solidFill>
+              <a:srgbClr val="FDA9F7"/>
+            </a:solidFill>
+          </a:ln>
+        </p:spPr>
+        <p:style>
+          <a:lnRef idx="2">
+            <a:schemeClr val="accent6"/>
+          </a:lnRef>
+          <a:fillRef idx="1">
+            <a:schemeClr val="lt1"/>
+          </a:fillRef>
+          <a:effectRef idx="0">
+            <a:schemeClr val="accent6"/>
+          </a:effectRef>
+          <a:fontRef idx="minor">
+            <a:schemeClr val="dk1"/>
+          </a:fontRef>
+        </p:style>
+        <p:txBody>
+          <a:bodyPr wrap="square" rtlCol="0">
+            <a:spAutoFit/>
+          </a:bodyPr>
+          <a:lstStyle/>
+          <a:p>
+            <a:pPr marL="285750" indent="-285750">
+              <a:buFont typeface="Arial" panose="020B0604020202020204" pitchFamily="34" charset="0"/>
+              <a:buChar char="•"/>
+            </a:pPr>
+            <a:r>
+              <a:rPr lang="ko-KR" altLang="en-US" dirty="0"/>
+              <a:t>같은 메소드</a:t>
+            </a:r>
+            <a:endParaRPr lang="en-US" altLang="ko-KR" dirty="0"/>
+          </a:p>
+          <a:p>
+            <a:pPr marL="285750" indent="-285750">
+              <a:buFont typeface="Arial" panose="020B0604020202020204" pitchFamily="34" charset="0"/>
+              <a:buChar char="•"/>
+            </a:pPr>
+            <a:r>
+              <a:rPr lang="ko-KR" altLang="en-US" dirty="0"/>
+              <a:t>계산 해 줄 값</a:t>
+            </a:r>
+            <a:endParaRPr lang="en-US" altLang="ko-KR" dirty="0"/>
+          </a:p>
+          <a:p>
+            <a:r>
+              <a:rPr lang="en-US" altLang="ko-KR" dirty="0"/>
+              <a:t>(</a:t>
+            </a:r>
+            <a:r>
+              <a:rPr lang="en-US" altLang="ko-KR" dirty="0" err="1"/>
+              <a:t>i</a:t>
+            </a:r>
+            <a:r>
+              <a:rPr lang="en-US" altLang="ko-KR" dirty="0"/>
+              <a:t>, j)</a:t>
+            </a:r>
+            <a:r>
+              <a:rPr lang="ko-KR" altLang="en-US" dirty="0"/>
+              <a:t>만 다른 것</a:t>
+            </a:r>
+            <a:r>
+              <a:rPr lang="en-US" altLang="ko-KR" dirty="0"/>
+              <a:t>!</a:t>
+            </a:r>
+          </a:p>
+        </p:txBody>
+      </p:sp>
+      <p:sp>
+        <p:nvSpPr>
+          <p:cNvPr id="66" name="TextBox 65">
+            <a:extLst>
+              <a:ext uri="{FF2B5EF4-FFF2-40B4-BE49-F238E27FC236}">
+                <a16:creationId xmlns:a16="http://schemas.microsoft.com/office/drawing/2014/main" id="{537EB330-22F6-65C3-3591-CF45C68C8C67}"/>
+              </a:ext>
+            </a:extLst>
+          </p:cNvPr>
+          <p:cNvSpPr txBox="1"/>
+          <p:nvPr/>
+        </p:nvSpPr>
+        <p:spPr>
+          <a:xfrm>
+            <a:off x="5011474" y="2604097"/>
+            <a:ext cx="3630247" cy="646331"/>
+          </a:xfrm>
+          <a:prstGeom prst="rect">
+            <a:avLst/>
+          </a:prstGeom>
+          <a:ln>
+            <a:solidFill>
+              <a:srgbClr val="FDA9F7"/>
+            </a:solidFill>
+          </a:ln>
+        </p:spPr>
+        <p:style>
+          <a:lnRef idx="2">
+            <a:schemeClr val="accent6"/>
+          </a:lnRef>
+          <a:fillRef idx="1">
+            <a:schemeClr val="lt1"/>
+          </a:fillRef>
+          <a:effectRef idx="0">
+            <a:schemeClr val="accent6"/>
+          </a:effectRef>
+          <a:fontRef idx="minor">
+            <a:schemeClr val="dk1"/>
+          </a:fontRef>
+        </p:style>
+        <p:txBody>
+          <a:bodyPr wrap="square" rtlCol="0">
+            <a:spAutoFit/>
+          </a:bodyPr>
+          <a:lstStyle/>
+          <a:p>
+            <a:r>
+              <a:rPr lang="en-US" altLang="ko-KR" dirty="0"/>
+              <a:t>Compute</a:t>
+            </a:r>
+            <a:r>
+              <a:rPr lang="ko-KR" altLang="en-US" dirty="0"/>
+              <a:t>가 </a:t>
+            </a:r>
+            <a:r>
+              <a:rPr lang="en-US" altLang="ko-KR" dirty="0"/>
+              <a:t>s1</a:t>
+            </a:r>
+            <a:r>
+              <a:rPr lang="ko-KR" altLang="en-US" dirty="0"/>
+              <a:t>을 계산 시킨다고 생각하면 좋을 듯 하다</a:t>
+            </a:r>
+            <a:r>
+              <a:rPr lang="en-US" altLang="ko-KR" dirty="0"/>
+              <a:t>.</a:t>
+            </a:r>
+          </a:p>
+        </p:txBody>
+      </p:sp>
+    </p:spTree>
+    <p:extLst>
+      <p:ext uri="{BB962C8B-B14F-4D97-AF65-F5344CB8AC3E}">
+        <p14:creationId xmlns:p14="http://schemas.microsoft.com/office/powerpoint/2010/main" val="2327386383"/>
+      </p:ext>
+    </p:extLst>
+  </p:cSld>
+  <p:clrMapOvr>
+    <a:masterClrMapping/>
+  </p:clrMapOvr>
+</p:sld>
+</file>
+
+<file path=ppt/slides/slide3.xml><?xml version="1.0" encoding="utf-8"?>
+<p:sld xmlns:a="http://schemas.openxmlformats.org/drawingml/2006/main" xmlns:r="http://schemas.openxmlformats.org/officeDocument/2006/relationships" xmlns:p="http://schemas.openxmlformats.org/presentationml/2006/main">
+  <p:cSld>
+    <p:spTree>
+      <p:nvGrpSpPr>
+        <p:cNvPr id="1" name=""/>
+        <p:cNvGrpSpPr/>
+        <p:nvPr/>
+      </p:nvGrpSpPr>
+      <p:grpSpPr>
+        <a:xfrm>
+          <a:off x="0" y="0"/>
+          <a:ext cx="0" cy="0"/>
+          <a:chOff x="0" y="0"/>
+          <a:chExt cx="0" cy="0"/>
+        </a:xfrm>
+      </p:grpSpPr>
+      <p:sp>
+        <p:nvSpPr>
+          <p:cNvPr id="2" name="직사각형 1">
+            <a:extLst>
+              <a:ext uri="{FF2B5EF4-FFF2-40B4-BE49-F238E27FC236}">
+                <a16:creationId xmlns:a16="http://schemas.microsoft.com/office/drawing/2014/main" id="{8D52B1CF-8057-AD71-0A6F-928E11694953}"/>
+              </a:ext>
+            </a:extLst>
+          </p:cNvPr>
+          <p:cNvSpPr/>
+          <p:nvPr/>
+        </p:nvSpPr>
+        <p:spPr>
+          <a:xfrm>
+            <a:off x="326571" y="1338943"/>
+            <a:ext cx="3211286" cy="5138058"/>
+          </a:xfrm>
+          <a:prstGeom prst="rect">
+            <a:avLst/>
+          </a:prstGeom>
+        </p:spPr>
+        <p:style>
+          <a:lnRef idx="2">
+            <a:schemeClr val="accent1">
+              <a:shade val="50000"/>
+            </a:schemeClr>
+          </a:lnRef>
+          <a:fillRef idx="1">
+            <a:schemeClr val="accent1"/>
+          </a:fillRef>
+          <a:effectRef idx="0">
+            <a:schemeClr val="accent1"/>
+          </a:effectRef>
+          <a:fontRef idx="minor">
+            <a:schemeClr val="lt1"/>
+          </a:fontRef>
+        </p:style>
+        <p:txBody>
+          <a:bodyPr rtlCol="0" anchor="ctr"/>
+          <a:lstStyle/>
+          <a:p>
+            <a:pPr algn="ctr"/>
+            <a:endParaRPr lang="ko-KR" altLang="en-US"/>
+          </a:p>
+        </p:txBody>
+      </p:sp>
+      <p:sp>
+        <p:nvSpPr>
+          <p:cNvPr id="11" name="직사각형 10">
+            <a:extLst>
+              <a:ext uri="{FF2B5EF4-FFF2-40B4-BE49-F238E27FC236}">
+                <a16:creationId xmlns:a16="http://schemas.microsoft.com/office/drawing/2014/main" id="{6CD56D0E-8AD8-B0F9-17F8-F94B05B17A66}"/>
+              </a:ext>
+            </a:extLst>
+          </p:cNvPr>
+          <p:cNvSpPr/>
+          <p:nvPr/>
+        </p:nvSpPr>
+        <p:spPr>
+          <a:xfrm>
+            <a:off x="4267199" y="1338943"/>
+            <a:ext cx="3211286" cy="5138058"/>
+          </a:xfrm>
+          <a:prstGeom prst="rect">
+            <a:avLst/>
+          </a:prstGeom>
+        </p:spPr>
+        <p:style>
+          <a:lnRef idx="2">
+            <a:schemeClr val="accent1">
+              <a:shade val="50000"/>
+            </a:schemeClr>
+          </a:lnRef>
+          <a:fillRef idx="1">
+            <a:schemeClr val="accent1"/>
+          </a:fillRef>
+          <a:effectRef idx="0">
+            <a:schemeClr val="accent1"/>
+          </a:effectRef>
+          <a:fontRef idx="minor">
+            <a:schemeClr val="lt1"/>
+          </a:fontRef>
+        </p:style>
+        <p:txBody>
+          <a:bodyPr rtlCol="0" anchor="ctr"/>
+          <a:lstStyle/>
+          <a:p>
+            <a:pPr algn="ctr"/>
+            <a:endParaRPr lang="ko-KR" altLang="en-US"/>
+          </a:p>
+        </p:txBody>
+      </p:sp>
+      <p:sp>
+        <p:nvSpPr>
+          <p:cNvPr id="3" name="TextBox 2">
+            <a:extLst>
+              <a:ext uri="{FF2B5EF4-FFF2-40B4-BE49-F238E27FC236}">
+                <a16:creationId xmlns:a16="http://schemas.microsoft.com/office/drawing/2014/main" id="{DF3E3316-B51F-3707-F43B-8BFCDE911E2F}"/>
+              </a:ext>
+            </a:extLst>
+          </p:cNvPr>
+          <p:cNvSpPr txBox="1"/>
+          <p:nvPr/>
+        </p:nvSpPr>
+        <p:spPr>
+          <a:xfrm>
+            <a:off x="326571" y="914009"/>
+            <a:ext cx="1861458" cy="369332"/>
+          </a:xfrm>
+          <a:prstGeom prst="rect">
+            <a:avLst/>
+          </a:prstGeom>
+        </p:spPr>
+        <p:style>
+          <a:lnRef idx="2">
+            <a:schemeClr val="accent5"/>
+          </a:lnRef>
+          <a:fillRef idx="1">
+            <a:schemeClr val="lt1"/>
+          </a:fillRef>
+          <a:effectRef idx="0">
+            <a:schemeClr val="accent5"/>
+          </a:effectRef>
+          <a:fontRef idx="minor">
+            <a:schemeClr val="dk1"/>
+          </a:fontRef>
+        </p:style>
+        <p:txBody>
+          <a:bodyPr wrap="square" rtlCol="0">
+            <a:spAutoFit/>
+          </a:bodyPr>
+          <a:lstStyle/>
+          <a:p>
+            <a:r>
+              <a:rPr lang="en-US" altLang="ko-KR" dirty="0"/>
+              <a:t>Exam0210 class</a:t>
+            </a:r>
+            <a:endParaRPr lang="ko-KR" altLang="en-US" dirty="0"/>
+          </a:p>
+        </p:txBody>
+      </p:sp>
+      <p:sp>
+        <p:nvSpPr>
+          <p:cNvPr id="14" name="TextBox 13">
+            <a:extLst>
+              <a:ext uri="{FF2B5EF4-FFF2-40B4-BE49-F238E27FC236}">
+                <a16:creationId xmlns:a16="http://schemas.microsoft.com/office/drawing/2014/main" id="{98F71F92-0DC1-BA43-5F6C-C963060673B7}"/>
+              </a:ext>
+            </a:extLst>
+          </p:cNvPr>
+          <p:cNvSpPr txBox="1"/>
+          <p:nvPr/>
+        </p:nvSpPr>
+        <p:spPr>
+          <a:xfrm>
+            <a:off x="4234542" y="914009"/>
+            <a:ext cx="1861458" cy="369332"/>
+          </a:xfrm>
+          <a:prstGeom prst="rect">
+            <a:avLst/>
+          </a:prstGeom>
+        </p:spPr>
+        <p:style>
+          <a:lnRef idx="2">
+            <a:schemeClr val="accent5"/>
+          </a:lnRef>
+          <a:fillRef idx="1">
+            <a:schemeClr val="lt1"/>
+          </a:fillRef>
+          <a:effectRef idx="0">
+            <a:schemeClr val="accent5"/>
+          </a:effectRef>
+          <a:fontRef idx="minor">
+            <a:schemeClr val="dk1"/>
+          </a:fontRef>
+        </p:style>
+        <p:txBody>
+          <a:bodyPr wrap="square" rtlCol="0">
+            <a:spAutoFit/>
+          </a:bodyPr>
+          <a:lstStyle/>
+          <a:p>
+            <a:r>
+              <a:rPr lang="en-US" altLang="ko-KR" dirty="0"/>
+              <a:t>Exam0210 class</a:t>
+            </a:r>
+            <a:endParaRPr lang="ko-KR" altLang="en-US" dirty="0"/>
+          </a:p>
+        </p:txBody>
+      </p:sp>
+      <p:sp>
+        <p:nvSpPr>
+          <p:cNvPr id="15" name="TextBox 14">
+            <a:extLst>
+              <a:ext uri="{FF2B5EF4-FFF2-40B4-BE49-F238E27FC236}">
+                <a16:creationId xmlns:a16="http://schemas.microsoft.com/office/drawing/2014/main" id="{4A8B4CD0-8181-33A3-4185-B98039C0D3B5}"/>
+              </a:ext>
+            </a:extLst>
+          </p:cNvPr>
+          <p:cNvSpPr txBox="1"/>
+          <p:nvPr/>
+        </p:nvSpPr>
+        <p:spPr>
+          <a:xfrm>
+            <a:off x="8207827" y="914009"/>
+            <a:ext cx="1861458" cy="369332"/>
+          </a:xfrm>
+          <a:prstGeom prst="rect">
+            <a:avLst/>
+          </a:prstGeom>
+        </p:spPr>
+        <p:style>
+          <a:lnRef idx="2">
+            <a:schemeClr val="accent5"/>
+          </a:lnRef>
+          <a:fillRef idx="1">
+            <a:schemeClr val="lt1"/>
+          </a:fillRef>
+          <a:effectRef idx="0">
+            <a:schemeClr val="accent5"/>
+          </a:effectRef>
+          <a:fontRef idx="minor">
+            <a:schemeClr val="dk1"/>
+          </a:fontRef>
+        </p:style>
+        <p:txBody>
+          <a:bodyPr wrap="square" rtlCol="0">
+            <a:spAutoFit/>
+          </a:bodyPr>
+          <a:lstStyle/>
+          <a:p>
+            <a:r>
+              <a:rPr lang="en-US" altLang="ko-KR" dirty="0"/>
+              <a:t>Exam0210 class</a:t>
+            </a:r>
+            <a:endParaRPr lang="ko-KR" altLang="en-US" dirty="0"/>
+          </a:p>
+        </p:txBody>
+      </p:sp>
+      <p:sp>
+        <p:nvSpPr>
+          <p:cNvPr id="8" name="TextBox 7">
+            <a:extLst>
+              <a:ext uri="{FF2B5EF4-FFF2-40B4-BE49-F238E27FC236}">
+                <a16:creationId xmlns:a16="http://schemas.microsoft.com/office/drawing/2014/main" id="{6B0C823E-8C87-509F-DAF5-A6984055B74C}"/>
+              </a:ext>
+            </a:extLst>
+          </p:cNvPr>
+          <p:cNvSpPr txBox="1"/>
+          <p:nvPr/>
+        </p:nvSpPr>
+        <p:spPr>
+          <a:xfrm>
+            <a:off x="272142" y="267678"/>
+            <a:ext cx="1970315" cy="369332"/>
+          </a:xfrm>
+          <a:prstGeom prst="rect">
+            <a:avLst/>
+          </a:prstGeom>
+          <a:noFill/>
+        </p:spPr>
+        <p:txBody>
+          <a:bodyPr wrap="square" rtlCol="0">
+            <a:spAutoFit/>
+          </a:bodyPr>
+          <a:lstStyle/>
+          <a:p>
+            <a:r>
+              <a:rPr lang="en-US" altLang="ko-KR" dirty="0"/>
+              <a:t>1. </a:t>
+            </a:r>
+            <a:r>
+              <a:rPr lang="ko-KR" altLang="en-US" dirty="0"/>
+              <a:t>분류 전</a:t>
+            </a:r>
+          </a:p>
+        </p:txBody>
+      </p:sp>
+      <p:sp>
+        <p:nvSpPr>
+          <p:cNvPr id="17" name="TextBox 16">
+            <a:extLst>
+              <a:ext uri="{FF2B5EF4-FFF2-40B4-BE49-F238E27FC236}">
+                <a16:creationId xmlns:a16="http://schemas.microsoft.com/office/drawing/2014/main" id="{99BA861A-7295-177E-97E0-23A26C4D6F57}"/>
+              </a:ext>
+            </a:extLst>
+          </p:cNvPr>
+          <p:cNvSpPr txBox="1"/>
+          <p:nvPr/>
+        </p:nvSpPr>
+        <p:spPr>
+          <a:xfrm>
+            <a:off x="4196441" y="267678"/>
+            <a:ext cx="1970315" cy="369332"/>
+          </a:xfrm>
+          <a:prstGeom prst="rect">
+            <a:avLst/>
+          </a:prstGeom>
+          <a:noFill/>
+        </p:spPr>
+        <p:txBody>
+          <a:bodyPr wrap="square" rtlCol="0">
+            <a:spAutoFit/>
+          </a:bodyPr>
+          <a:lstStyle/>
+          <a:p>
+            <a:r>
+              <a:rPr lang="en-US" altLang="ko-KR" dirty="0"/>
+              <a:t>2. </a:t>
+            </a:r>
+            <a:r>
+              <a:rPr lang="ko-KR" altLang="en-US" dirty="0"/>
+              <a:t>메서드 분류</a:t>
+            </a:r>
+          </a:p>
+        </p:txBody>
+      </p:sp>
+      <p:sp>
+        <p:nvSpPr>
+          <p:cNvPr id="18" name="TextBox 17">
+            <a:extLst>
+              <a:ext uri="{FF2B5EF4-FFF2-40B4-BE49-F238E27FC236}">
+                <a16:creationId xmlns:a16="http://schemas.microsoft.com/office/drawing/2014/main" id="{60DA29BD-CBCC-7935-B340-E5ED7AD97186}"/>
+              </a:ext>
+            </a:extLst>
+          </p:cNvPr>
+          <p:cNvSpPr txBox="1"/>
+          <p:nvPr/>
+        </p:nvSpPr>
+        <p:spPr>
+          <a:xfrm>
+            <a:off x="8207827" y="129178"/>
+            <a:ext cx="1970315" cy="646331"/>
+          </a:xfrm>
+          <a:prstGeom prst="rect">
+            <a:avLst/>
+          </a:prstGeom>
+          <a:noFill/>
+        </p:spPr>
+        <p:txBody>
+          <a:bodyPr wrap="square" rtlCol="0">
+            <a:spAutoFit/>
+          </a:bodyPr>
+          <a:lstStyle/>
+          <a:p>
+            <a:r>
+              <a:rPr lang="en-US" altLang="ko-KR" dirty="0"/>
+              <a:t>3. </a:t>
+            </a:r>
+            <a:r>
+              <a:rPr lang="ko-KR" altLang="en-US" dirty="0"/>
+              <a:t>클래스 변수</a:t>
+            </a:r>
+            <a:r>
+              <a:rPr lang="en-US" altLang="ko-KR" dirty="0"/>
+              <a:t>(static </a:t>
+            </a:r>
+            <a:r>
+              <a:rPr lang="ko-KR" altLang="en-US" dirty="0"/>
+              <a:t>변수</a:t>
+            </a:r>
+            <a:r>
+              <a:rPr lang="en-US" altLang="ko-KR" dirty="0"/>
+              <a:t>)</a:t>
+            </a:r>
+            <a:endParaRPr lang="ko-KR" altLang="en-US" dirty="0"/>
+          </a:p>
+        </p:txBody>
+      </p:sp>
+      <p:sp>
+        <p:nvSpPr>
+          <p:cNvPr id="19" name="직사각형 18">
+            <a:extLst>
+              <a:ext uri="{FF2B5EF4-FFF2-40B4-BE49-F238E27FC236}">
+                <a16:creationId xmlns:a16="http://schemas.microsoft.com/office/drawing/2014/main" id="{53EB5C89-B7DF-3E36-29CD-311ED6093B45}"/>
+              </a:ext>
+            </a:extLst>
+          </p:cNvPr>
+          <p:cNvSpPr/>
+          <p:nvPr/>
+        </p:nvSpPr>
+        <p:spPr>
+          <a:xfrm>
+            <a:off x="620486" y="1593389"/>
+            <a:ext cx="2275114" cy="391885"/>
+          </a:xfrm>
+          <a:prstGeom prst="rect">
+            <a:avLst/>
+          </a:prstGeom>
+        </p:spPr>
+        <p:style>
+          <a:lnRef idx="1">
+            <a:schemeClr val="accent6"/>
+          </a:lnRef>
+          <a:fillRef idx="2">
+            <a:schemeClr val="accent6"/>
+          </a:fillRef>
+          <a:effectRef idx="1">
+            <a:schemeClr val="accent6"/>
+          </a:effectRef>
+          <a:fontRef idx="minor">
+            <a:schemeClr val="dk1"/>
+          </a:fontRef>
+        </p:style>
+        <p:txBody>
+          <a:bodyPr rtlCol="0" anchor="ctr"/>
+          <a:lstStyle/>
+          <a:p>
+            <a:pPr algn="ctr"/>
+            <a:r>
+              <a:rPr lang="en-US" altLang="ko-KR" dirty="0"/>
+              <a:t>main()</a:t>
+            </a:r>
+            <a:r>
+              <a:rPr lang="ko-KR" altLang="en-US" dirty="0"/>
+              <a:t> </a:t>
+            </a:r>
+            <a:r>
+              <a:rPr lang="en-US" altLang="ko-KR" dirty="0"/>
+              <a:t>method</a:t>
+            </a:r>
+            <a:endParaRPr lang="ko-KR" altLang="en-US" dirty="0"/>
+          </a:p>
+        </p:txBody>
+      </p:sp>
+      <p:sp>
+        <p:nvSpPr>
+          <p:cNvPr id="20" name="직사각형 19">
+            <a:extLst>
+              <a:ext uri="{FF2B5EF4-FFF2-40B4-BE49-F238E27FC236}">
+                <a16:creationId xmlns:a16="http://schemas.microsoft.com/office/drawing/2014/main" id="{2E62B0DE-3465-80E0-F4BF-9803E17D5FA6}"/>
+              </a:ext>
+            </a:extLst>
+          </p:cNvPr>
+          <p:cNvSpPr/>
+          <p:nvPr/>
+        </p:nvSpPr>
+        <p:spPr>
+          <a:xfrm>
+            <a:off x="620486" y="2126789"/>
+            <a:ext cx="2275114" cy="391885"/>
+          </a:xfrm>
+          <a:prstGeom prst="rect">
+            <a:avLst/>
+          </a:prstGeom>
+        </p:spPr>
+        <p:style>
+          <a:lnRef idx="1">
+            <a:schemeClr val="accent6"/>
+          </a:lnRef>
+          <a:fillRef idx="2">
+            <a:schemeClr val="accent6"/>
+          </a:fillRef>
+          <a:effectRef idx="1">
+            <a:schemeClr val="accent6"/>
+          </a:effectRef>
+          <a:fontRef idx="minor">
+            <a:schemeClr val="dk1"/>
+          </a:fontRef>
+        </p:style>
+        <p:txBody>
+          <a:bodyPr rtlCol="0" anchor="ctr"/>
+          <a:lstStyle/>
+          <a:p>
+            <a:pPr algn="ctr"/>
+            <a:r>
+              <a:rPr lang="en-US" altLang="ko-KR" dirty="0"/>
+              <a:t>plus()</a:t>
+            </a:r>
+            <a:r>
+              <a:rPr lang="ko-KR" altLang="en-US" dirty="0"/>
+              <a:t> </a:t>
+            </a:r>
+            <a:r>
+              <a:rPr lang="en-US" altLang="ko-KR" dirty="0"/>
+              <a:t>method</a:t>
+            </a:r>
+            <a:endParaRPr lang="ko-KR" altLang="en-US" dirty="0"/>
+          </a:p>
+        </p:txBody>
+      </p:sp>
+      <p:sp>
+        <p:nvSpPr>
+          <p:cNvPr id="21" name="직사각형 20">
+            <a:extLst>
+              <a:ext uri="{FF2B5EF4-FFF2-40B4-BE49-F238E27FC236}">
+                <a16:creationId xmlns:a16="http://schemas.microsoft.com/office/drawing/2014/main" id="{B4F69AC7-912E-A370-4294-5FCB3909457E}"/>
+              </a:ext>
+            </a:extLst>
+          </p:cNvPr>
+          <p:cNvSpPr/>
+          <p:nvPr/>
+        </p:nvSpPr>
+        <p:spPr>
+          <a:xfrm>
+            <a:off x="620486" y="2699657"/>
+            <a:ext cx="2275114" cy="391885"/>
+          </a:xfrm>
+          <a:prstGeom prst="rect">
+            <a:avLst/>
+          </a:prstGeom>
+        </p:spPr>
+        <p:style>
+          <a:lnRef idx="1">
+            <a:schemeClr val="accent6"/>
+          </a:lnRef>
+          <a:fillRef idx="2">
+            <a:schemeClr val="accent6"/>
+          </a:fillRef>
+          <a:effectRef idx="1">
+            <a:schemeClr val="accent6"/>
+          </a:effectRef>
+          <a:fontRef idx="minor">
+            <a:schemeClr val="dk1"/>
+          </a:fontRef>
+        </p:style>
+        <p:txBody>
+          <a:bodyPr rtlCol="0" anchor="ctr"/>
+          <a:lstStyle/>
+          <a:p>
+            <a:pPr algn="ctr"/>
+            <a:r>
+              <a:rPr lang="en-US" altLang="ko-KR" dirty="0"/>
+              <a:t>minus()</a:t>
+            </a:r>
+            <a:r>
+              <a:rPr lang="ko-KR" altLang="en-US" dirty="0"/>
+              <a:t> </a:t>
+            </a:r>
+            <a:r>
+              <a:rPr lang="en-US" altLang="ko-KR" dirty="0"/>
+              <a:t>method</a:t>
+            </a:r>
+            <a:endParaRPr lang="ko-KR" altLang="en-US" dirty="0"/>
+          </a:p>
+        </p:txBody>
+      </p:sp>
+      <p:sp>
+        <p:nvSpPr>
+          <p:cNvPr id="22" name="직사각형 21">
+            <a:extLst>
+              <a:ext uri="{FF2B5EF4-FFF2-40B4-BE49-F238E27FC236}">
+                <a16:creationId xmlns:a16="http://schemas.microsoft.com/office/drawing/2014/main" id="{D37D09C2-1B45-A7C4-D2DC-B8FF4750F0BC}"/>
+              </a:ext>
+            </a:extLst>
+          </p:cNvPr>
+          <p:cNvSpPr/>
+          <p:nvPr/>
+        </p:nvSpPr>
+        <p:spPr>
+          <a:xfrm>
+            <a:off x="620486" y="3233057"/>
+            <a:ext cx="2275114" cy="391885"/>
+          </a:xfrm>
+          <a:prstGeom prst="rect">
+            <a:avLst/>
+          </a:prstGeom>
+        </p:spPr>
+        <p:style>
+          <a:lnRef idx="1">
+            <a:schemeClr val="accent6"/>
+          </a:lnRef>
+          <a:fillRef idx="2">
+            <a:schemeClr val="accent6"/>
+          </a:fillRef>
+          <a:effectRef idx="1">
+            <a:schemeClr val="accent6"/>
+          </a:effectRef>
+          <a:fontRef idx="minor">
+            <a:schemeClr val="dk1"/>
+          </a:fontRef>
+        </p:style>
+        <p:txBody>
+          <a:bodyPr rtlCol="0" anchor="ctr"/>
+          <a:lstStyle/>
+          <a:p>
+            <a:pPr algn="ctr"/>
+            <a:r>
+              <a:rPr lang="en-US" altLang="ko-KR" dirty="0"/>
+              <a:t>multiple()</a:t>
+            </a:r>
+            <a:r>
+              <a:rPr lang="ko-KR" altLang="en-US" dirty="0"/>
+              <a:t> </a:t>
+            </a:r>
+            <a:r>
+              <a:rPr lang="en-US" altLang="ko-KR" dirty="0"/>
+              <a:t>method</a:t>
+            </a:r>
+            <a:endParaRPr lang="ko-KR" altLang="en-US" dirty="0"/>
+          </a:p>
+        </p:txBody>
+      </p:sp>
+      <p:sp>
+        <p:nvSpPr>
+          <p:cNvPr id="23" name="직사각형 22">
+            <a:extLst>
+              <a:ext uri="{FF2B5EF4-FFF2-40B4-BE49-F238E27FC236}">
+                <a16:creationId xmlns:a16="http://schemas.microsoft.com/office/drawing/2014/main" id="{5B106147-8853-FE38-5DB2-D2F34C437321}"/>
+              </a:ext>
+            </a:extLst>
+          </p:cNvPr>
+          <p:cNvSpPr/>
+          <p:nvPr/>
+        </p:nvSpPr>
+        <p:spPr>
+          <a:xfrm>
+            <a:off x="620486" y="3766457"/>
+            <a:ext cx="2275114" cy="391885"/>
+          </a:xfrm>
+          <a:prstGeom prst="rect">
+            <a:avLst/>
+          </a:prstGeom>
+        </p:spPr>
+        <p:style>
+          <a:lnRef idx="1">
+            <a:schemeClr val="accent6"/>
+          </a:lnRef>
+          <a:fillRef idx="2">
+            <a:schemeClr val="accent6"/>
+          </a:fillRef>
+          <a:effectRef idx="1">
+            <a:schemeClr val="accent6"/>
+          </a:effectRef>
+          <a:fontRef idx="minor">
+            <a:schemeClr val="dk1"/>
+          </a:fontRef>
+        </p:style>
+        <p:txBody>
+          <a:bodyPr rtlCol="0" anchor="ctr"/>
+          <a:lstStyle/>
+          <a:p>
+            <a:pPr algn="ctr"/>
+            <a:r>
+              <a:rPr lang="en-US" altLang="ko-KR" dirty="0" err="1"/>
+              <a:t>devide</a:t>
+            </a:r>
+            <a:r>
+              <a:rPr lang="en-US" altLang="ko-KR" dirty="0"/>
+              <a:t>()</a:t>
+            </a:r>
+            <a:r>
+              <a:rPr lang="ko-KR" altLang="en-US" dirty="0"/>
+              <a:t> </a:t>
+            </a:r>
+            <a:r>
+              <a:rPr lang="en-US" altLang="ko-KR" dirty="0"/>
+              <a:t>method</a:t>
+            </a:r>
+            <a:endParaRPr lang="ko-KR" altLang="en-US" dirty="0"/>
+          </a:p>
+        </p:txBody>
+      </p:sp>
+      <p:sp>
+        <p:nvSpPr>
+          <p:cNvPr id="24" name="직사각형 23">
+            <a:extLst>
+              <a:ext uri="{FF2B5EF4-FFF2-40B4-BE49-F238E27FC236}">
+                <a16:creationId xmlns:a16="http://schemas.microsoft.com/office/drawing/2014/main" id="{AFFBE0E9-D946-13A3-4A06-ECB7E8712BAB}"/>
+              </a:ext>
+            </a:extLst>
+          </p:cNvPr>
+          <p:cNvSpPr/>
+          <p:nvPr/>
+        </p:nvSpPr>
+        <p:spPr>
+          <a:xfrm>
+            <a:off x="4397828" y="3233057"/>
+            <a:ext cx="2950028" cy="2862944"/>
+          </a:xfrm>
+          <a:prstGeom prst="rect">
+            <a:avLst/>
+          </a:prstGeom>
+        </p:spPr>
+        <p:style>
+          <a:lnRef idx="1">
+            <a:schemeClr val="accent1"/>
+          </a:lnRef>
+          <a:fillRef idx="2">
+            <a:schemeClr val="accent1"/>
+          </a:fillRef>
+          <a:effectRef idx="1">
+            <a:schemeClr val="accent1"/>
+          </a:effectRef>
+          <a:fontRef idx="minor">
+            <a:schemeClr val="dk1"/>
+          </a:fontRef>
+        </p:style>
+        <p:txBody>
+          <a:bodyPr rtlCol="0" anchor="ctr"/>
+          <a:lstStyle/>
+          <a:p>
+            <a:pPr algn="ctr"/>
+            <a:endParaRPr lang="ko-KR" altLang="en-US"/>
+          </a:p>
+        </p:txBody>
+      </p:sp>
+      <p:sp>
+        <p:nvSpPr>
+          <p:cNvPr id="25" name="TextBox 24">
+            <a:extLst>
+              <a:ext uri="{FF2B5EF4-FFF2-40B4-BE49-F238E27FC236}">
+                <a16:creationId xmlns:a16="http://schemas.microsoft.com/office/drawing/2014/main" id="{8A1A0C09-2BE0-099D-3DC5-5B8EC810DE8E}"/>
+              </a:ext>
+            </a:extLst>
+          </p:cNvPr>
+          <p:cNvSpPr txBox="1"/>
+          <p:nvPr/>
+        </p:nvSpPr>
+        <p:spPr>
+          <a:xfrm>
+            <a:off x="4397828" y="2808123"/>
+            <a:ext cx="1861458" cy="369332"/>
+          </a:xfrm>
+          <a:prstGeom prst="rect">
+            <a:avLst/>
+          </a:prstGeom>
+        </p:spPr>
+        <p:style>
+          <a:lnRef idx="2">
+            <a:schemeClr val="accent5"/>
+          </a:lnRef>
+          <a:fillRef idx="1">
+            <a:schemeClr val="lt1"/>
+          </a:fillRef>
+          <a:effectRef idx="0">
+            <a:schemeClr val="accent5"/>
+          </a:effectRef>
+          <a:fontRef idx="minor">
+            <a:schemeClr val="dk1"/>
+          </a:fontRef>
+        </p:style>
+        <p:txBody>
+          <a:bodyPr wrap="square" rtlCol="0">
+            <a:spAutoFit/>
+          </a:bodyPr>
+          <a:lstStyle/>
+          <a:p>
+            <a:r>
+              <a:rPr lang="en-US" altLang="ko-KR" dirty="0"/>
+              <a:t>Calculator class</a:t>
+            </a:r>
+            <a:endParaRPr lang="ko-KR" altLang="en-US" dirty="0"/>
+          </a:p>
+        </p:txBody>
+      </p:sp>
+      <p:sp>
+        <p:nvSpPr>
+          <p:cNvPr id="26" name="직사각형 25">
+            <a:extLst>
+              <a:ext uri="{FF2B5EF4-FFF2-40B4-BE49-F238E27FC236}">
+                <a16:creationId xmlns:a16="http://schemas.microsoft.com/office/drawing/2014/main" id="{EB19BE0A-E9CD-C097-6A51-53B15CE8B4A1}"/>
+              </a:ext>
+            </a:extLst>
+          </p:cNvPr>
+          <p:cNvSpPr/>
+          <p:nvPr/>
+        </p:nvSpPr>
+        <p:spPr>
+          <a:xfrm>
+            <a:off x="4528458" y="3344424"/>
+            <a:ext cx="2275114" cy="391885"/>
+          </a:xfrm>
+          <a:prstGeom prst="rect">
+            <a:avLst/>
+          </a:prstGeom>
+        </p:spPr>
+        <p:style>
+          <a:lnRef idx="1">
+            <a:schemeClr val="accent6"/>
+          </a:lnRef>
+          <a:fillRef idx="2">
+            <a:schemeClr val="accent6"/>
+          </a:fillRef>
+          <a:effectRef idx="1">
+            <a:schemeClr val="accent6"/>
+          </a:effectRef>
+          <a:fontRef idx="minor">
+            <a:schemeClr val="dk1"/>
+          </a:fontRef>
+        </p:style>
+        <p:txBody>
+          <a:bodyPr rtlCol="0" anchor="ctr"/>
+          <a:lstStyle/>
+          <a:p>
+            <a:pPr algn="ctr"/>
+            <a:r>
+              <a:rPr lang="en-US" altLang="ko-KR" dirty="0"/>
+              <a:t>plus()</a:t>
+            </a:r>
+            <a:r>
+              <a:rPr lang="ko-KR" altLang="en-US" dirty="0"/>
+              <a:t> </a:t>
+            </a:r>
+            <a:r>
+              <a:rPr lang="en-US" altLang="ko-KR" dirty="0"/>
+              <a:t>method</a:t>
+            </a:r>
+            <a:endParaRPr lang="ko-KR" altLang="en-US" dirty="0"/>
+          </a:p>
+        </p:txBody>
+      </p:sp>
+      <p:sp>
+        <p:nvSpPr>
+          <p:cNvPr id="27" name="직사각형 26">
+            <a:extLst>
+              <a:ext uri="{FF2B5EF4-FFF2-40B4-BE49-F238E27FC236}">
+                <a16:creationId xmlns:a16="http://schemas.microsoft.com/office/drawing/2014/main" id="{198E88E3-F578-9B72-A90B-B2298983C2ED}"/>
+              </a:ext>
+            </a:extLst>
+          </p:cNvPr>
+          <p:cNvSpPr/>
+          <p:nvPr/>
+        </p:nvSpPr>
+        <p:spPr>
+          <a:xfrm>
+            <a:off x="4528458" y="3917292"/>
+            <a:ext cx="2275114" cy="391885"/>
+          </a:xfrm>
+          <a:prstGeom prst="rect">
+            <a:avLst/>
+          </a:prstGeom>
+        </p:spPr>
+        <p:style>
+          <a:lnRef idx="1">
+            <a:schemeClr val="accent6"/>
+          </a:lnRef>
+          <a:fillRef idx="2">
+            <a:schemeClr val="accent6"/>
+          </a:fillRef>
+          <a:effectRef idx="1">
+            <a:schemeClr val="accent6"/>
+          </a:effectRef>
+          <a:fontRef idx="minor">
+            <a:schemeClr val="dk1"/>
+          </a:fontRef>
+        </p:style>
+        <p:txBody>
+          <a:bodyPr rtlCol="0" anchor="ctr"/>
+          <a:lstStyle/>
+          <a:p>
+            <a:pPr algn="ctr"/>
+            <a:r>
+              <a:rPr lang="en-US" altLang="ko-KR" dirty="0"/>
+              <a:t>minus()</a:t>
+            </a:r>
+            <a:r>
+              <a:rPr lang="ko-KR" altLang="en-US" dirty="0"/>
+              <a:t> </a:t>
+            </a:r>
+            <a:r>
+              <a:rPr lang="en-US" altLang="ko-KR" dirty="0"/>
+              <a:t>method</a:t>
+            </a:r>
+            <a:endParaRPr lang="ko-KR" altLang="en-US" dirty="0"/>
+          </a:p>
+        </p:txBody>
+      </p:sp>
+      <p:sp>
+        <p:nvSpPr>
+          <p:cNvPr id="28" name="직사각형 27">
+            <a:extLst>
+              <a:ext uri="{FF2B5EF4-FFF2-40B4-BE49-F238E27FC236}">
+                <a16:creationId xmlns:a16="http://schemas.microsoft.com/office/drawing/2014/main" id="{4373F879-3C4E-0B6C-BD87-A51160A6F6F9}"/>
+              </a:ext>
+            </a:extLst>
+          </p:cNvPr>
+          <p:cNvSpPr/>
+          <p:nvPr/>
+        </p:nvSpPr>
+        <p:spPr>
+          <a:xfrm>
+            <a:off x="4528458" y="4450692"/>
+            <a:ext cx="2275114" cy="391885"/>
+          </a:xfrm>
+          <a:prstGeom prst="rect">
+            <a:avLst/>
+          </a:prstGeom>
+        </p:spPr>
+        <p:style>
+          <a:lnRef idx="1">
+            <a:schemeClr val="accent6"/>
+          </a:lnRef>
+          <a:fillRef idx="2">
+            <a:schemeClr val="accent6"/>
+          </a:fillRef>
+          <a:effectRef idx="1">
+            <a:schemeClr val="accent6"/>
+          </a:effectRef>
+          <a:fontRef idx="minor">
+            <a:schemeClr val="dk1"/>
+          </a:fontRef>
+        </p:style>
+        <p:txBody>
+          <a:bodyPr rtlCol="0" anchor="ctr"/>
+          <a:lstStyle/>
+          <a:p>
+            <a:pPr algn="ctr"/>
+            <a:r>
+              <a:rPr lang="en-US" altLang="ko-KR" dirty="0"/>
+              <a:t>multiple()</a:t>
+            </a:r>
+            <a:r>
+              <a:rPr lang="ko-KR" altLang="en-US" dirty="0"/>
+              <a:t> </a:t>
+            </a:r>
+            <a:r>
+              <a:rPr lang="en-US" altLang="ko-KR" dirty="0"/>
+              <a:t>method</a:t>
+            </a:r>
+            <a:endParaRPr lang="ko-KR" altLang="en-US" dirty="0"/>
+          </a:p>
+        </p:txBody>
+      </p:sp>
+      <p:sp>
+        <p:nvSpPr>
+          <p:cNvPr id="29" name="직사각형 28">
+            <a:extLst>
+              <a:ext uri="{FF2B5EF4-FFF2-40B4-BE49-F238E27FC236}">
+                <a16:creationId xmlns:a16="http://schemas.microsoft.com/office/drawing/2014/main" id="{B4ABE3D5-DB72-0CAF-CC99-92C13717AA26}"/>
+              </a:ext>
+            </a:extLst>
+          </p:cNvPr>
+          <p:cNvSpPr/>
+          <p:nvPr/>
+        </p:nvSpPr>
+        <p:spPr>
+          <a:xfrm>
+            <a:off x="4528458" y="4984092"/>
+            <a:ext cx="2275114" cy="391885"/>
+          </a:xfrm>
+          <a:prstGeom prst="rect">
+            <a:avLst/>
+          </a:prstGeom>
+        </p:spPr>
+        <p:style>
+          <a:lnRef idx="1">
+            <a:schemeClr val="accent6"/>
+          </a:lnRef>
+          <a:fillRef idx="2">
+            <a:schemeClr val="accent6"/>
+          </a:fillRef>
+          <a:effectRef idx="1">
+            <a:schemeClr val="accent6"/>
+          </a:effectRef>
+          <a:fontRef idx="minor">
+            <a:schemeClr val="dk1"/>
+          </a:fontRef>
+        </p:style>
+        <p:txBody>
+          <a:bodyPr rtlCol="0" anchor="ctr"/>
+          <a:lstStyle/>
+          <a:p>
+            <a:pPr algn="ctr"/>
+            <a:r>
+              <a:rPr lang="en-US" altLang="ko-KR" dirty="0" err="1"/>
+              <a:t>devide</a:t>
+            </a:r>
+            <a:r>
+              <a:rPr lang="en-US" altLang="ko-KR" dirty="0"/>
+              <a:t>()</a:t>
+            </a:r>
+            <a:r>
+              <a:rPr lang="ko-KR" altLang="en-US" dirty="0"/>
+              <a:t> </a:t>
+            </a:r>
+            <a:r>
+              <a:rPr lang="en-US" altLang="ko-KR" dirty="0"/>
+              <a:t>method</a:t>
+            </a:r>
+            <a:endParaRPr lang="ko-KR" altLang="en-US" dirty="0"/>
+          </a:p>
+        </p:txBody>
+      </p:sp>
+      <p:sp>
+        <p:nvSpPr>
+          <p:cNvPr id="30" name="직사각형 29">
+            <a:extLst>
+              <a:ext uri="{FF2B5EF4-FFF2-40B4-BE49-F238E27FC236}">
+                <a16:creationId xmlns:a16="http://schemas.microsoft.com/office/drawing/2014/main" id="{27DF6A34-C8E1-E7C4-B1A3-C22EFAE7D167}"/>
+              </a:ext>
+            </a:extLst>
+          </p:cNvPr>
+          <p:cNvSpPr/>
+          <p:nvPr/>
+        </p:nvSpPr>
+        <p:spPr>
+          <a:xfrm>
+            <a:off x="4430485" y="1593389"/>
+            <a:ext cx="2275114" cy="391885"/>
+          </a:xfrm>
+          <a:prstGeom prst="rect">
+            <a:avLst/>
+          </a:prstGeom>
+        </p:spPr>
+        <p:style>
+          <a:lnRef idx="1">
+            <a:schemeClr val="accent6"/>
+          </a:lnRef>
+          <a:fillRef idx="2">
+            <a:schemeClr val="accent6"/>
+          </a:fillRef>
+          <a:effectRef idx="1">
+            <a:schemeClr val="accent6"/>
+          </a:effectRef>
+          <a:fontRef idx="minor">
+            <a:schemeClr val="dk1"/>
+          </a:fontRef>
+        </p:style>
+        <p:txBody>
+          <a:bodyPr rtlCol="0" anchor="ctr"/>
+          <a:lstStyle/>
+          <a:p>
+            <a:pPr algn="ctr"/>
+            <a:r>
+              <a:rPr lang="en-US" altLang="ko-KR" dirty="0"/>
+              <a:t>main()</a:t>
+            </a:r>
+            <a:r>
+              <a:rPr lang="ko-KR" altLang="en-US" dirty="0"/>
+              <a:t> </a:t>
+            </a:r>
+            <a:r>
+              <a:rPr lang="en-US" altLang="ko-KR" dirty="0"/>
+              <a:t>method</a:t>
+            </a:r>
+            <a:endParaRPr lang="ko-KR" altLang="en-US" dirty="0"/>
+          </a:p>
+        </p:txBody>
+      </p:sp>
+      <p:sp>
+        <p:nvSpPr>
+          <p:cNvPr id="31" name="TextBox 30">
+            <a:extLst>
+              <a:ext uri="{FF2B5EF4-FFF2-40B4-BE49-F238E27FC236}">
+                <a16:creationId xmlns:a16="http://schemas.microsoft.com/office/drawing/2014/main" id="{0B752293-3A50-3AC5-76CF-1E1946684606}"/>
+              </a:ext>
+            </a:extLst>
+          </p:cNvPr>
+          <p:cNvSpPr txBox="1"/>
+          <p:nvPr/>
+        </p:nvSpPr>
+        <p:spPr>
+          <a:xfrm>
+            <a:off x="5943599" y="2027366"/>
+            <a:ext cx="1404257" cy="369332"/>
+          </a:xfrm>
+          <a:prstGeom prst="rect">
+            <a:avLst/>
+          </a:prstGeom>
+        </p:spPr>
+        <p:style>
+          <a:lnRef idx="2">
+            <a:schemeClr val="accent4"/>
+          </a:lnRef>
+          <a:fillRef idx="1">
+            <a:schemeClr val="lt1"/>
+          </a:fillRef>
+          <a:effectRef idx="0">
+            <a:schemeClr val="accent4"/>
+          </a:effectRef>
+          <a:fontRef idx="minor">
+            <a:schemeClr val="dk1"/>
+          </a:fontRef>
+        </p:style>
+        <p:txBody>
+          <a:bodyPr wrap="square" rtlCol="0">
+            <a:spAutoFit/>
+          </a:bodyPr>
+          <a:lstStyle/>
+          <a:p>
+            <a:r>
+              <a:rPr lang="en-US" altLang="ko-KR" dirty="0"/>
+              <a:t>result </a:t>
+            </a:r>
+            <a:r>
+              <a:rPr lang="ko-KR" altLang="en-US" dirty="0"/>
+              <a:t>변수</a:t>
+            </a:r>
+          </a:p>
+        </p:txBody>
+      </p:sp>
+      <p:cxnSp>
+        <p:nvCxnSpPr>
+          <p:cNvPr id="33" name="연결선: 꺾임 32">
+            <a:extLst>
+              <a:ext uri="{FF2B5EF4-FFF2-40B4-BE49-F238E27FC236}">
+                <a16:creationId xmlns:a16="http://schemas.microsoft.com/office/drawing/2014/main" id="{504638C1-7156-1392-2D1E-CB138FCE0F17}"/>
+              </a:ext>
+            </a:extLst>
+          </p:cNvPr>
+          <p:cNvCxnSpPr>
+            <a:stCxn id="30" idx="2"/>
+            <a:endCxn id="31" idx="1"/>
+          </p:cNvCxnSpPr>
+          <p:nvPr/>
+        </p:nvCxnSpPr>
+        <p:spPr>
+          <a:xfrm rot="16200000" flipH="1">
+            <a:off x="5642441" y="1910874"/>
+            <a:ext cx="226758" cy="375557"/>
+          </a:xfrm>
+          <a:prstGeom prst="bentConnector2">
+            <a:avLst/>
+          </a:prstGeom>
+          <a:ln>
+            <a:tailEnd type="triangle"/>
+          </a:ln>
+        </p:spPr>
+        <p:style>
+          <a:lnRef idx="3">
+            <a:schemeClr val="accent4"/>
+          </a:lnRef>
+          <a:fillRef idx="0">
+            <a:schemeClr val="accent4"/>
+          </a:fillRef>
+          <a:effectRef idx="2">
+            <a:schemeClr val="accent4"/>
+          </a:effectRef>
+          <a:fontRef idx="minor">
+            <a:schemeClr val="tx1"/>
+          </a:fontRef>
+        </p:style>
+      </p:cxnSp>
+      <p:cxnSp>
+        <p:nvCxnSpPr>
+          <p:cNvPr id="36" name="직선 화살표 연결선 35">
+            <a:extLst>
+              <a:ext uri="{FF2B5EF4-FFF2-40B4-BE49-F238E27FC236}">
+                <a16:creationId xmlns:a16="http://schemas.microsoft.com/office/drawing/2014/main" id="{1BFEC7F4-C2FB-002F-4EAF-B277D577C5A5}"/>
+              </a:ext>
+            </a:extLst>
+          </p:cNvPr>
+          <p:cNvCxnSpPr>
+            <a:stCxn id="8" idx="3"/>
+            <a:endCxn id="17" idx="1"/>
+          </p:cNvCxnSpPr>
+          <p:nvPr/>
+        </p:nvCxnSpPr>
+        <p:spPr>
+          <a:xfrm>
+            <a:off x="2242457" y="452344"/>
+            <a:ext cx="1953984" cy="0"/>
+          </a:xfrm>
+          <a:prstGeom prst="straightConnector1">
+            <a:avLst/>
+          </a:prstGeom>
+          <a:ln>
+            <a:tailEnd type="triangle"/>
+          </a:ln>
+        </p:spPr>
+        <p:style>
+          <a:lnRef idx="3">
+            <a:schemeClr val="dk1"/>
+          </a:lnRef>
+          <a:fillRef idx="0">
+            <a:schemeClr val="dk1"/>
+          </a:fillRef>
+          <a:effectRef idx="2">
+            <a:schemeClr val="dk1"/>
+          </a:effectRef>
+          <a:fontRef idx="minor">
+            <a:schemeClr val="tx1"/>
+          </a:fontRef>
+        </p:style>
+      </p:cxnSp>
+      <p:cxnSp>
+        <p:nvCxnSpPr>
+          <p:cNvPr id="37" name="직선 화살표 연결선 36">
+            <a:extLst>
+              <a:ext uri="{FF2B5EF4-FFF2-40B4-BE49-F238E27FC236}">
+                <a16:creationId xmlns:a16="http://schemas.microsoft.com/office/drawing/2014/main" id="{E852A861-1A61-57D2-B2BF-C9830E82FE42}"/>
+              </a:ext>
+            </a:extLst>
+          </p:cNvPr>
+          <p:cNvCxnSpPr>
+            <a:cxnSpLocks/>
+            <a:stCxn id="17" idx="3"/>
+            <a:endCxn id="18" idx="1"/>
+          </p:cNvCxnSpPr>
+          <p:nvPr/>
+        </p:nvCxnSpPr>
+        <p:spPr>
+          <a:xfrm>
+            <a:off x="6166756" y="452344"/>
+            <a:ext cx="2041071" cy="0"/>
+          </a:xfrm>
+          <a:prstGeom prst="straightConnector1">
+            <a:avLst/>
+          </a:prstGeom>
+          <a:ln>
+            <a:tailEnd type="triangle"/>
+          </a:ln>
+        </p:spPr>
+        <p:style>
+          <a:lnRef idx="3">
+            <a:schemeClr val="dk1"/>
+          </a:lnRef>
+          <a:fillRef idx="0">
+            <a:schemeClr val="dk1"/>
+          </a:fillRef>
+          <a:effectRef idx="2">
+            <a:schemeClr val="dk1"/>
+          </a:effectRef>
+          <a:fontRef idx="minor">
+            <a:schemeClr val="tx1"/>
+          </a:fontRef>
+        </p:style>
+      </p:cxnSp>
+      <p:sp>
+        <p:nvSpPr>
+          <p:cNvPr id="41" name="화살표: 오른쪽 40">
+            <a:extLst>
+              <a:ext uri="{FF2B5EF4-FFF2-40B4-BE49-F238E27FC236}">
+                <a16:creationId xmlns:a16="http://schemas.microsoft.com/office/drawing/2014/main" id="{DEC306B9-F9AE-46C2-2C48-B313CB7768B1}"/>
+              </a:ext>
+            </a:extLst>
+          </p:cNvPr>
+          <p:cNvSpPr/>
+          <p:nvPr/>
+        </p:nvSpPr>
+        <p:spPr>
+          <a:xfrm rot="1144483">
+            <a:off x="3105151" y="3661003"/>
+            <a:ext cx="1061355" cy="391882"/>
+          </a:xfrm>
+          <a:prstGeom prst="rightArrow">
+            <a:avLst/>
+          </a:prstGeom>
+          <a:solidFill>
+            <a:srgbClr val="FF0000"/>
+          </a:solidFill>
+        </p:spPr>
+        <p:style>
+          <a:lnRef idx="2">
+            <a:schemeClr val="accent1">
+              <a:shade val="50000"/>
+            </a:schemeClr>
+          </a:lnRef>
+          <a:fillRef idx="1">
+            <a:schemeClr val="accent1"/>
+          </a:fillRef>
+          <a:effectRef idx="0">
+            <a:schemeClr val="accent1"/>
+          </a:effectRef>
+          <a:fontRef idx="minor">
+            <a:schemeClr val="lt1"/>
+          </a:fontRef>
+        </p:style>
+        <p:txBody>
+          <a:bodyPr rtlCol="0" anchor="ctr"/>
+          <a:lstStyle/>
+          <a:p>
+            <a:pPr algn="ctr"/>
+            <a:endParaRPr lang="ko-KR" altLang="en-US"/>
+          </a:p>
+        </p:txBody>
+      </p:sp>
+      <p:sp>
+        <p:nvSpPr>
+          <p:cNvPr id="43" name="TextBox 42">
+            <a:extLst>
+              <a:ext uri="{FF2B5EF4-FFF2-40B4-BE49-F238E27FC236}">
+                <a16:creationId xmlns:a16="http://schemas.microsoft.com/office/drawing/2014/main" id="{871A3977-6482-99D8-153D-C6FF40C0A5C5}"/>
+              </a:ext>
+            </a:extLst>
+          </p:cNvPr>
+          <p:cNvSpPr txBox="1"/>
+          <p:nvPr/>
+        </p:nvSpPr>
+        <p:spPr>
+          <a:xfrm>
+            <a:off x="2492826" y="4323468"/>
+            <a:ext cx="1970315" cy="646331"/>
+          </a:xfrm>
+          <a:prstGeom prst="rect">
+            <a:avLst/>
+          </a:prstGeom>
+          <a:noFill/>
+          <a:ln>
+            <a:solidFill>
+              <a:srgbClr val="FF0000"/>
+            </a:solidFill>
+          </a:ln>
+        </p:spPr>
+        <p:txBody>
+          <a:bodyPr wrap="square" rtlCol="0">
+            <a:spAutoFit/>
+          </a:bodyPr>
+          <a:lstStyle/>
+          <a:p>
+            <a:pPr marL="285750" indent="-285750">
+              <a:buFont typeface="Arial" panose="020B0604020202020204" pitchFamily="34" charset="0"/>
+              <a:buChar char="•"/>
+            </a:pPr>
+            <a:r>
+              <a:rPr lang="en-US" altLang="ko-KR" dirty="0"/>
+              <a:t>Extract</a:t>
+            </a:r>
+            <a:r>
+              <a:rPr lang="ko-KR" altLang="en-US" dirty="0"/>
+              <a:t> </a:t>
+            </a:r>
+            <a:r>
+              <a:rPr lang="en-US" altLang="ko-KR" dirty="0"/>
+              <a:t>class</a:t>
+            </a:r>
+          </a:p>
+          <a:p>
+            <a:pPr marL="285750" indent="-285750">
+              <a:buFont typeface="Arial" panose="020B0604020202020204" pitchFamily="34" charset="0"/>
+              <a:buChar char="•"/>
+            </a:pPr>
+            <a:r>
+              <a:rPr lang="en-US" altLang="ko-KR" dirty="0"/>
+              <a:t>Move method</a:t>
+            </a:r>
+            <a:endParaRPr lang="ko-KR" altLang="en-US" dirty="0"/>
+          </a:p>
+        </p:txBody>
+      </p:sp>
+      <p:sp>
+        <p:nvSpPr>
+          <p:cNvPr id="44" name="직사각형 43">
+            <a:extLst>
+              <a:ext uri="{FF2B5EF4-FFF2-40B4-BE49-F238E27FC236}">
+                <a16:creationId xmlns:a16="http://schemas.microsoft.com/office/drawing/2014/main" id="{2F6E36DE-89AB-FF0B-EABA-8937CF797709}"/>
+              </a:ext>
+            </a:extLst>
+          </p:cNvPr>
+          <p:cNvSpPr/>
+          <p:nvPr/>
+        </p:nvSpPr>
+        <p:spPr>
+          <a:xfrm>
+            <a:off x="4528458" y="5533232"/>
+            <a:ext cx="2275114" cy="391885"/>
+          </a:xfrm>
+          <a:prstGeom prst="rect">
+            <a:avLst/>
+          </a:prstGeom>
+        </p:spPr>
+        <p:style>
+          <a:lnRef idx="1">
+            <a:schemeClr val="accent2"/>
+          </a:lnRef>
+          <a:fillRef idx="2">
+            <a:schemeClr val="accent2"/>
+          </a:fillRef>
+          <a:effectRef idx="1">
+            <a:schemeClr val="accent2"/>
+          </a:effectRef>
+          <a:fontRef idx="minor">
+            <a:schemeClr val="dk1"/>
+          </a:fontRef>
+        </p:style>
+        <p:txBody>
+          <a:bodyPr rtlCol="0" anchor="ctr"/>
+          <a:lstStyle/>
+          <a:p>
+            <a:pPr algn="ctr"/>
+            <a:r>
+              <a:rPr lang="en-US" altLang="ko-KR" dirty="0"/>
+              <a:t>abs()</a:t>
+            </a:r>
+            <a:r>
+              <a:rPr lang="ko-KR" altLang="en-US" dirty="0"/>
+              <a:t> </a:t>
+            </a:r>
+            <a:r>
+              <a:rPr lang="en-US" altLang="ko-KR" dirty="0"/>
+              <a:t>method</a:t>
+            </a:r>
+            <a:endParaRPr lang="ko-KR" altLang="en-US" dirty="0"/>
+          </a:p>
+        </p:txBody>
+      </p:sp>
+      <p:sp>
+        <p:nvSpPr>
+          <p:cNvPr id="45" name="TextBox 44">
+            <a:extLst>
+              <a:ext uri="{FF2B5EF4-FFF2-40B4-BE49-F238E27FC236}">
+                <a16:creationId xmlns:a16="http://schemas.microsoft.com/office/drawing/2014/main" id="{7CB5E9B2-90EF-E99B-A4BC-2BCD58E3F029}"/>
+              </a:ext>
+            </a:extLst>
+          </p:cNvPr>
+          <p:cNvSpPr txBox="1"/>
+          <p:nvPr/>
+        </p:nvSpPr>
+        <p:spPr>
+          <a:xfrm>
+            <a:off x="5935434" y="6086624"/>
+            <a:ext cx="2370364" cy="646331"/>
+          </a:xfrm>
+          <a:prstGeom prst="rect">
+            <a:avLst/>
+          </a:prstGeom>
+        </p:spPr>
+        <p:style>
+          <a:lnRef idx="2">
+            <a:schemeClr val="accent2"/>
+          </a:lnRef>
+          <a:fillRef idx="1">
+            <a:schemeClr val="lt1"/>
+          </a:fillRef>
+          <a:effectRef idx="0">
+            <a:schemeClr val="accent2"/>
+          </a:effectRef>
+          <a:fontRef idx="minor">
+            <a:schemeClr val="dk1"/>
+          </a:fontRef>
+        </p:style>
+        <p:txBody>
+          <a:bodyPr wrap="square" rtlCol="0">
+            <a:spAutoFit/>
+          </a:bodyPr>
+          <a:lstStyle/>
+          <a:p>
+            <a:r>
+              <a:rPr lang="ko-KR" altLang="en-US" dirty="0"/>
+              <a:t>역할을 분리 </a:t>
+            </a:r>
+            <a:endParaRPr lang="en-US" altLang="ko-KR" dirty="0"/>
+          </a:p>
+          <a:p>
+            <a:r>
+              <a:rPr lang="en-US" altLang="ko-KR" dirty="0">
+                <a:sym typeface="Wingdings" panose="05000000000000000000" pitchFamily="2" charset="2"/>
+              </a:rPr>
+              <a:t> </a:t>
+            </a:r>
+            <a:r>
+              <a:rPr lang="ko-KR" altLang="en-US" dirty="0">
+                <a:sym typeface="Wingdings" panose="05000000000000000000" pitchFamily="2" charset="2"/>
+              </a:rPr>
+              <a:t>기능 추가가 쉬움</a:t>
+            </a:r>
+            <a:endParaRPr lang="ko-KR" altLang="en-US" dirty="0"/>
+          </a:p>
+        </p:txBody>
+      </p:sp>
+      <p:cxnSp>
+        <p:nvCxnSpPr>
+          <p:cNvPr id="46" name="연결선: 꺾임 45">
+            <a:extLst>
+              <a:ext uri="{FF2B5EF4-FFF2-40B4-BE49-F238E27FC236}">
+                <a16:creationId xmlns:a16="http://schemas.microsoft.com/office/drawing/2014/main" id="{DAB9C6BE-43F0-AFC6-258E-491FD3179DC6}"/>
+              </a:ext>
+            </a:extLst>
+          </p:cNvPr>
+          <p:cNvCxnSpPr>
+            <a:cxnSpLocks/>
+            <a:stCxn id="44" idx="2"/>
+            <a:endCxn id="45" idx="1"/>
+          </p:cNvCxnSpPr>
+          <p:nvPr/>
+        </p:nvCxnSpPr>
+        <p:spPr>
+          <a:xfrm rot="16200000" flipH="1">
+            <a:off x="5558388" y="6032743"/>
+            <a:ext cx="484673" cy="269419"/>
+          </a:xfrm>
+          <a:prstGeom prst="bentConnector2">
+            <a:avLst/>
+          </a:prstGeom>
+          <a:ln>
+            <a:tailEnd type="triangle"/>
+          </a:ln>
+        </p:spPr>
+        <p:style>
+          <a:lnRef idx="2">
+            <a:schemeClr val="accent2"/>
+          </a:lnRef>
+          <a:fillRef idx="1">
+            <a:schemeClr val="lt1"/>
+          </a:fillRef>
+          <a:effectRef idx="0">
+            <a:schemeClr val="accent2"/>
+          </a:effectRef>
+          <a:fontRef idx="minor">
+            <a:schemeClr val="dk1"/>
+          </a:fontRef>
+        </p:style>
+      </p:cxnSp>
+      <p:sp>
+        <p:nvSpPr>
+          <p:cNvPr id="50" name="직사각형 49">
+            <a:extLst>
+              <a:ext uri="{FF2B5EF4-FFF2-40B4-BE49-F238E27FC236}">
+                <a16:creationId xmlns:a16="http://schemas.microsoft.com/office/drawing/2014/main" id="{1E57A608-2546-45D7-B0D1-0FA5D9DDD389}"/>
+              </a:ext>
+            </a:extLst>
+          </p:cNvPr>
+          <p:cNvSpPr/>
+          <p:nvPr/>
+        </p:nvSpPr>
+        <p:spPr>
+          <a:xfrm>
+            <a:off x="8170210" y="1283341"/>
+            <a:ext cx="3211286" cy="5138058"/>
+          </a:xfrm>
+          <a:prstGeom prst="rect">
+            <a:avLst/>
+          </a:prstGeom>
+        </p:spPr>
+        <p:style>
+          <a:lnRef idx="2">
+            <a:schemeClr val="accent1">
+              <a:shade val="50000"/>
+            </a:schemeClr>
+          </a:lnRef>
+          <a:fillRef idx="1">
+            <a:schemeClr val="accent1"/>
+          </a:fillRef>
+          <a:effectRef idx="0">
+            <a:schemeClr val="accent1"/>
+          </a:effectRef>
+          <a:fontRef idx="minor">
+            <a:schemeClr val="lt1"/>
+          </a:fontRef>
+        </p:style>
+        <p:txBody>
+          <a:bodyPr rtlCol="0" anchor="ctr"/>
+          <a:lstStyle/>
+          <a:p>
+            <a:pPr algn="ctr"/>
+            <a:endParaRPr lang="ko-KR" altLang="en-US"/>
+          </a:p>
+        </p:txBody>
+      </p:sp>
+      <p:sp>
+        <p:nvSpPr>
+          <p:cNvPr id="51" name="직사각형 50">
+            <a:extLst>
+              <a:ext uri="{FF2B5EF4-FFF2-40B4-BE49-F238E27FC236}">
+                <a16:creationId xmlns:a16="http://schemas.microsoft.com/office/drawing/2014/main" id="{EEEA830F-B3B6-8589-237C-139D68E3B81A}"/>
+              </a:ext>
+            </a:extLst>
+          </p:cNvPr>
+          <p:cNvSpPr/>
+          <p:nvPr/>
+        </p:nvSpPr>
+        <p:spPr>
+          <a:xfrm>
+            <a:off x="8240487" y="2858363"/>
+            <a:ext cx="2950028" cy="3444465"/>
+          </a:xfrm>
+          <a:prstGeom prst="rect">
+            <a:avLst/>
+          </a:prstGeom>
+        </p:spPr>
+        <p:style>
+          <a:lnRef idx="1">
+            <a:schemeClr val="accent1"/>
+          </a:lnRef>
+          <a:fillRef idx="2">
+            <a:schemeClr val="accent1"/>
+          </a:fillRef>
+          <a:effectRef idx="1">
+            <a:schemeClr val="accent1"/>
+          </a:effectRef>
+          <a:fontRef idx="minor">
+            <a:schemeClr val="dk1"/>
+          </a:fontRef>
+        </p:style>
+        <p:txBody>
+          <a:bodyPr rtlCol="0" anchor="ctr"/>
+          <a:lstStyle/>
+          <a:p>
+            <a:pPr algn="ctr"/>
+            <a:endParaRPr lang="ko-KR" altLang="en-US"/>
+          </a:p>
+        </p:txBody>
+      </p:sp>
+      <p:sp>
+        <p:nvSpPr>
+          <p:cNvPr id="52" name="TextBox 51">
+            <a:extLst>
+              <a:ext uri="{FF2B5EF4-FFF2-40B4-BE49-F238E27FC236}">
+                <a16:creationId xmlns:a16="http://schemas.microsoft.com/office/drawing/2014/main" id="{7CE4B756-DB2E-FE3E-34C0-2BEB36E79C76}"/>
+              </a:ext>
+            </a:extLst>
+          </p:cNvPr>
+          <p:cNvSpPr txBox="1"/>
+          <p:nvPr/>
+        </p:nvSpPr>
+        <p:spPr>
+          <a:xfrm>
+            <a:off x="8240487" y="2433430"/>
+            <a:ext cx="1861458" cy="369332"/>
+          </a:xfrm>
+          <a:prstGeom prst="rect">
+            <a:avLst/>
+          </a:prstGeom>
+        </p:spPr>
+        <p:style>
+          <a:lnRef idx="2">
+            <a:schemeClr val="accent5"/>
+          </a:lnRef>
+          <a:fillRef idx="1">
+            <a:schemeClr val="lt1"/>
+          </a:fillRef>
+          <a:effectRef idx="0">
+            <a:schemeClr val="accent5"/>
+          </a:effectRef>
+          <a:fontRef idx="minor">
+            <a:schemeClr val="dk1"/>
+          </a:fontRef>
+        </p:style>
+        <p:txBody>
+          <a:bodyPr wrap="square" rtlCol="0">
+            <a:spAutoFit/>
+          </a:bodyPr>
+          <a:lstStyle/>
+          <a:p>
+            <a:r>
+              <a:rPr lang="en-US" altLang="ko-KR" dirty="0"/>
+              <a:t>Calculator class</a:t>
+            </a:r>
+            <a:endParaRPr lang="ko-KR" altLang="en-US" dirty="0"/>
+          </a:p>
+        </p:txBody>
+      </p:sp>
+      <p:sp>
+        <p:nvSpPr>
+          <p:cNvPr id="53" name="직사각형 52">
+            <a:extLst>
+              <a:ext uri="{FF2B5EF4-FFF2-40B4-BE49-F238E27FC236}">
+                <a16:creationId xmlns:a16="http://schemas.microsoft.com/office/drawing/2014/main" id="{E1CF062F-A7B9-6A37-06EC-1FF281111E24}"/>
+              </a:ext>
+            </a:extLst>
+          </p:cNvPr>
+          <p:cNvSpPr/>
+          <p:nvPr/>
+        </p:nvSpPr>
+        <p:spPr>
+          <a:xfrm>
+            <a:off x="8371117" y="2969731"/>
+            <a:ext cx="2275114" cy="391885"/>
+          </a:xfrm>
+          <a:prstGeom prst="rect">
+            <a:avLst/>
+          </a:prstGeom>
+        </p:spPr>
+        <p:style>
+          <a:lnRef idx="1">
+            <a:schemeClr val="accent6"/>
+          </a:lnRef>
+          <a:fillRef idx="2">
+            <a:schemeClr val="accent6"/>
+          </a:fillRef>
+          <a:effectRef idx="1">
+            <a:schemeClr val="accent6"/>
+          </a:effectRef>
+          <a:fontRef idx="minor">
+            <a:schemeClr val="dk1"/>
+          </a:fontRef>
+        </p:style>
+        <p:txBody>
+          <a:bodyPr rtlCol="0" anchor="ctr"/>
+          <a:lstStyle/>
+          <a:p>
+            <a:pPr algn="ctr"/>
+            <a:r>
+              <a:rPr lang="en-US" altLang="ko-KR" dirty="0"/>
+              <a:t>plus()</a:t>
+            </a:r>
+            <a:r>
+              <a:rPr lang="ko-KR" altLang="en-US" dirty="0"/>
+              <a:t> </a:t>
+            </a:r>
+            <a:r>
+              <a:rPr lang="en-US" altLang="ko-KR" dirty="0"/>
+              <a:t>method</a:t>
+            </a:r>
+            <a:endParaRPr lang="ko-KR" altLang="en-US" dirty="0"/>
+          </a:p>
+        </p:txBody>
+      </p:sp>
+      <p:sp>
+        <p:nvSpPr>
+          <p:cNvPr id="54" name="직사각형 53">
+            <a:extLst>
+              <a:ext uri="{FF2B5EF4-FFF2-40B4-BE49-F238E27FC236}">
+                <a16:creationId xmlns:a16="http://schemas.microsoft.com/office/drawing/2014/main" id="{F53758B4-C010-7D78-7978-E8AD24FE9D7C}"/>
+              </a:ext>
+            </a:extLst>
+          </p:cNvPr>
+          <p:cNvSpPr/>
+          <p:nvPr/>
+        </p:nvSpPr>
+        <p:spPr>
+          <a:xfrm>
+            <a:off x="8371117" y="3542599"/>
+            <a:ext cx="2275114" cy="391885"/>
+          </a:xfrm>
+          <a:prstGeom prst="rect">
+            <a:avLst/>
+          </a:prstGeom>
+        </p:spPr>
+        <p:style>
+          <a:lnRef idx="1">
+            <a:schemeClr val="accent6"/>
+          </a:lnRef>
+          <a:fillRef idx="2">
+            <a:schemeClr val="accent6"/>
+          </a:fillRef>
+          <a:effectRef idx="1">
+            <a:schemeClr val="accent6"/>
+          </a:effectRef>
+          <a:fontRef idx="minor">
+            <a:schemeClr val="dk1"/>
+          </a:fontRef>
+        </p:style>
+        <p:txBody>
+          <a:bodyPr rtlCol="0" anchor="ctr"/>
+          <a:lstStyle/>
+          <a:p>
+            <a:pPr algn="ctr"/>
+            <a:r>
+              <a:rPr lang="en-US" altLang="ko-KR" dirty="0"/>
+              <a:t>minus()</a:t>
+            </a:r>
+            <a:r>
+              <a:rPr lang="ko-KR" altLang="en-US" dirty="0"/>
+              <a:t> </a:t>
+            </a:r>
+            <a:r>
+              <a:rPr lang="en-US" altLang="ko-KR" dirty="0"/>
+              <a:t>method</a:t>
+            </a:r>
+            <a:endParaRPr lang="ko-KR" altLang="en-US" dirty="0"/>
+          </a:p>
+        </p:txBody>
+      </p:sp>
+      <p:sp>
+        <p:nvSpPr>
+          <p:cNvPr id="55" name="직사각형 54">
+            <a:extLst>
+              <a:ext uri="{FF2B5EF4-FFF2-40B4-BE49-F238E27FC236}">
+                <a16:creationId xmlns:a16="http://schemas.microsoft.com/office/drawing/2014/main" id="{F32DD491-F95B-A720-B2F0-10A2C64787CF}"/>
+              </a:ext>
+            </a:extLst>
+          </p:cNvPr>
+          <p:cNvSpPr/>
+          <p:nvPr/>
+        </p:nvSpPr>
+        <p:spPr>
+          <a:xfrm>
+            <a:off x="8371117" y="4075999"/>
+            <a:ext cx="2275114" cy="391885"/>
+          </a:xfrm>
+          <a:prstGeom prst="rect">
+            <a:avLst/>
+          </a:prstGeom>
+        </p:spPr>
+        <p:style>
+          <a:lnRef idx="1">
+            <a:schemeClr val="accent6"/>
+          </a:lnRef>
+          <a:fillRef idx="2">
+            <a:schemeClr val="accent6"/>
+          </a:fillRef>
+          <a:effectRef idx="1">
+            <a:schemeClr val="accent6"/>
+          </a:effectRef>
+          <a:fontRef idx="minor">
+            <a:schemeClr val="dk1"/>
+          </a:fontRef>
+        </p:style>
+        <p:txBody>
+          <a:bodyPr rtlCol="0" anchor="ctr"/>
+          <a:lstStyle/>
+          <a:p>
+            <a:pPr algn="ctr"/>
+            <a:r>
+              <a:rPr lang="en-US" altLang="ko-KR" dirty="0"/>
+              <a:t>multiple()</a:t>
+            </a:r>
+            <a:r>
+              <a:rPr lang="ko-KR" altLang="en-US" dirty="0"/>
+              <a:t> </a:t>
+            </a:r>
+            <a:r>
+              <a:rPr lang="en-US" altLang="ko-KR" dirty="0"/>
+              <a:t>method</a:t>
+            </a:r>
+            <a:endParaRPr lang="ko-KR" altLang="en-US" dirty="0"/>
+          </a:p>
+        </p:txBody>
+      </p:sp>
+      <p:sp>
+        <p:nvSpPr>
+          <p:cNvPr id="56" name="직사각형 55">
+            <a:extLst>
+              <a:ext uri="{FF2B5EF4-FFF2-40B4-BE49-F238E27FC236}">
+                <a16:creationId xmlns:a16="http://schemas.microsoft.com/office/drawing/2014/main" id="{2CE8E403-8232-BF64-2A0B-C40A2B7C5D68}"/>
+              </a:ext>
+            </a:extLst>
+          </p:cNvPr>
+          <p:cNvSpPr/>
+          <p:nvPr/>
+        </p:nvSpPr>
+        <p:spPr>
+          <a:xfrm>
+            <a:off x="8371117" y="4609399"/>
+            <a:ext cx="2275114" cy="391885"/>
+          </a:xfrm>
+          <a:prstGeom prst="rect">
+            <a:avLst/>
+          </a:prstGeom>
+        </p:spPr>
+        <p:style>
+          <a:lnRef idx="1">
+            <a:schemeClr val="accent6"/>
+          </a:lnRef>
+          <a:fillRef idx="2">
+            <a:schemeClr val="accent6"/>
+          </a:fillRef>
+          <a:effectRef idx="1">
+            <a:schemeClr val="accent6"/>
+          </a:effectRef>
+          <a:fontRef idx="minor">
+            <a:schemeClr val="dk1"/>
+          </a:fontRef>
+        </p:style>
+        <p:txBody>
+          <a:bodyPr rtlCol="0" anchor="ctr"/>
+          <a:lstStyle/>
+          <a:p>
+            <a:pPr algn="ctr"/>
+            <a:r>
+              <a:rPr lang="en-US" altLang="ko-KR" dirty="0" err="1"/>
+              <a:t>devide</a:t>
+            </a:r>
+            <a:r>
+              <a:rPr lang="en-US" altLang="ko-KR" dirty="0"/>
+              <a:t>()</a:t>
+            </a:r>
+            <a:r>
+              <a:rPr lang="ko-KR" altLang="en-US" dirty="0"/>
+              <a:t> </a:t>
+            </a:r>
+            <a:r>
+              <a:rPr lang="en-US" altLang="ko-KR" dirty="0"/>
+              <a:t>method</a:t>
+            </a:r>
+            <a:endParaRPr lang="ko-KR" altLang="en-US" dirty="0"/>
+          </a:p>
+        </p:txBody>
+      </p:sp>
+      <p:sp>
+        <p:nvSpPr>
+          <p:cNvPr id="57" name="직사각형 56">
+            <a:extLst>
+              <a:ext uri="{FF2B5EF4-FFF2-40B4-BE49-F238E27FC236}">
+                <a16:creationId xmlns:a16="http://schemas.microsoft.com/office/drawing/2014/main" id="{2F5A86ED-1A98-FAC5-1A1B-32C809930BF5}"/>
+              </a:ext>
+            </a:extLst>
+          </p:cNvPr>
+          <p:cNvSpPr/>
+          <p:nvPr/>
+        </p:nvSpPr>
+        <p:spPr>
+          <a:xfrm>
+            <a:off x="8333496" y="1537787"/>
+            <a:ext cx="2275114" cy="391885"/>
+          </a:xfrm>
+          <a:prstGeom prst="rect">
+            <a:avLst/>
+          </a:prstGeom>
+        </p:spPr>
+        <p:style>
+          <a:lnRef idx="1">
+            <a:schemeClr val="accent6"/>
+          </a:lnRef>
+          <a:fillRef idx="2">
+            <a:schemeClr val="accent6"/>
+          </a:fillRef>
+          <a:effectRef idx="1">
+            <a:schemeClr val="accent6"/>
+          </a:effectRef>
+          <a:fontRef idx="minor">
+            <a:schemeClr val="dk1"/>
+          </a:fontRef>
+        </p:style>
+        <p:txBody>
+          <a:bodyPr rtlCol="0" anchor="ctr"/>
+          <a:lstStyle/>
+          <a:p>
+            <a:pPr algn="ctr"/>
+            <a:r>
+              <a:rPr lang="en-US" altLang="ko-KR" dirty="0"/>
+              <a:t>main()</a:t>
+            </a:r>
+            <a:r>
+              <a:rPr lang="ko-KR" altLang="en-US" dirty="0"/>
+              <a:t> </a:t>
+            </a:r>
+            <a:r>
+              <a:rPr lang="en-US" altLang="ko-KR" dirty="0"/>
+              <a:t>method</a:t>
+            </a:r>
+            <a:endParaRPr lang="ko-KR" altLang="en-US" dirty="0"/>
+          </a:p>
+        </p:txBody>
+      </p:sp>
+      <p:sp>
+        <p:nvSpPr>
+          <p:cNvPr id="58" name="TextBox 57">
+            <a:extLst>
+              <a:ext uri="{FF2B5EF4-FFF2-40B4-BE49-F238E27FC236}">
+                <a16:creationId xmlns:a16="http://schemas.microsoft.com/office/drawing/2014/main" id="{1AFA62FD-93DA-37C7-0B31-92F5C648DDFF}"/>
+              </a:ext>
+            </a:extLst>
+          </p:cNvPr>
+          <p:cNvSpPr txBox="1"/>
+          <p:nvPr/>
+        </p:nvSpPr>
+        <p:spPr>
+          <a:xfrm>
+            <a:off x="9846610" y="1971764"/>
+            <a:ext cx="1404257" cy="369332"/>
+          </a:xfrm>
+          <a:prstGeom prst="rect">
+            <a:avLst/>
+          </a:prstGeom>
+        </p:spPr>
+        <p:style>
+          <a:lnRef idx="2">
+            <a:schemeClr val="accent4"/>
+          </a:lnRef>
+          <a:fillRef idx="1">
+            <a:schemeClr val="lt1"/>
+          </a:fillRef>
+          <a:effectRef idx="0">
+            <a:schemeClr val="accent4"/>
+          </a:effectRef>
+          <a:fontRef idx="minor">
+            <a:schemeClr val="dk1"/>
+          </a:fontRef>
+        </p:style>
+        <p:txBody>
+          <a:bodyPr wrap="square" rtlCol="0">
+            <a:spAutoFit/>
+          </a:bodyPr>
+          <a:lstStyle/>
+          <a:p>
+            <a:r>
+              <a:rPr lang="en-US" altLang="ko-KR" dirty="0"/>
+              <a:t>result </a:t>
+            </a:r>
+            <a:r>
+              <a:rPr lang="ko-KR" altLang="en-US" dirty="0"/>
+              <a:t>변수</a:t>
+            </a:r>
+          </a:p>
+        </p:txBody>
+      </p:sp>
+      <p:cxnSp>
+        <p:nvCxnSpPr>
+          <p:cNvPr id="59" name="연결선: 꺾임 58">
+            <a:extLst>
+              <a:ext uri="{FF2B5EF4-FFF2-40B4-BE49-F238E27FC236}">
+                <a16:creationId xmlns:a16="http://schemas.microsoft.com/office/drawing/2014/main" id="{5B806234-3AC8-CFB6-040A-4D559129BA26}"/>
+              </a:ext>
+            </a:extLst>
+          </p:cNvPr>
+          <p:cNvCxnSpPr>
+            <a:stCxn id="57" idx="2"/>
+            <a:endCxn id="58" idx="1"/>
+          </p:cNvCxnSpPr>
+          <p:nvPr/>
+        </p:nvCxnSpPr>
+        <p:spPr>
+          <a:xfrm rot="16200000" flipH="1">
+            <a:off x="9545452" y="1855272"/>
+            <a:ext cx="226758" cy="375557"/>
+          </a:xfrm>
+          <a:prstGeom prst="bentConnector2">
+            <a:avLst/>
+          </a:prstGeom>
+          <a:ln>
+            <a:tailEnd type="triangle"/>
+          </a:ln>
+        </p:spPr>
+        <p:style>
+          <a:lnRef idx="3">
+            <a:schemeClr val="accent4"/>
+          </a:lnRef>
+          <a:fillRef idx="0">
+            <a:schemeClr val="accent4"/>
+          </a:fillRef>
+          <a:effectRef idx="2">
+            <a:schemeClr val="accent4"/>
+          </a:effectRef>
+          <a:fontRef idx="minor">
+            <a:schemeClr val="tx1"/>
+          </a:fontRef>
+        </p:style>
+      </p:cxnSp>
+      <p:sp>
+        <p:nvSpPr>
+          <p:cNvPr id="60" name="직사각형 59">
+            <a:extLst>
+              <a:ext uri="{FF2B5EF4-FFF2-40B4-BE49-F238E27FC236}">
+                <a16:creationId xmlns:a16="http://schemas.microsoft.com/office/drawing/2014/main" id="{79274490-A314-325A-6268-827D2F562939}"/>
+              </a:ext>
+            </a:extLst>
+          </p:cNvPr>
+          <p:cNvSpPr/>
+          <p:nvPr/>
+        </p:nvSpPr>
+        <p:spPr>
+          <a:xfrm>
+            <a:off x="8371117" y="5158539"/>
+            <a:ext cx="2275114" cy="391885"/>
+          </a:xfrm>
+          <a:prstGeom prst="rect">
+            <a:avLst/>
+          </a:prstGeom>
+        </p:spPr>
+        <p:style>
+          <a:lnRef idx="1">
+            <a:schemeClr val="accent2"/>
+          </a:lnRef>
+          <a:fillRef idx="2">
+            <a:schemeClr val="accent2"/>
+          </a:fillRef>
+          <a:effectRef idx="1">
+            <a:schemeClr val="accent2"/>
+          </a:effectRef>
+          <a:fontRef idx="minor">
+            <a:schemeClr val="dk1"/>
+          </a:fontRef>
+        </p:style>
+        <p:txBody>
+          <a:bodyPr rtlCol="0" anchor="ctr"/>
+          <a:lstStyle/>
+          <a:p>
+            <a:pPr algn="ctr"/>
+            <a:r>
+              <a:rPr lang="en-US" altLang="ko-KR" dirty="0"/>
+              <a:t>abs()</a:t>
+            </a:r>
+            <a:r>
+              <a:rPr lang="ko-KR" altLang="en-US" dirty="0"/>
+              <a:t> </a:t>
+            </a:r>
+            <a:r>
+              <a:rPr lang="en-US" altLang="ko-KR" dirty="0"/>
+              <a:t>method</a:t>
+            </a:r>
+            <a:endParaRPr lang="ko-KR" altLang="en-US" dirty="0"/>
+          </a:p>
+        </p:txBody>
+      </p:sp>
+      <p:cxnSp>
+        <p:nvCxnSpPr>
+          <p:cNvPr id="61" name="연결선: 꺾임 60">
+            <a:extLst>
+              <a:ext uri="{FF2B5EF4-FFF2-40B4-BE49-F238E27FC236}">
+                <a16:creationId xmlns:a16="http://schemas.microsoft.com/office/drawing/2014/main" id="{D905C96A-7329-F415-6CB3-EA4A0923D745}"/>
+              </a:ext>
+            </a:extLst>
+          </p:cNvPr>
+          <p:cNvCxnSpPr>
+            <a:cxnSpLocks/>
+            <a:stCxn id="62" idx="2"/>
+            <a:endCxn id="66" idx="1"/>
+          </p:cNvCxnSpPr>
+          <p:nvPr/>
+        </p:nvCxnSpPr>
+        <p:spPr>
+          <a:xfrm rot="16200000" flipH="1">
+            <a:off x="9587811" y="5556999"/>
+            <a:ext cx="142920" cy="1182943"/>
+          </a:xfrm>
+          <a:prstGeom prst="bentConnector2">
+            <a:avLst/>
+          </a:prstGeom>
+          <a:ln>
+            <a:tailEnd type="triangle"/>
+          </a:ln>
+        </p:spPr>
+        <p:style>
+          <a:lnRef idx="2">
+            <a:schemeClr val="accent2"/>
+          </a:lnRef>
+          <a:fillRef idx="1">
+            <a:schemeClr val="lt1"/>
+          </a:fillRef>
+          <a:effectRef idx="0">
+            <a:schemeClr val="accent2"/>
+          </a:effectRef>
+          <a:fontRef idx="minor">
+            <a:schemeClr val="dk1"/>
+          </a:fontRef>
+        </p:style>
+      </p:cxnSp>
+      <p:sp>
+        <p:nvSpPr>
+          <p:cNvPr id="62" name="TextBox 61">
+            <a:extLst>
+              <a:ext uri="{FF2B5EF4-FFF2-40B4-BE49-F238E27FC236}">
+                <a16:creationId xmlns:a16="http://schemas.microsoft.com/office/drawing/2014/main" id="{09D0F1A6-31AB-7063-58A7-A9F82043C0C8}"/>
+              </a:ext>
+            </a:extLst>
+          </p:cNvPr>
+          <p:cNvSpPr txBox="1"/>
+          <p:nvPr/>
+        </p:nvSpPr>
+        <p:spPr>
+          <a:xfrm>
+            <a:off x="8365671" y="5707679"/>
+            <a:ext cx="1404257" cy="369332"/>
+          </a:xfrm>
+          <a:prstGeom prst="rect">
+            <a:avLst/>
+          </a:prstGeom>
+        </p:spPr>
+        <p:style>
+          <a:lnRef idx="1">
+            <a:schemeClr val="accent2"/>
+          </a:lnRef>
+          <a:fillRef idx="2">
+            <a:schemeClr val="accent2"/>
+          </a:fillRef>
+          <a:effectRef idx="1">
+            <a:schemeClr val="accent2"/>
+          </a:effectRef>
+          <a:fontRef idx="minor">
+            <a:schemeClr val="dk1"/>
+          </a:fontRef>
+        </p:style>
+        <p:txBody>
+          <a:bodyPr wrap="square" rtlCol="0">
+            <a:spAutoFit/>
+          </a:bodyPr>
+          <a:lstStyle/>
+          <a:p>
+            <a:r>
+              <a:rPr lang="en-US" altLang="ko-KR" dirty="0"/>
+              <a:t>result </a:t>
+            </a:r>
+            <a:r>
+              <a:rPr lang="ko-KR" altLang="en-US" dirty="0"/>
+              <a:t>변수</a:t>
+            </a:r>
+          </a:p>
+        </p:txBody>
+      </p:sp>
+      <p:sp>
+        <p:nvSpPr>
+          <p:cNvPr id="66" name="TextBox 65">
+            <a:extLst>
+              <a:ext uri="{FF2B5EF4-FFF2-40B4-BE49-F238E27FC236}">
+                <a16:creationId xmlns:a16="http://schemas.microsoft.com/office/drawing/2014/main" id="{410A1656-5C73-69AF-CA48-81D1B79A0899}"/>
+              </a:ext>
+            </a:extLst>
+          </p:cNvPr>
+          <p:cNvSpPr txBox="1"/>
+          <p:nvPr/>
+        </p:nvSpPr>
+        <p:spPr>
+          <a:xfrm>
+            <a:off x="10250743" y="5619766"/>
+            <a:ext cx="2535010" cy="1200329"/>
+          </a:xfrm>
+          <a:prstGeom prst="rect">
+            <a:avLst/>
+          </a:prstGeom>
+        </p:spPr>
+        <p:style>
+          <a:lnRef idx="2">
+            <a:schemeClr val="accent2"/>
+          </a:lnRef>
+          <a:fillRef idx="1">
+            <a:schemeClr val="lt1"/>
+          </a:fillRef>
+          <a:effectRef idx="0">
+            <a:schemeClr val="accent2"/>
+          </a:effectRef>
+          <a:fontRef idx="minor">
+            <a:schemeClr val="dk1"/>
+          </a:fontRef>
+        </p:style>
+        <p:txBody>
+          <a:bodyPr wrap="square" rtlCol="0">
+            <a:spAutoFit/>
+          </a:bodyPr>
+          <a:lstStyle/>
+          <a:p>
+            <a:r>
+              <a:rPr lang="en-US" altLang="ko-KR" b="1" dirty="0"/>
+              <a:t>Method</a:t>
+            </a:r>
+            <a:r>
+              <a:rPr lang="ko-KR" altLang="en-US" b="1" dirty="0"/>
+              <a:t>의 작업 결과를 외부에 두지 말고</a:t>
+            </a:r>
+            <a:r>
+              <a:rPr lang="en-US" altLang="ko-KR" b="1" dirty="0"/>
+              <a:t>, </a:t>
+            </a:r>
+            <a:r>
+              <a:rPr lang="ko-KR" altLang="en-US" b="1" dirty="0"/>
+              <a:t>내부에서 관리하자</a:t>
+            </a:r>
+            <a:endParaRPr lang="en-US" altLang="ko-KR" b="1" dirty="0"/>
+          </a:p>
+          <a:p>
+            <a:r>
+              <a:rPr lang="en-US" altLang="ko-KR" dirty="0">
+                <a:sym typeface="Wingdings" panose="05000000000000000000" pitchFamily="2" charset="2"/>
+              </a:rPr>
+              <a:t> </a:t>
+            </a:r>
+            <a:r>
+              <a:rPr lang="ko-KR" altLang="en-US" dirty="0">
+                <a:sym typeface="Wingdings" panose="05000000000000000000" pitchFamily="2" charset="2"/>
+              </a:rPr>
+              <a:t>유지보수 쉽다</a:t>
+            </a:r>
+            <a:r>
+              <a:rPr lang="en-US" altLang="ko-KR" dirty="0">
+                <a:sym typeface="Wingdings" panose="05000000000000000000" pitchFamily="2" charset="2"/>
+              </a:rPr>
+              <a:t>.</a:t>
+            </a:r>
+            <a:endParaRPr lang="ko-KR" altLang="en-US" dirty="0"/>
+          </a:p>
+        </p:txBody>
+      </p:sp>
+      <p:sp>
+        <p:nvSpPr>
+          <p:cNvPr id="69" name="곱하기 기호 68">
+            <a:extLst>
+              <a:ext uri="{FF2B5EF4-FFF2-40B4-BE49-F238E27FC236}">
+                <a16:creationId xmlns:a16="http://schemas.microsoft.com/office/drawing/2014/main" id="{520BC11A-FB1E-F172-0C27-ED0552A11081}"/>
+              </a:ext>
+            </a:extLst>
+          </p:cNvPr>
+          <p:cNvSpPr/>
+          <p:nvPr/>
+        </p:nvSpPr>
+        <p:spPr>
+          <a:xfrm>
+            <a:off x="9002484" y="1848823"/>
+            <a:ext cx="3211286" cy="600511"/>
+          </a:xfrm>
+          <a:prstGeom prst="mathMultiply">
+            <a:avLst/>
+          </a:prstGeom>
+          <a:solidFill>
+            <a:srgbClr val="FF0000"/>
+          </a:solidFill>
+        </p:spPr>
+        <p:style>
+          <a:lnRef idx="2">
+            <a:schemeClr val="accent1">
+              <a:shade val="50000"/>
+            </a:schemeClr>
+          </a:lnRef>
+          <a:fillRef idx="1">
+            <a:schemeClr val="accent1"/>
+          </a:fillRef>
+          <a:effectRef idx="0">
+            <a:schemeClr val="accent1"/>
+          </a:effectRef>
+          <a:fontRef idx="minor">
+            <a:schemeClr val="lt1"/>
+          </a:fontRef>
+        </p:style>
+        <p:txBody>
+          <a:bodyPr rtlCol="0" anchor="ctr"/>
+          <a:lstStyle/>
+          <a:p>
+            <a:pPr algn="ctr"/>
+            <a:endParaRPr lang="ko-KR" altLang="en-US"/>
+          </a:p>
+        </p:txBody>
+      </p:sp>
+    </p:spTree>
+    <p:extLst>
+      <p:ext uri="{BB962C8B-B14F-4D97-AF65-F5344CB8AC3E}">
+        <p14:creationId xmlns:p14="http://schemas.microsoft.com/office/powerpoint/2010/main" val="3424010223"/>
+      </p:ext>
+    </p:extLst>
+  </p:cSld>
+  <p:clrMapOvr>
+    <a:masterClrMapping/>
+  </p:clrMapOvr>
+</p:sld>
+</file>
+
+<file path=ppt/slides/slide4.xml><?xml version="1.0" encoding="utf-8"?>
+<p:sld xmlns:a="http://schemas.openxmlformats.org/drawingml/2006/main" xmlns:r="http://schemas.openxmlformats.org/officeDocument/2006/relationships" xmlns:p="http://schemas.openxmlformats.org/presentationml/2006/main">
+  <p:cSld>
+    <p:spTree>
+      <p:nvGrpSpPr>
+        <p:cNvPr id="1" name=""/>
+        <p:cNvGrpSpPr/>
+        <p:nvPr/>
+      </p:nvGrpSpPr>
+      <p:grpSpPr>
+        <a:xfrm>
+          <a:off x="0" y="0"/>
+          <a:ext cx="0" cy="0"/>
+          <a:chOff x="0" y="0"/>
+          <a:chExt cx="0" cy="0"/>
+        </a:xfrm>
+      </p:grpSpPr>
+      <p:sp>
+        <p:nvSpPr>
+          <p:cNvPr id="15" name="TextBox 14">
+            <a:extLst>
+              <a:ext uri="{FF2B5EF4-FFF2-40B4-BE49-F238E27FC236}">
+                <a16:creationId xmlns:a16="http://schemas.microsoft.com/office/drawing/2014/main" id="{4A8B4CD0-8181-33A3-4185-B98039C0D3B5}"/>
+              </a:ext>
+            </a:extLst>
+          </p:cNvPr>
+          <p:cNvSpPr txBox="1"/>
+          <p:nvPr/>
+        </p:nvSpPr>
+        <p:spPr>
+          <a:xfrm>
+            <a:off x="5159826" y="1026553"/>
+            <a:ext cx="1861458" cy="369332"/>
+          </a:xfrm>
+          <a:prstGeom prst="rect">
+            <a:avLst/>
+          </a:prstGeom>
+        </p:spPr>
+        <p:style>
+          <a:lnRef idx="2">
+            <a:schemeClr val="accent5"/>
+          </a:lnRef>
+          <a:fillRef idx="1">
+            <a:schemeClr val="lt1"/>
+          </a:fillRef>
+          <a:effectRef idx="0">
+            <a:schemeClr val="accent5"/>
+          </a:effectRef>
+          <a:fontRef idx="minor">
+            <a:schemeClr val="dk1"/>
+          </a:fontRef>
+        </p:style>
+        <p:txBody>
+          <a:bodyPr wrap="square" rtlCol="0">
+            <a:spAutoFit/>
+          </a:bodyPr>
+          <a:lstStyle/>
+          <a:p>
+            <a:r>
+              <a:rPr lang="en-US" altLang="ko-KR" dirty="0"/>
+              <a:t>Exam0210 class</a:t>
+            </a:r>
+            <a:endParaRPr lang="ko-KR" altLang="en-US" dirty="0"/>
+          </a:p>
+        </p:txBody>
+      </p:sp>
+      <p:sp>
+        <p:nvSpPr>
+          <p:cNvPr id="8" name="TextBox 7">
+            <a:extLst>
+              <a:ext uri="{FF2B5EF4-FFF2-40B4-BE49-F238E27FC236}">
+                <a16:creationId xmlns:a16="http://schemas.microsoft.com/office/drawing/2014/main" id="{6B0C823E-8C87-509F-DAF5-A6984055B74C}"/>
+              </a:ext>
+            </a:extLst>
+          </p:cNvPr>
+          <p:cNvSpPr txBox="1"/>
+          <p:nvPr/>
+        </p:nvSpPr>
+        <p:spPr>
+          <a:xfrm>
+            <a:off x="272141" y="267678"/>
+            <a:ext cx="2492829" cy="646331"/>
+          </a:xfrm>
+          <a:prstGeom prst="rect">
+            <a:avLst/>
+          </a:prstGeom>
+          <a:noFill/>
+        </p:spPr>
+        <p:txBody>
+          <a:bodyPr wrap="square" rtlCol="0">
+            <a:spAutoFit/>
+          </a:bodyPr>
+          <a:lstStyle/>
+          <a:p>
+            <a:r>
+              <a:rPr lang="en-US" altLang="ko-KR" dirty="0"/>
+              <a:t>4. </a:t>
+            </a:r>
+            <a:r>
+              <a:rPr lang="ko-KR" altLang="en-US" dirty="0"/>
+              <a:t>클래스 변수의 한계 </a:t>
+            </a:r>
+            <a:endParaRPr lang="en-US" altLang="ko-KR" dirty="0"/>
+          </a:p>
+          <a:p>
+            <a:r>
+              <a:rPr lang="en-US" altLang="ko-KR" dirty="0">
+                <a:sym typeface="Wingdings" panose="05000000000000000000" pitchFamily="2" charset="2"/>
+              </a:rPr>
+              <a:t> </a:t>
+            </a:r>
+            <a:r>
+              <a:rPr lang="ko-KR" altLang="en-US" dirty="0">
+                <a:sym typeface="Wingdings" panose="05000000000000000000" pitchFamily="2" charset="2"/>
+              </a:rPr>
+              <a:t>동시 계산</a:t>
+            </a:r>
+            <a:r>
+              <a:rPr lang="en-US" altLang="ko-KR" dirty="0">
+                <a:sym typeface="Wingdings" panose="05000000000000000000" pitchFamily="2" charset="2"/>
+              </a:rPr>
+              <a:t>X</a:t>
+            </a:r>
+            <a:endParaRPr lang="ko-KR" altLang="en-US" dirty="0"/>
+          </a:p>
+        </p:txBody>
+      </p:sp>
+      <p:sp>
+        <p:nvSpPr>
+          <p:cNvPr id="17" name="TextBox 16">
+            <a:extLst>
+              <a:ext uri="{FF2B5EF4-FFF2-40B4-BE49-F238E27FC236}">
+                <a16:creationId xmlns:a16="http://schemas.microsoft.com/office/drawing/2014/main" id="{99BA861A-7295-177E-97E0-23A26C4D6F57}"/>
+              </a:ext>
+            </a:extLst>
+          </p:cNvPr>
+          <p:cNvSpPr txBox="1"/>
+          <p:nvPr/>
+        </p:nvSpPr>
+        <p:spPr>
+          <a:xfrm>
+            <a:off x="5470069" y="267678"/>
+            <a:ext cx="2509158" cy="646331"/>
+          </a:xfrm>
+          <a:prstGeom prst="rect">
+            <a:avLst/>
+          </a:prstGeom>
+          <a:noFill/>
+        </p:spPr>
+        <p:txBody>
+          <a:bodyPr wrap="square" rtlCol="0">
+            <a:spAutoFit/>
+          </a:bodyPr>
+          <a:lstStyle/>
+          <a:p>
+            <a:r>
+              <a:rPr lang="en-US" altLang="ko-KR" dirty="0"/>
+              <a:t>5. Instance</a:t>
+            </a:r>
+            <a:r>
+              <a:rPr lang="ko-KR" altLang="en-US" dirty="0"/>
+              <a:t> 변수 도입</a:t>
+            </a:r>
+            <a:r>
+              <a:rPr lang="en-US" altLang="ko-KR" dirty="0"/>
+              <a:t>,</a:t>
+            </a:r>
+          </a:p>
+          <a:p>
+            <a:r>
+              <a:rPr lang="ko-KR" altLang="en-US" dirty="0"/>
+              <a:t>인스턴스 메서드 활용</a:t>
+            </a:r>
+          </a:p>
+        </p:txBody>
+      </p:sp>
+      <p:cxnSp>
+        <p:nvCxnSpPr>
+          <p:cNvPr id="36" name="직선 화살표 연결선 35">
+            <a:extLst>
+              <a:ext uri="{FF2B5EF4-FFF2-40B4-BE49-F238E27FC236}">
+                <a16:creationId xmlns:a16="http://schemas.microsoft.com/office/drawing/2014/main" id="{1BFEC7F4-C2FB-002F-4EAF-B277D577C5A5}"/>
+              </a:ext>
+            </a:extLst>
+          </p:cNvPr>
+          <p:cNvCxnSpPr>
+            <a:cxnSpLocks/>
+            <a:stCxn id="8" idx="3"/>
+            <a:endCxn id="17" idx="1"/>
+          </p:cNvCxnSpPr>
+          <p:nvPr/>
+        </p:nvCxnSpPr>
+        <p:spPr>
+          <a:xfrm>
+            <a:off x="2764970" y="590844"/>
+            <a:ext cx="2705099" cy="0"/>
+          </a:xfrm>
+          <a:prstGeom prst="straightConnector1">
+            <a:avLst/>
+          </a:prstGeom>
+          <a:ln>
+            <a:tailEnd type="triangle"/>
+          </a:ln>
+        </p:spPr>
+        <p:style>
+          <a:lnRef idx="3">
+            <a:schemeClr val="dk1"/>
+          </a:lnRef>
+          <a:fillRef idx="0">
+            <a:schemeClr val="dk1"/>
+          </a:fillRef>
+          <a:effectRef idx="2">
+            <a:schemeClr val="dk1"/>
+          </a:effectRef>
+          <a:fontRef idx="minor">
+            <a:schemeClr val="tx1"/>
+          </a:fontRef>
+        </p:style>
+      </p:cxnSp>
+      <p:sp>
+        <p:nvSpPr>
+          <p:cNvPr id="50" name="직사각형 49">
+            <a:extLst>
+              <a:ext uri="{FF2B5EF4-FFF2-40B4-BE49-F238E27FC236}">
+                <a16:creationId xmlns:a16="http://schemas.microsoft.com/office/drawing/2014/main" id="{1E57A608-2546-45D7-B0D1-0FA5D9DDD389}"/>
+              </a:ext>
+            </a:extLst>
+          </p:cNvPr>
+          <p:cNvSpPr/>
+          <p:nvPr/>
+        </p:nvSpPr>
+        <p:spPr>
+          <a:xfrm>
+            <a:off x="5122209" y="1395885"/>
+            <a:ext cx="3211286" cy="5138058"/>
+          </a:xfrm>
+          <a:prstGeom prst="rect">
+            <a:avLst/>
+          </a:prstGeom>
+        </p:spPr>
+        <p:style>
+          <a:lnRef idx="2">
+            <a:schemeClr val="accent1">
+              <a:shade val="50000"/>
+            </a:schemeClr>
+          </a:lnRef>
+          <a:fillRef idx="1">
+            <a:schemeClr val="accent1"/>
+          </a:fillRef>
+          <a:effectRef idx="0">
+            <a:schemeClr val="accent1"/>
+          </a:effectRef>
+          <a:fontRef idx="minor">
+            <a:schemeClr val="lt1"/>
+          </a:fontRef>
+        </p:style>
+        <p:txBody>
+          <a:bodyPr rtlCol="0" anchor="ctr"/>
+          <a:lstStyle/>
+          <a:p>
+            <a:pPr algn="ctr"/>
+            <a:endParaRPr lang="ko-KR" altLang="en-US"/>
+          </a:p>
+        </p:txBody>
+      </p:sp>
+      <p:sp>
+        <p:nvSpPr>
+          <p:cNvPr id="51" name="직사각형 50">
+            <a:extLst>
+              <a:ext uri="{FF2B5EF4-FFF2-40B4-BE49-F238E27FC236}">
+                <a16:creationId xmlns:a16="http://schemas.microsoft.com/office/drawing/2014/main" id="{EEEA830F-B3B6-8589-237C-139D68E3B81A}"/>
+              </a:ext>
+            </a:extLst>
+          </p:cNvPr>
+          <p:cNvSpPr/>
+          <p:nvPr/>
+        </p:nvSpPr>
+        <p:spPr>
+          <a:xfrm>
+            <a:off x="5192486" y="2970907"/>
+            <a:ext cx="2950028" cy="3444465"/>
+          </a:xfrm>
+          <a:prstGeom prst="rect">
+            <a:avLst/>
+          </a:prstGeom>
+        </p:spPr>
+        <p:style>
+          <a:lnRef idx="1">
+            <a:schemeClr val="accent1"/>
+          </a:lnRef>
+          <a:fillRef idx="2">
+            <a:schemeClr val="accent1"/>
+          </a:fillRef>
+          <a:effectRef idx="1">
+            <a:schemeClr val="accent1"/>
+          </a:effectRef>
+          <a:fontRef idx="minor">
+            <a:schemeClr val="dk1"/>
+          </a:fontRef>
+        </p:style>
+        <p:txBody>
+          <a:bodyPr rtlCol="0" anchor="ctr"/>
+          <a:lstStyle/>
+          <a:p>
+            <a:pPr algn="ctr"/>
+            <a:endParaRPr lang="ko-KR" altLang="en-US"/>
+          </a:p>
+        </p:txBody>
+      </p:sp>
+      <p:sp>
+        <p:nvSpPr>
+          <p:cNvPr id="52" name="TextBox 51">
+            <a:extLst>
+              <a:ext uri="{FF2B5EF4-FFF2-40B4-BE49-F238E27FC236}">
+                <a16:creationId xmlns:a16="http://schemas.microsoft.com/office/drawing/2014/main" id="{7CE4B756-DB2E-FE3E-34C0-2BEB36E79C76}"/>
+              </a:ext>
+            </a:extLst>
+          </p:cNvPr>
+          <p:cNvSpPr txBox="1"/>
+          <p:nvPr/>
+        </p:nvSpPr>
+        <p:spPr>
+          <a:xfrm>
+            <a:off x="5192486" y="2545974"/>
+            <a:ext cx="1861458" cy="369332"/>
+          </a:xfrm>
+          <a:prstGeom prst="rect">
+            <a:avLst/>
+          </a:prstGeom>
+        </p:spPr>
+        <p:style>
+          <a:lnRef idx="2">
+            <a:schemeClr val="accent5"/>
+          </a:lnRef>
+          <a:fillRef idx="1">
+            <a:schemeClr val="lt1"/>
+          </a:fillRef>
+          <a:effectRef idx="0">
+            <a:schemeClr val="accent5"/>
+          </a:effectRef>
+          <a:fontRef idx="minor">
+            <a:schemeClr val="dk1"/>
+          </a:fontRef>
+        </p:style>
+        <p:txBody>
+          <a:bodyPr wrap="square" rtlCol="0">
+            <a:spAutoFit/>
+          </a:bodyPr>
+          <a:lstStyle/>
+          <a:p>
+            <a:r>
+              <a:rPr lang="en-US" altLang="ko-KR" dirty="0"/>
+              <a:t>Calculator class</a:t>
+            </a:r>
+            <a:endParaRPr lang="ko-KR" altLang="en-US" dirty="0"/>
+          </a:p>
+        </p:txBody>
+      </p:sp>
+      <p:sp>
+        <p:nvSpPr>
+          <p:cNvPr id="53" name="직사각형 52">
+            <a:extLst>
+              <a:ext uri="{FF2B5EF4-FFF2-40B4-BE49-F238E27FC236}">
+                <a16:creationId xmlns:a16="http://schemas.microsoft.com/office/drawing/2014/main" id="{E1CF062F-A7B9-6A37-06EC-1FF281111E24}"/>
+              </a:ext>
+            </a:extLst>
+          </p:cNvPr>
+          <p:cNvSpPr/>
+          <p:nvPr/>
+        </p:nvSpPr>
+        <p:spPr>
+          <a:xfrm>
+            <a:off x="5323116" y="3082275"/>
+            <a:ext cx="2275114" cy="391885"/>
+          </a:xfrm>
+          <a:prstGeom prst="rect">
+            <a:avLst/>
+          </a:prstGeom>
+        </p:spPr>
+        <p:style>
+          <a:lnRef idx="2">
+            <a:schemeClr val="accent5">
+              <a:shade val="50000"/>
+            </a:schemeClr>
+          </a:lnRef>
+          <a:fillRef idx="1">
+            <a:schemeClr val="accent5"/>
+          </a:fillRef>
+          <a:effectRef idx="0">
+            <a:schemeClr val="accent5"/>
+          </a:effectRef>
+          <a:fontRef idx="minor">
+            <a:schemeClr val="lt1"/>
+          </a:fontRef>
+        </p:style>
+        <p:txBody>
+          <a:bodyPr rtlCol="0" anchor="ctr"/>
+          <a:lstStyle/>
+          <a:p>
+            <a:pPr algn="ctr"/>
+            <a:r>
+              <a:rPr lang="en-US" altLang="ko-KR" dirty="0"/>
+              <a:t>plus()</a:t>
+            </a:r>
+            <a:r>
+              <a:rPr lang="ko-KR" altLang="en-US" dirty="0"/>
+              <a:t> </a:t>
+            </a:r>
+            <a:r>
+              <a:rPr lang="en-US" altLang="ko-KR" dirty="0"/>
+              <a:t>method</a:t>
+            </a:r>
+            <a:endParaRPr lang="ko-KR" altLang="en-US" dirty="0"/>
+          </a:p>
+        </p:txBody>
+      </p:sp>
+      <p:sp>
+        <p:nvSpPr>
+          <p:cNvPr id="54" name="직사각형 53">
+            <a:extLst>
+              <a:ext uri="{FF2B5EF4-FFF2-40B4-BE49-F238E27FC236}">
+                <a16:creationId xmlns:a16="http://schemas.microsoft.com/office/drawing/2014/main" id="{F53758B4-C010-7D78-7978-E8AD24FE9D7C}"/>
+              </a:ext>
+            </a:extLst>
+          </p:cNvPr>
+          <p:cNvSpPr/>
+          <p:nvPr/>
+        </p:nvSpPr>
+        <p:spPr>
+          <a:xfrm>
+            <a:off x="5323116" y="3655143"/>
+            <a:ext cx="2275114" cy="391885"/>
+          </a:xfrm>
+          <a:prstGeom prst="rect">
+            <a:avLst/>
+          </a:prstGeom>
+        </p:spPr>
+        <p:style>
+          <a:lnRef idx="2">
+            <a:schemeClr val="accent5">
+              <a:shade val="50000"/>
+            </a:schemeClr>
+          </a:lnRef>
+          <a:fillRef idx="1">
+            <a:schemeClr val="accent5"/>
+          </a:fillRef>
+          <a:effectRef idx="0">
+            <a:schemeClr val="accent5"/>
+          </a:effectRef>
+          <a:fontRef idx="minor">
+            <a:schemeClr val="lt1"/>
+          </a:fontRef>
+        </p:style>
+        <p:txBody>
+          <a:bodyPr rtlCol="0" anchor="ctr"/>
+          <a:lstStyle/>
+          <a:p>
+            <a:pPr algn="ctr"/>
+            <a:r>
+              <a:rPr lang="en-US" altLang="ko-KR" dirty="0"/>
+              <a:t>minus()</a:t>
+            </a:r>
+            <a:r>
+              <a:rPr lang="ko-KR" altLang="en-US" dirty="0"/>
+              <a:t> </a:t>
+            </a:r>
+            <a:r>
+              <a:rPr lang="en-US" altLang="ko-KR" dirty="0"/>
+              <a:t>method</a:t>
+            </a:r>
+            <a:endParaRPr lang="ko-KR" altLang="en-US" dirty="0"/>
+          </a:p>
+        </p:txBody>
+      </p:sp>
+      <p:sp>
+        <p:nvSpPr>
+          <p:cNvPr id="55" name="직사각형 54">
+            <a:extLst>
+              <a:ext uri="{FF2B5EF4-FFF2-40B4-BE49-F238E27FC236}">
+                <a16:creationId xmlns:a16="http://schemas.microsoft.com/office/drawing/2014/main" id="{F32DD491-F95B-A720-B2F0-10A2C64787CF}"/>
+              </a:ext>
+            </a:extLst>
+          </p:cNvPr>
+          <p:cNvSpPr/>
+          <p:nvPr/>
+        </p:nvSpPr>
+        <p:spPr>
+          <a:xfrm>
+            <a:off x="5323116" y="4188543"/>
+            <a:ext cx="2275114" cy="391885"/>
+          </a:xfrm>
+          <a:prstGeom prst="rect">
+            <a:avLst/>
+          </a:prstGeom>
+        </p:spPr>
+        <p:style>
+          <a:lnRef idx="2">
+            <a:schemeClr val="accent5">
+              <a:shade val="50000"/>
+            </a:schemeClr>
+          </a:lnRef>
+          <a:fillRef idx="1">
+            <a:schemeClr val="accent5"/>
+          </a:fillRef>
+          <a:effectRef idx="0">
+            <a:schemeClr val="accent5"/>
+          </a:effectRef>
+          <a:fontRef idx="minor">
+            <a:schemeClr val="lt1"/>
+          </a:fontRef>
+        </p:style>
+        <p:txBody>
+          <a:bodyPr rtlCol="0" anchor="ctr"/>
+          <a:lstStyle/>
+          <a:p>
+            <a:pPr algn="ctr"/>
+            <a:r>
+              <a:rPr lang="en-US" altLang="ko-KR" dirty="0"/>
+              <a:t>multiple()</a:t>
+            </a:r>
+            <a:r>
+              <a:rPr lang="ko-KR" altLang="en-US" dirty="0"/>
+              <a:t> </a:t>
+            </a:r>
+            <a:r>
+              <a:rPr lang="en-US" altLang="ko-KR" dirty="0"/>
+              <a:t>method</a:t>
+            </a:r>
+            <a:endParaRPr lang="ko-KR" altLang="en-US" dirty="0"/>
+          </a:p>
+        </p:txBody>
+      </p:sp>
+      <p:sp>
+        <p:nvSpPr>
+          <p:cNvPr id="56" name="직사각형 55">
+            <a:extLst>
+              <a:ext uri="{FF2B5EF4-FFF2-40B4-BE49-F238E27FC236}">
+                <a16:creationId xmlns:a16="http://schemas.microsoft.com/office/drawing/2014/main" id="{2CE8E403-8232-BF64-2A0B-C40A2B7C5D68}"/>
+              </a:ext>
+            </a:extLst>
+          </p:cNvPr>
+          <p:cNvSpPr/>
+          <p:nvPr/>
+        </p:nvSpPr>
+        <p:spPr>
+          <a:xfrm>
+            <a:off x="5323116" y="4721943"/>
+            <a:ext cx="2275114" cy="391885"/>
+          </a:xfrm>
+          <a:prstGeom prst="rect">
+            <a:avLst/>
+          </a:prstGeom>
+        </p:spPr>
+        <p:style>
+          <a:lnRef idx="2">
+            <a:schemeClr val="accent5">
+              <a:shade val="50000"/>
+            </a:schemeClr>
+          </a:lnRef>
+          <a:fillRef idx="1">
+            <a:schemeClr val="accent5"/>
+          </a:fillRef>
+          <a:effectRef idx="0">
+            <a:schemeClr val="accent5"/>
+          </a:effectRef>
+          <a:fontRef idx="minor">
+            <a:schemeClr val="lt1"/>
+          </a:fontRef>
+        </p:style>
+        <p:txBody>
+          <a:bodyPr rtlCol="0" anchor="ctr"/>
+          <a:lstStyle/>
+          <a:p>
+            <a:pPr algn="ctr"/>
+            <a:r>
+              <a:rPr lang="en-US" altLang="ko-KR" dirty="0" err="1"/>
+              <a:t>devide</a:t>
+            </a:r>
+            <a:r>
+              <a:rPr lang="en-US" altLang="ko-KR" dirty="0"/>
+              <a:t>()</a:t>
+            </a:r>
+            <a:r>
+              <a:rPr lang="ko-KR" altLang="en-US" dirty="0"/>
+              <a:t> </a:t>
+            </a:r>
+            <a:r>
+              <a:rPr lang="en-US" altLang="ko-KR" dirty="0"/>
+              <a:t>method</a:t>
+            </a:r>
+            <a:endParaRPr lang="ko-KR" altLang="en-US" dirty="0"/>
+          </a:p>
+        </p:txBody>
+      </p:sp>
+      <p:sp>
+        <p:nvSpPr>
+          <p:cNvPr id="57" name="직사각형 56">
+            <a:extLst>
+              <a:ext uri="{FF2B5EF4-FFF2-40B4-BE49-F238E27FC236}">
+                <a16:creationId xmlns:a16="http://schemas.microsoft.com/office/drawing/2014/main" id="{2F5A86ED-1A98-FAC5-1A1B-32C809930BF5}"/>
+              </a:ext>
+            </a:extLst>
+          </p:cNvPr>
+          <p:cNvSpPr/>
+          <p:nvPr/>
+        </p:nvSpPr>
+        <p:spPr>
+          <a:xfrm>
+            <a:off x="5285495" y="1650331"/>
+            <a:ext cx="2275114" cy="391885"/>
+          </a:xfrm>
+          <a:prstGeom prst="rect">
+            <a:avLst/>
+          </a:prstGeom>
+        </p:spPr>
+        <p:style>
+          <a:lnRef idx="1">
+            <a:schemeClr val="accent6"/>
+          </a:lnRef>
+          <a:fillRef idx="2">
+            <a:schemeClr val="accent6"/>
+          </a:fillRef>
+          <a:effectRef idx="1">
+            <a:schemeClr val="accent6"/>
+          </a:effectRef>
+          <a:fontRef idx="minor">
+            <a:schemeClr val="dk1"/>
+          </a:fontRef>
+        </p:style>
+        <p:txBody>
+          <a:bodyPr rtlCol="0" anchor="ctr"/>
+          <a:lstStyle/>
+          <a:p>
+            <a:pPr algn="ctr"/>
+            <a:r>
+              <a:rPr lang="en-US" altLang="ko-KR" dirty="0"/>
+              <a:t>main()</a:t>
+            </a:r>
+            <a:r>
+              <a:rPr lang="ko-KR" altLang="en-US" dirty="0"/>
+              <a:t> </a:t>
+            </a:r>
+            <a:r>
+              <a:rPr lang="en-US" altLang="ko-KR" dirty="0"/>
+              <a:t>method</a:t>
+            </a:r>
+            <a:endParaRPr lang="ko-KR" altLang="en-US" dirty="0"/>
+          </a:p>
+        </p:txBody>
+      </p:sp>
+      <p:sp>
+        <p:nvSpPr>
+          <p:cNvPr id="60" name="직사각형 59">
+            <a:extLst>
+              <a:ext uri="{FF2B5EF4-FFF2-40B4-BE49-F238E27FC236}">
+                <a16:creationId xmlns:a16="http://schemas.microsoft.com/office/drawing/2014/main" id="{79274490-A314-325A-6268-827D2F562939}"/>
+              </a:ext>
+            </a:extLst>
+          </p:cNvPr>
+          <p:cNvSpPr/>
+          <p:nvPr/>
+        </p:nvSpPr>
+        <p:spPr>
+          <a:xfrm>
+            <a:off x="5320391" y="5814358"/>
+            <a:ext cx="2275114" cy="391885"/>
+          </a:xfrm>
+          <a:prstGeom prst="rect">
+            <a:avLst/>
+          </a:prstGeom>
+        </p:spPr>
+        <p:style>
+          <a:lnRef idx="1">
+            <a:schemeClr val="accent2"/>
+          </a:lnRef>
+          <a:fillRef idx="2">
+            <a:schemeClr val="accent2"/>
+          </a:fillRef>
+          <a:effectRef idx="1">
+            <a:schemeClr val="accent2"/>
+          </a:effectRef>
+          <a:fontRef idx="minor">
+            <a:schemeClr val="dk1"/>
+          </a:fontRef>
+        </p:style>
+        <p:txBody>
+          <a:bodyPr rtlCol="0" anchor="ctr"/>
+          <a:lstStyle/>
+          <a:p>
+            <a:pPr algn="ctr"/>
+            <a:r>
+              <a:rPr lang="en-US" altLang="ko-KR" dirty="0"/>
+              <a:t>abs()</a:t>
+            </a:r>
+            <a:r>
+              <a:rPr lang="ko-KR" altLang="en-US" dirty="0"/>
+              <a:t> </a:t>
+            </a:r>
+            <a:r>
+              <a:rPr lang="en-US" altLang="ko-KR" dirty="0"/>
+              <a:t>method</a:t>
+            </a:r>
+            <a:endParaRPr lang="ko-KR" altLang="en-US" dirty="0"/>
+          </a:p>
+        </p:txBody>
+      </p:sp>
+      <p:sp>
+        <p:nvSpPr>
+          <p:cNvPr id="62" name="TextBox 61">
+            <a:extLst>
+              <a:ext uri="{FF2B5EF4-FFF2-40B4-BE49-F238E27FC236}">
+                <a16:creationId xmlns:a16="http://schemas.microsoft.com/office/drawing/2014/main" id="{09D0F1A6-31AB-7063-58A7-A9F82043C0C8}"/>
+              </a:ext>
+            </a:extLst>
+          </p:cNvPr>
+          <p:cNvSpPr txBox="1"/>
+          <p:nvPr/>
+        </p:nvSpPr>
+        <p:spPr>
+          <a:xfrm>
+            <a:off x="5320391" y="5255343"/>
+            <a:ext cx="1404257" cy="369332"/>
+          </a:xfrm>
+          <a:prstGeom prst="rect">
+            <a:avLst/>
+          </a:prstGeom>
+        </p:spPr>
+        <p:style>
+          <a:lnRef idx="2">
+            <a:schemeClr val="accent5">
+              <a:shade val="50000"/>
+            </a:schemeClr>
+          </a:lnRef>
+          <a:fillRef idx="1">
+            <a:schemeClr val="accent5"/>
+          </a:fillRef>
+          <a:effectRef idx="0">
+            <a:schemeClr val="accent5"/>
+          </a:effectRef>
+          <a:fontRef idx="minor">
+            <a:schemeClr val="lt1"/>
+          </a:fontRef>
+        </p:style>
+        <p:txBody>
+          <a:bodyPr wrap="square" rtlCol="0">
+            <a:spAutoFit/>
+          </a:bodyPr>
+          <a:lstStyle/>
+          <a:p>
+            <a:r>
+              <a:rPr lang="en-US" altLang="ko-KR" dirty="0"/>
+              <a:t>result </a:t>
+            </a:r>
+            <a:r>
+              <a:rPr lang="ko-KR" altLang="en-US" dirty="0"/>
+              <a:t>변수</a:t>
+            </a:r>
+          </a:p>
+        </p:txBody>
+      </p:sp>
+      <p:sp>
+        <p:nvSpPr>
+          <p:cNvPr id="66" name="TextBox 65">
+            <a:extLst>
+              <a:ext uri="{FF2B5EF4-FFF2-40B4-BE49-F238E27FC236}">
+                <a16:creationId xmlns:a16="http://schemas.microsoft.com/office/drawing/2014/main" id="{410A1656-5C73-69AF-CA48-81D1B79A0899}"/>
+              </a:ext>
+            </a:extLst>
+          </p:cNvPr>
+          <p:cNvSpPr txBox="1"/>
+          <p:nvPr/>
+        </p:nvSpPr>
+        <p:spPr>
+          <a:xfrm>
+            <a:off x="8846001" y="3964914"/>
+            <a:ext cx="2535010" cy="369332"/>
+          </a:xfrm>
+          <a:prstGeom prst="rect">
+            <a:avLst/>
+          </a:prstGeom>
+        </p:spPr>
+        <p:style>
+          <a:lnRef idx="2">
+            <a:schemeClr val="accent5"/>
+          </a:lnRef>
+          <a:fillRef idx="1">
+            <a:schemeClr val="lt1"/>
+          </a:fillRef>
+          <a:effectRef idx="0">
+            <a:schemeClr val="accent5"/>
+          </a:effectRef>
+          <a:fontRef idx="minor">
+            <a:schemeClr val="dk1"/>
+          </a:fontRef>
+        </p:style>
+        <p:txBody>
+          <a:bodyPr wrap="square" rtlCol="0">
+            <a:spAutoFit/>
+          </a:bodyPr>
+          <a:lstStyle/>
+          <a:p>
+            <a:r>
+              <a:rPr lang="en-US" altLang="ko-KR" b="1" dirty="0"/>
+              <a:t>instance</a:t>
+            </a:r>
+            <a:endParaRPr lang="ko-KR" altLang="en-US" dirty="0"/>
+          </a:p>
+        </p:txBody>
+      </p:sp>
+      <p:cxnSp>
+        <p:nvCxnSpPr>
+          <p:cNvPr id="12" name="직선 화살표 연결선 11">
+            <a:extLst>
+              <a:ext uri="{FF2B5EF4-FFF2-40B4-BE49-F238E27FC236}">
+                <a16:creationId xmlns:a16="http://schemas.microsoft.com/office/drawing/2014/main" id="{95AAB538-1107-FF9F-A79B-AE3604F32F0E}"/>
+              </a:ext>
+            </a:extLst>
+          </p:cNvPr>
+          <p:cNvCxnSpPr>
+            <a:cxnSpLocks/>
+            <a:stCxn id="53" idx="3"/>
+            <a:endCxn id="66" idx="1"/>
+          </p:cNvCxnSpPr>
+          <p:nvPr/>
+        </p:nvCxnSpPr>
+        <p:spPr>
+          <a:xfrm>
+            <a:off x="7598230" y="3278218"/>
+            <a:ext cx="1247771" cy="871362"/>
+          </a:xfrm>
+          <a:prstGeom prst="straightConnector1">
+            <a:avLst/>
+          </a:prstGeom>
+          <a:ln>
+            <a:tailEnd type="triangle"/>
+          </a:ln>
+        </p:spPr>
+        <p:style>
+          <a:lnRef idx="3">
+            <a:schemeClr val="accent1"/>
+          </a:lnRef>
+          <a:fillRef idx="0">
+            <a:schemeClr val="accent1"/>
+          </a:fillRef>
+          <a:effectRef idx="2">
+            <a:schemeClr val="accent1"/>
+          </a:effectRef>
+          <a:fontRef idx="minor">
+            <a:schemeClr val="tx1"/>
+          </a:fontRef>
+        </p:style>
+      </p:cxnSp>
+      <p:cxnSp>
+        <p:nvCxnSpPr>
+          <p:cNvPr id="83" name="직선 화살표 연결선 82">
+            <a:extLst>
+              <a:ext uri="{FF2B5EF4-FFF2-40B4-BE49-F238E27FC236}">
+                <a16:creationId xmlns:a16="http://schemas.microsoft.com/office/drawing/2014/main" id="{BC2889A4-DF5D-550F-095F-A4A421CE4DEA}"/>
+              </a:ext>
+            </a:extLst>
+          </p:cNvPr>
+          <p:cNvCxnSpPr>
+            <a:cxnSpLocks/>
+            <a:stCxn id="54" idx="3"/>
+            <a:endCxn id="66" idx="1"/>
+          </p:cNvCxnSpPr>
+          <p:nvPr/>
+        </p:nvCxnSpPr>
+        <p:spPr>
+          <a:xfrm>
+            <a:off x="7598230" y="3851086"/>
+            <a:ext cx="1247771" cy="298494"/>
+          </a:xfrm>
+          <a:prstGeom prst="straightConnector1">
+            <a:avLst/>
+          </a:prstGeom>
+          <a:ln>
+            <a:tailEnd type="triangle"/>
+          </a:ln>
+        </p:spPr>
+        <p:style>
+          <a:lnRef idx="3">
+            <a:schemeClr val="accent1"/>
+          </a:lnRef>
+          <a:fillRef idx="0">
+            <a:schemeClr val="accent1"/>
+          </a:fillRef>
+          <a:effectRef idx="2">
+            <a:schemeClr val="accent1"/>
+          </a:effectRef>
+          <a:fontRef idx="minor">
+            <a:schemeClr val="tx1"/>
+          </a:fontRef>
+        </p:style>
+      </p:cxnSp>
+      <p:cxnSp>
+        <p:nvCxnSpPr>
+          <p:cNvPr id="84" name="직선 화살표 연결선 83">
+            <a:extLst>
+              <a:ext uri="{FF2B5EF4-FFF2-40B4-BE49-F238E27FC236}">
+                <a16:creationId xmlns:a16="http://schemas.microsoft.com/office/drawing/2014/main" id="{41F419BA-D449-F64B-14D6-B5294FC79CBA}"/>
+              </a:ext>
+            </a:extLst>
+          </p:cNvPr>
+          <p:cNvCxnSpPr>
+            <a:cxnSpLocks/>
+            <a:stCxn id="55" idx="3"/>
+            <a:endCxn id="66" idx="1"/>
+          </p:cNvCxnSpPr>
+          <p:nvPr/>
+        </p:nvCxnSpPr>
+        <p:spPr>
+          <a:xfrm flipV="1">
+            <a:off x="7598230" y="4149580"/>
+            <a:ext cx="1247771" cy="234906"/>
+          </a:xfrm>
+          <a:prstGeom prst="straightConnector1">
+            <a:avLst/>
+          </a:prstGeom>
+          <a:ln>
+            <a:tailEnd type="triangle"/>
+          </a:ln>
+        </p:spPr>
+        <p:style>
+          <a:lnRef idx="3">
+            <a:schemeClr val="accent1"/>
+          </a:lnRef>
+          <a:fillRef idx="0">
+            <a:schemeClr val="accent1"/>
+          </a:fillRef>
+          <a:effectRef idx="2">
+            <a:schemeClr val="accent1"/>
+          </a:effectRef>
+          <a:fontRef idx="minor">
+            <a:schemeClr val="tx1"/>
+          </a:fontRef>
+        </p:style>
+      </p:cxnSp>
+      <p:cxnSp>
+        <p:nvCxnSpPr>
+          <p:cNvPr id="85" name="직선 화살표 연결선 84">
+            <a:extLst>
+              <a:ext uri="{FF2B5EF4-FFF2-40B4-BE49-F238E27FC236}">
+                <a16:creationId xmlns:a16="http://schemas.microsoft.com/office/drawing/2014/main" id="{D08ED2CE-CD07-BF23-FE2D-64B5B416F162}"/>
+              </a:ext>
+            </a:extLst>
+          </p:cNvPr>
+          <p:cNvCxnSpPr>
+            <a:cxnSpLocks/>
+            <a:stCxn id="56" idx="3"/>
+            <a:endCxn id="66" idx="1"/>
+          </p:cNvCxnSpPr>
+          <p:nvPr/>
+        </p:nvCxnSpPr>
+        <p:spPr>
+          <a:xfrm flipV="1">
+            <a:off x="7598230" y="4149580"/>
+            <a:ext cx="1247771" cy="768306"/>
+          </a:xfrm>
+          <a:prstGeom prst="straightConnector1">
+            <a:avLst/>
+          </a:prstGeom>
+          <a:ln>
+            <a:tailEnd type="triangle"/>
+          </a:ln>
+        </p:spPr>
+        <p:style>
+          <a:lnRef idx="3">
+            <a:schemeClr val="accent1"/>
+          </a:lnRef>
+          <a:fillRef idx="0">
+            <a:schemeClr val="accent1"/>
+          </a:fillRef>
+          <a:effectRef idx="2">
+            <a:schemeClr val="accent1"/>
+          </a:effectRef>
+          <a:fontRef idx="minor">
+            <a:schemeClr val="tx1"/>
+          </a:fontRef>
+        </p:style>
+      </p:cxnSp>
+      <p:cxnSp>
+        <p:nvCxnSpPr>
+          <p:cNvPr id="86" name="직선 화살표 연결선 85">
+            <a:extLst>
+              <a:ext uri="{FF2B5EF4-FFF2-40B4-BE49-F238E27FC236}">
+                <a16:creationId xmlns:a16="http://schemas.microsoft.com/office/drawing/2014/main" id="{DD8E58CD-5023-727A-9156-388F08416F2B}"/>
+              </a:ext>
+            </a:extLst>
+          </p:cNvPr>
+          <p:cNvCxnSpPr>
+            <a:cxnSpLocks/>
+            <a:stCxn id="62" idx="3"/>
+            <a:endCxn id="66" idx="1"/>
+          </p:cNvCxnSpPr>
+          <p:nvPr/>
+        </p:nvCxnSpPr>
+        <p:spPr>
+          <a:xfrm flipV="1">
+            <a:off x="6724648" y="4149580"/>
+            <a:ext cx="2121353" cy="1290429"/>
+          </a:xfrm>
+          <a:prstGeom prst="straightConnector1">
+            <a:avLst/>
+          </a:prstGeom>
+          <a:ln>
+            <a:tailEnd type="triangle"/>
+          </a:ln>
+        </p:spPr>
+        <p:style>
+          <a:lnRef idx="3">
+            <a:schemeClr val="accent1"/>
+          </a:lnRef>
+          <a:fillRef idx="0">
+            <a:schemeClr val="accent1"/>
+          </a:fillRef>
+          <a:effectRef idx="2">
+            <a:schemeClr val="accent1"/>
+          </a:effectRef>
+          <a:fontRef idx="minor">
+            <a:schemeClr val="tx1"/>
+          </a:fontRef>
+        </p:style>
+      </p:cxnSp>
+      <p:sp>
+        <p:nvSpPr>
+          <p:cNvPr id="87" name="TextBox 86">
+            <a:extLst>
+              <a:ext uri="{FF2B5EF4-FFF2-40B4-BE49-F238E27FC236}">
+                <a16:creationId xmlns:a16="http://schemas.microsoft.com/office/drawing/2014/main" id="{0A983E35-8B0E-3CAB-FB41-2925610852CC}"/>
+              </a:ext>
+            </a:extLst>
+          </p:cNvPr>
+          <p:cNvSpPr txBox="1"/>
+          <p:nvPr/>
+        </p:nvSpPr>
+        <p:spPr>
+          <a:xfrm>
+            <a:off x="8997037" y="5190144"/>
+            <a:ext cx="2535010" cy="369332"/>
+          </a:xfrm>
+          <a:prstGeom prst="rect">
+            <a:avLst/>
+          </a:prstGeom>
+        </p:spPr>
+        <p:style>
+          <a:lnRef idx="2">
+            <a:schemeClr val="accent2"/>
+          </a:lnRef>
+          <a:fillRef idx="1">
+            <a:schemeClr val="lt1"/>
+          </a:fillRef>
+          <a:effectRef idx="0">
+            <a:schemeClr val="accent2"/>
+          </a:effectRef>
+          <a:fontRef idx="minor">
+            <a:schemeClr val="dk1"/>
+          </a:fontRef>
+        </p:style>
+        <p:txBody>
+          <a:bodyPr wrap="square" rtlCol="0">
+            <a:spAutoFit/>
+          </a:bodyPr>
+          <a:lstStyle/>
+          <a:p>
+            <a:r>
+              <a:rPr lang="en-US" altLang="ko-KR" b="1" dirty="0"/>
+              <a:t>static</a:t>
+            </a:r>
+            <a:endParaRPr lang="ko-KR" altLang="en-US" dirty="0"/>
+          </a:p>
+        </p:txBody>
+      </p:sp>
+      <p:cxnSp>
+        <p:nvCxnSpPr>
+          <p:cNvPr id="88" name="직선 화살표 연결선 87">
+            <a:extLst>
+              <a:ext uri="{FF2B5EF4-FFF2-40B4-BE49-F238E27FC236}">
+                <a16:creationId xmlns:a16="http://schemas.microsoft.com/office/drawing/2014/main" id="{9EED598E-2716-2C02-00D4-11FF19031594}"/>
+              </a:ext>
+            </a:extLst>
+          </p:cNvPr>
+          <p:cNvCxnSpPr>
+            <a:cxnSpLocks/>
+            <a:stCxn id="60" idx="3"/>
+            <a:endCxn id="87" idx="1"/>
+          </p:cNvCxnSpPr>
+          <p:nvPr/>
+        </p:nvCxnSpPr>
+        <p:spPr>
+          <a:xfrm flipV="1">
+            <a:off x="7595505" y="5374810"/>
+            <a:ext cx="1401532" cy="635491"/>
+          </a:xfrm>
+          <a:prstGeom prst="straightConnector1">
+            <a:avLst/>
+          </a:prstGeom>
+          <a:ln>
+            <a:tailEnd type="triangle"/>
+          </a:ln>
+        </p:spPr>
+        <p:style>
+          <a:lnRef idx="3">
+            <a:schemeClr val="accent2"/>
+          </a:lnRef>
+          <a:fillRef idx="0">
+            <a:schemeClr val="accent2"/>
+          </a:fillRef>
+          <a:effectRef idx="2">
+            <a:schemeClr val="accent2"/>
+          </a:effectRef>
+          <a:fontRef idx="minor">
+            <a:schemeClr val="tx1"/>
+          </a:fontRef>
+        </p:style>
+      </p:cxnSp>
+    </p:spTree>
+    <p:extLst>
+      <p:ext uri="{BB962C8B-B14F-4D97-AF65-F5344CB8AC3E}">
+        <p14:creationId xmlns:p14="http://schemas.microsoft.com/office/powerpoint/2010/main" val="1748513007"/>
+      </p:ext>
+    </p:extLst>
+  </p:cSld>
+  <p:clrMapOvr>
+    <a:masterClrMapping/>
+  </p:clrMapOvr>
+</p:sld>
+</file>
+
+<file path=ppt/slides/slide5.xml><?xml version="1.0" encoding="utf-8"?>
+<p:sld xmlns:a="http://schemas.openxmlformats.org/drawingml/2006/main" xmlns:r="http://schemas.openxmlformats.org/officeDocument/2006/relationships" xmlns:p="http://schemas.openxmlformats.org/presentationml/2006/main">
+  <p:cSld>
+    <p:spTree>
+      <p:nvGrpSpPr>
+        <p:cNvPr id="1" name=""/>
+        <p:cNvGrpSpPr/>
+        <p:nvPr/>
+      </p:nvGrpSpPr>
+      <p:grpSpPr>
+        <a:xfrm>
+          <a:off x="0" y="0"/>
+          <a:ext cx="0" cy="0"/>
+          <a:chOff x="0" y="0"/>
+          <a:chExt cx="0" cy="0"/>
+        </a:xfrm>
+      </p:grpSpPr>
+      <p:sp>
+        <p:nvSpPr>
+          <p:cNvPr id="8" name="TextBox 7">
+            <a:extLst>
+              <a:ext uri="{FF2B5EF4-FFF2-40B4-BE49-F238E27FC236}">
+                <a16:creationId xmlns:a16="http://schemas.microsoft.com/office/drawing/2014/main" id="{6B0C823E-8C87-509F-DAF5-A6984055B74C}"/>
+              </a:ext>
+            </a:extLst>
+          </p:cNvPr>
+          <p:cNvSpPr txBox="1"/>
+          <p:nvPr/>
+        </p:nvSpPr>
+        <p:spPr>
+          <a:xfrm>
+            <a:off x="261255" y="406178"/>
+            <a:ext cx="2492829" cy="369332"/>
+          </a:xfrm>
+          <a:prstGeom prst="rect">
+            <a:avLst/>
+          </a:prstGeom>
+          <a:noFill/>
+        </p:spPr>
+        <p:txBody>
+          <a:bodyPr wrap="square" rtlCol="0">
+            <a:spAutoFit/>
+          </a:bodyPr>
+          <a:lstStyle/>
+          <a:p>
+            <a:r>
+              <a:rPr lang="ko-KR" altLang="en-US" dirty="0"/>
+              <a:t>패키지 멤버 클래스</a:t>
+            </a:r>
+          </a:p>
+        </p:txBody>
+      </p:sp>
+      <p:sp>
+        <p:nvSpPr>
+          <p:cNvPr id="43" name="TextBox 42">
+            <a:extLst>
+              <a:ext uri="{FF2B5EF4-FFF2-40B4-BE49-F238E27FC236}">
+                <a16:creationId xmlns:a16="http://schemas.microsoft.com/office/drawing/2014/main" id="{5D1B5E8E-5E55-0BBA-7905-DCAA5DD0574A}"/>
+              </a:ext>
+            </a:extLst>
+          </p:cNvPr>
+          <p:cNvSpPr txBox="1"/>
+          <p:nvPr/>
+        </p:nvSpPr>
+        <p:spPr>
+          <a:xfrm>
+            <a:off x="236516" y="2189090"/>
+            <a:ext cx="1861458" cy="369332"/>
+          </a:xfrm>
+          <a:prstGeom prst="rect">
+            <a:avLst/>
+          </a:prstGeom>
+        </p:spPr>
+        <p:style>
+          <a:lnRef idx="2">
+            <a:schemeClr val="accent5"/>
+          </a:lnRef>
+          <a:fillRef idx="1">
+            <a:schemeClr val="lt1"/>
+          </a:fillRef>
+          <a:effectRef idx="0">
+            <a:schemeClr val="accent5"/>
+          </a:effectRef>
+          <a:fontRef idx="minor">
+            <a:schemeClr val="dk1"/>
+          </a:fontRef>
+        </p:style>
+        <p:txBody>
+          <a:bodyPr wrap="square" rtlCol="0">
+            <a:spAutoFit/>
+          </a:bodyPr>
+          <a:lstStyle/>
+          <a:p>
+            <a:r>
+              <a:rPr lang="en-US" altLang="ko-KR" dirty="0"/>
+              <a:t>Exam0210 class</a:t>
+            </a:r>
+            <a:endParaRPr lang="ko-KR" altLang="en-US" dirty="0"/>
+          </a:p>
+        </p:txBody>
+      </p:sp>
+      <p:sp>
+        <p:nvSpPr>
+          <p:cNvPr id="44" name="직사각형 43">
+            <a:extLst>
+              <a:ext uri="{FF2B5EF4-FFF2-40B4-BE49-F238E27FC236}">
+                <a16:creationId xmlns:a16="http://schemas.microsoft.com/office/drawing/2014/main" id="{7142E9A9-B7BA-62DC-30D4-EC2CF1C7BF8E}"/>
+              </a:ext>
+            </a:extLst>
+          </p:cNvPr>
+          <p:cNvSpPr/>
+          <p:nvPr/>
+        </p:nvSpPr>
+        <p:spPr>
+          <a:xfrm>
+            <a:off x="198899" y="2558422"/>
+            <a:ext cx="3211286" cy="1575021"/>
+          </a:xfrm>
+          <a:prstGeom prst="rect">
+            <a:avLst/>
+          </a:prstGeom>
+        </p:spPr>
+        <p:style>
+          <a:lnRef idx="2">
+            <a:schemeClr val="accent1">
+              <a:shade val="50000"/>
+            </a:schemeClr>
+          </a:lnRef>
+          <a:fillRef idx="1">
+            <a:schemeClr val="accent1"/>
+          </a:fillRef>
+          <a:effectRef idx="0">
+            <a:schemeClr val="accent1"/>
+          </a:effectRef>
+          <a:fontRef idx="minor">
+            <a:schemeClr val="lt1"/>
+          </a:fontRef>
+        </p:style>
+        <p:txBody>
+          <a:bodyPr rtlCol="0" anchor="ctr"/>
+          <a:lstStyle/>
+          <a:p>
+            <a:pPr algn="ctr"/>
+            <a:endParaRPr lang="ko-KR" altLang="en-US"/>
+          </a:p>
+        </p:txBody>
+      </p:sp>
+      <p:sp>
+        <p:nvSpPr>
+          <p:cNvPr id="45" name="직사각형 44">
+            <a:extLst>
+              <a:ext uri="{FF2B5EF4-FFF2-40B4-BE49-F238E27FC236}">
+                <a16:creationId xmlns:a16="http://schemas.microsoft.com/office/drawing/2014/main" id="{DA98B227-A840-FC61-17BC-41D310D788DD}"/>
+              </a:ext>
+            </a:extLst>
+          </p:cNvPr>
+          <p:cNvSpPr/>
+          <p:nvPr/>
+        </p:nvSpPr>
+        <p:spPr>
+          <a:xfrm>
+            <a:off x="3652013" y="2690785"/>
+            <a:ext cx="2950653" cy="3624491"/>
+          </a:xfrm>
+          <a:prstGeom prst="rect">
+            <a:avLst/>
+          </a:prstGeom>
+        </p:spPr>
+        <p:style>
+          <a:lnRef idx="1">
+            <a:schemeClr val="accent1"/>
+          </a:lnRef>
+          <a:fillRef idx="2">
+            <a:schemeClr val="accent1"/>
+          </a:fillRef>
+          <a:effectRef idx="1">
+            <a:schemeClr val="accent1"/>
+          </a:effectRef>
+          <a:fontRef idx="minor">
+            <a:schemeClr val="dk1"/>
+          </a:fontRef>
+        </p:style>
+        <p:txBody>
+          <a:bodyPr rtlCol="0" anchor="ctr"/>
+          <a:lstStyle/>
+          <a:p>
+            <a:pPr algn="ctr"/>
+            <a:endParaRPr lang="ko-KR" altLang="en-US"/>
+          </a:p>
+        </p:txBody>
+      </p:sp>
+      <p:sp>
+        <p:nvSpPr>
+          <p:cNvPr id="46" name="TextBox 45">
+            <a:extLst>
+              <a:ext uri="{FF2B5EF4-FFF2-40B4-BE49-F238E27FC236}">
+                <a16:creationId xmlns:a16="http://schemas.microsoft.com/office/drawing/2014/main" id="{D4EFABAC-F2A6-7F16-CEFA-30F4B289429E}"/>
+              </a:ext>
+            </a:extLst>
+          </p:cNvPr>
+          <p:cNvSpPr txBox="1"/>
+          <p:nvPr/>
+        </p:nvSpPr>
+        <p:spPr>
+          <a:xfrm>
+            <a:off x="3652244" y="2426575"/>
+            <a:ext cx="1861852" cy="369332"/>
+          </a:xfrm>
+          <a:prstGeom prst="rect">
+            <a:avLst/>
+          </a:prstGeom>
+        </p:spPr>
+        <p:style>
+          <a:lnRef idx="2">
+            <a:schemeClr val="accent5"/>
+          </a:lnRef>
+          <a:fillRef idx="1">
+            <a:schemeClr val="lt1"/>
+          </a:fillRef>
+          <a:effectRef idx="0">
+            <a:schemeClr val="accent5"/>
+          </a:effectRef>
+          <a:fontRef idx="minor">
+            <a:schemeClr val="dk1"/>
+          </a:fontRef>
+        </p:style>
+        <p:txBody>
+          <a:bodyPr wrap="square" rtlCol="0">
+            <a:spAutoFit/>
+          </a:bodyPr>
+          <a:lstStyle/>
+          <a:p>
+            <a:r>
+              <a:rPr lang="en-US" altLang="ko-KR" dirty="0"/>
+              <a:t>Calculator class</a:t>
+            </a:r>
+            <a:endParaRPr lang="ko-KR" altLang="en-US" dirty="0"/>
+          </a:p>
+        </p:txBody>
+      </p:sp>
+      <p:sp>
+        <p:nvSpPr>
+          <p:cNvPr id="47" name="직사각형 46">
+            <a:extLst>
+              <a:ext uri="{FF2B5EF4-FFF2-40B4-BE49-F238E27FC236}">
+                <a16:creationId xmlns:a16="http://schemas.microsoft.com/office/drawing/2014/main" id="{A271D386-E4BD-365D-BA06-686A94E36B1E}"/>
+              </a:ext>
+            </a:extLst>
+          </p:cNvPr>
+          <p:cNvSpPr/>
+          <p:nvPr/>
+        </p:nvSpPr>
+        <p:spPr>
+          <a:xfrm>
+            <a:off x="3782786" y="2961697"/>
+            <a:ext cx="2275596" cy="412367"/>
+          </a:xfrm>
+          <a:prstGeom prst="rect">
+            <a:avLst/>
+          </a:prstGeom>
+        </p:spPr>
+        <p:style>
+          <a:lnRef idx="2">
+            <a:schemeClr val="accent5">
+              <a:shade val="50000"/>
+            </a:schemeClr>
+          </a:lnRef>
+          <a:fillRef idx="1">
+            <a:schemeClr val="accent5"/>
+          </a:fillRef>
+          <a:effectRef idx="0">
+            <a:schemeClr val="accent5"/>
+          </a:effectRef>
+          <a:fontRef idx="minor">
+            <a:schemeClr val="lt1"/>
+          </a:fontRef>
+        </p:style>
+        <p:txBody>
+          <a:bodyPr rtlCol="0" anchor="ctr"/>
+          <a:lstStyle/>
+          <a:p>
+            <a:pPr algn="ctr"/>
+            <a:r>
+              <a:rPr lang="en-US" altLang="ko-KR" dirty="0"/>
+              <a:t>plus()</a:t>
+            </a:r>
+            <a:r>
+              <a:rPr lang="ko-KR" altLang="en-US" dirty="0"/>
+              <a:t> </a:t>
+            </a:r>
+            <a:r>
+              <a:rPr lang="en-US" altLang="ko-KR" dirty="0"/>
+              <a:t>method</a:t>
+            </a:r>
+            <a:endParaRPr lang="ko-KR" altLang="en-US" dirty="0"/>
+          </a:p>
+        </p:txBody>
+      </p:sp>
+      <p:sp>
+        <p:nvSpPr>
+          <p:cNvPr id="48" name="직사각형 47">
+            <a:extLst>
+              <a:ext uri="{FF2B5EF4-FFF2-40B4-BE49-F238E27FC236}">
+                <a16:creationId xmlns:a16="http://schemas.microsoft.com/office/drawing/2014/main" id="{4EE013FD-B2F0-27F8-24BC-1B4055CCB98D}"/>
+              </a:ext>
+            </a:extLst>
+          </p:cNvPr>
+          <p:cNvSpPr/>
+          <p:nvPr/>
+        </p:nvSpPr>
+        <p:spPr>
+          <a:xfrm>
+            <a:off x="3782786" y="3534565"/>
+            <a:ext cx="2275596" cy="412367"/>
+          </a:xfrm>
+          <a:prstGeom prst="rect">
+            <a:avLst/>
+          </a:prstGeom>
+        </p:spPr>
+        <p:style>
+          <a:lnRef idx="2">
+            <a:schemeClr val="accent5">
+              <a:shade val="50000"/>
+            </a:schemeClr>
+          </a:lnRef>
+          <a:fillRef idx="1">
+            <a:schemeClr val="accent5"/>
+          </a:fillRef>
+          <a:effectRef idx="0">
+            <a:schemeClr val="accent5"/>
+          </a:effectRef>
+          <a:fontRef idx="minor">
+            <a:schemeClr val="lt1"/>
+          </a:fontRef>
+        </p:style>
+        <p:txBody>
+          <a:bodyPr rtlCol="0" anchor="ctr"/>
+          <a:lstStyle/>
+          <a:p>
+            <a:pPr algn="ctr"/>
+            <a:r>
+              <a:rPr lang="en-US" altLang="ko-KR" dirty="0"/>
+              <a:t>minus()</a:t>
+            </a:r>
+            <a:r>
+              <a:rPr lang="ko-KR" altLang="en-US" dirty="0"/>
+              <a:t> </a:t>
+            </a:r>
+            <a:r>
+              <a:rPr lang="en-US" altLang="ko-KR" dirty="0"/>
+              <a:t>method</a:t>
+            </a:r>
+            <a:endParaRPr lang="ko-KR" altLang="en-US" dirty="0"/>
+          </a:p>
+        </p:txBody>
+      </p:sp>
+      <p:sp>
+        <p:nvSpPr>
+          <p:cNvPr id="49" name="직사각형 48">
+            <a:extLst>
+              <a:ext uri="{FF2B5EF4-FFF2-40B4-BE49-F238E27FC236}">
+                <a16:creationId xmlns:a16="http://schemas.microsoft.com/office/drawing/2014/main" id="{3D0D6240-135E-72F3-A16B-2B6031C1D7C2}"/>
+              </a:ext>
+            </a:extLst>
+          </p:cNvPr>
+          <p:cNvSpPr/>
+          <p:nvPr/>
+        </p:nvSpPr>
+        <p:spPr>
+          <a:xfrm>
+            <a:off x="3782786" y="4067965"/>
+            <a:ext cx="2275596" cy="412367"/>
+          </a:xfrm>
+          <a:prstGeom prst="rect">
+            <a:avLst/>
+          </a:prstGeom>
+        </p:spPr>
+        <p:style>
+          <a:lnRef idx="2">
+            <a:schemeClr val="accent5">
+              <a:shade val="50000"/>
+            </a:schemeClr>
+          </a:lnRef>
+          <a:fillRef idx="1">
+            <a:schemeClr val="accent5"/>
+          </a:fillRef>
+          <a:effectRef idx="0">
+            <a:schemeClr val="accent5"/>
+          </a:effectRef>
+          <a:fontRef idx="minor">
+            <a:schemeClr val="lt1"/>
+          </a:fontRef>
+        </p:style>
+        <p:txBody>
+          <a:bodyPr rtlCol="0" anchor="ctr"/>
+          <a:lstStyle/>
+          <a:p>
+            <a:pPr algn="ctr"/>
+            <a:r>
+              <a:rPr lang="en-US" altLang="ko-KR" dirty="0"/>
+              <a:t>multiple()</a:t>
+            </a:r>
+            <a:r>
+              <a:rPr lang="ko-KR" altLang="en-US" dirty="0"/>
+              <a:t> </a:t>
+            </a:r>
+            <a:r>
+              <a:rPr lang="en-US" altLang="ko-KR" dirty="0"/>
+              <a:t>method</a:t>
+            </a:r>
+            <a:endParaRPr lang="ko-KR" altLang="en-US" dirty="0"/>
+          </a:p>
+        </p:txBody>
+      </p:sp>
+      <p:sp>
+        <p:nvSpPr>
+          <p:cNvPr id="58" name="직사각형 57">
+            <a:extLst>
+              <a:ext uri="{FF2B5EF4-FFF2-40B4-BE49-F238E27FC236}">
+                <a16:creationId xmlns:a16="http://schemas.microsoft.com/office/drawing/2014/main" id="{0304DEF2-90DA-3D21-6CFD-EBD3A44DBE7E}"/>
+              </a:ext>
+            </a:extLst>
+          </p:cNvPr>
+          <p:cNvSpPr/>
+          <p:nvPr/>
+        </p:nvSpPr>
+        <p:spPr>
+          <a:xfrm>
+            <a:off x="3782786" y="4601365"/>
+            <a:ext cx="2275596" cy="412367"/>
+          </a:xfrm>
+          <a:prstGeom prst="rect">
+            <a:avLst/>
+          </a:prstGeom>
+        </p:spPr>
+        <p:style>
+          <a:lnRef idx="2">
+            <a:schemeClr val="accent5">
+              <a:shade val="50000"/>
+            </a:schemeClr>
+          </a:lnRef>
+          <a:fillRef idx="1">
+            <a:schemeClr val="accent5"/>
+          </a:fillRef>
+          <a:effectRef idx="0">
+            <a:schemeClr val="accent5"/>
+          </a:effectRef>
+          <a:fontRef idx="minor">
+            <a:schemeClr val="lt1"/>
+          </a:fontRef>
+        </p:style>
+        <p:txBody>
+          <a:bodyPr rtlCol="0" anchor="ctr"/>
+          <a:lstStyle/>
+          <a:p>
+            <a:pPr algn="ctr"/>
+            <a:r>
+              <a:rPr lang="en-US" altLang="ko-KR" dirty="0" err="1"/>
+              <a:t>devide</a:t>
+            </a:r>
+            <a:r>
+              <a:rPr lang="en-US" altLang="ko-KR" dirty="0"/>
+              <a:t>()</a:t>
+            </a:r>
+            <a:r>
+              <a:rPr lang="ko-KR" altLang="en-US" dirty="0"/>
+              <a:t> </a:t>
+            </a:r>
+            <a:r>
+              <a:rPr lang="en-US" altLang="ko-KR" dirty="0"/>
+              <a:t>method</a:t>
+            </a:r>
+            <a:endParaRPr lang="ko-KR" altLang="en-US" dirty="0"/>
+          </a:p>
+        </p:txBody>
+      </p:sp>
+      <p:sp>
+        <p:nvSpPr>
+          <p:cNvPr id="59" name="직사각형 58">
+            <a:extLst>
+              <a:ext uri="{FF2B5EF4-FFF2-40B4-BE49-F238E27FC236}">
+                <a16:creationId xmlns:a16="http://schemas.microsoft.com/office/drawing/2014/main" id="{38EB11CB-61AE-41C0-2892-E7C42D4110EF}"/>
+              </a:ext>
+            </a:extLst>
+          </p:cNvPr>
+          <p:cNvSpPr/>
+          <p:nvPr/>
+        </p:nvSpPr>
+        <p:spPr>
+          <a:xfrm>
+            <a:off x="362185" y="2812868"/>
+            <a:ext cx="2275114" cy="391885"/>
+          </a:xfrm>
+          <a:prstGeom prst="rect">
+            <a:avLst/>
+          </a:prstGeom>
+        </p:spPr>
+        <p:style>
+          <a:lnRef idx="1">
+            <a:schemeClr val="accent6"/>
+          </a:lnRef>
+          <a:fillRef idx="2">
+            <a:schemeClr val="accent6"/>
+          </a:fillRef>
+          <a:effectRef idx="1">
+            <a:schemeClr val="accent6"/>
+          </a:effectRef>
+          <a:fontRef idx="minor">
+            <a:schemeClr val="dk1"/>
+          </a:fontRef>
+        </p:style>
+        <p:txBody>
+          <a:bodyPr rtlCol="0" anchor="ctr"/>
+          <a:lstStyle/>
+          <a:p>
+            <a:pPr algn="ctr"/>
+            <a:r>
+              <a:rPr lang="en-US" altLang="ko-KR" dirty="0"/>
+              <a:t>main()</a:t>
+            </a:r>
+            <a:r>
+              <a:rPr lang="ko-KR" altLang="en-US" dirty="0"/>
+              <a:t> </a:t>
+            </a:r>
+            <a:r>
+              <a:rPr lang="en-US" altLang="ko-KR" dirty="0"/>
+              <a:t>method</a:t>
+            </a:r>
+            <a:endParaRPr lang="ko-KR" altLang="en-US" dirty="0"/>
+          </a:p>
+        </p:txBody>
+      </p:sp>
+      <p:sp>
+        <p:nvSpPr>
+          <p:cNvPr id="61" name="직사각형 60">
+            <a:extLst>
+              <a:ext uri="{FF2B5EF4-FFF2-40B4-BE49-F238E27FC236}">
+                <a16:creationId xmlns:a16="http://schemas.microsoft.com/office/drawing/2014/main" id="{654AE0AE-AA59-2B09-045A-E83D6B02F28F}"/>
+              </a:ext>
+            </a:extLst>
+          </p:cNvPr>
+          <p:cNvSpPr/>
+          <p:nvPr/>
+        </p:nvSpPr>
+        <p:spPr>
+          <a:xfrm>
+            <a:off x="3780061" y="5693780"/>
+            <a:ext cx="2275596" cy="412367"/>
+          </a:xfrm>
+          <a:prstGeom prst="rect">
+            <a:avLst/>
+          </a:prstGeom>
+        </p:spPr>
+        <p:style>
+          <a:lnRef idx="1">
+            <a:schemeClr val="accent2"/>
+          </a:lnRef>
+          <a:fillRef idx="2">
+            <a:schemeClr val="accent2"/>
+          </a:fillRef>
+          <a:effectRef idx="1">
+            <a:schemeClr val="accent2"/>
+          </a:effectRef>
+          <a:fontRef idx="minor">
+            <a:schemeClr val="dk1"/>
+          </a:fontRef>
+        </p:style>
+        <p:txBody>
+          <a:bodyPr rtlCol="0" anchor="ctr"/>
+          <a:lstStyle/>
+          <a:p>
+            <a:pPr algn="ctr"/>
+            <a:r>
+              <a:rPr lang="en-US" altLang="ko-KR" dirty="0"/>
+              <a:t>abs()</a:t>
+            </a:r>
+            <a:r>
+              <a:rPr lang="ko-KR" altLang="en-US" dirty="0"/>
+              <a:t> </a:t>
+            </a:r>
+            <a:r>
+              <a:rPr lang="en-US" altLang="ko-KR" dirty="0"/>
+              <a:t>method</a:t>
+            </a:r>
+            <a:endParaRPr lang="ko-KR" altLang="en-US" dirty="0"/>
+          </a:p>
+        </p:txBody>
+      </p:sp>
+      <p:sp>
+        <p:nvSpPr>
+          <p:cNvPr id="63" name="TextBox 62">
+            <a:extLst>
+              <a:ext uri="{FF2B5EF4-FFF2-40B4-BE49-F238E27FC236}">
+                <a16:creationId xmlns:a16="http://schemas.microsoft.com/office/drawing/2014/main" id="{4B10252C-D3F8-254E-D37F-F46F3A0625B7}"/>
+              </a:ext>
+            </a:extLst>
+          </p:cNvPr>
+          <p:cNvSpPr txBox="1"/>
+          <p:nvPr/>
+        </p:nvSpPr>
+        <p:spPr>
+          <a:xfrm>
+            <a:off x="3780245" y="5135944"/>
+            <a:ext cx="1404555" cy="369332"/>
+          </a:xfrm>
+          <a:prstGeom prst="rect">
+            <a:avLst/>
+          </a:prstGeom>
+        </p:spPr>
+        <p:style>
+          <a:lnRef idx="2">
+            <a:schemeClr val="accent5">
+              <a:shade val="50000"/>
+            </a:schemeClr>
+          </a:lnRef>
+          <a:fillRef idx="1">
+            <a:schemeClr val="accent5"/>
+          </a:fillRef>
+          <a:effectRef idx="0">
+            <a:schemeClr val="accent5"/>
+          </a:effectRef>
+          <a:fontRef idx="minor">
+            <a:schemeClr val="lt1"/>
+          </a:fontRef>
+        </p:style>
+        <p:txBody>
+          <a:bodyPr wrap="square" rtlCol="0">
+            <a:spAutoFit/>
+          </a:bodyPr>
+          <a:lstStyle/>
+          <a:p>
+            <a:r>
+              <a:rPr lang="en-US" altLang="ko-KR" dirty="0"/>
+              <a:t>result </a:t>
+            </a:r>
+            <a:r>
+              <a:rPr lang="ko-KR" altLang="en-US" dirty="0"/>
+              <a:t>변수</a:t>
+            </a:r>
+          </a:p>
+        </p:txBody>
+      </p:sp>
+      <p:cxnSp>
+        <p:nvCxnSpPr>
+          <p:cNvPr id="64" name="직선 화살표 연결선 63">
+            <a:extLst>
+              <a:ext uri="{FF2B5EF4-FFF2-40B4-BE49-F238E27FC236}">
+                <a16:creationId xmlns:a16="http://schemas.microsoft.com/office/drawing/2014/main" id="{198E0539-ECED-6686-05B4-BEC6D28FD0D8}"/>
+              </a:ext>
+            </a:extLst>
+          </p:cNvPr>
+          <p:cNvCxnSpPr>
+            <a:cxnSpLocks/>
+            <a:stCxn id="65" idx="2"/>
+            <a:endCxn id="43" idx="0"/>
+          </p:cNvCxnSpPr>
+          <p:nvPr/>
+        </p:nvCxnSpPr>
+        <p:spPr>
+          <a:xfrm flipH="1">
+            <a:off x="1167245" y="1225945"/>
+            <a:ext cx="1234823" cy="963145"/>
+          </a:xfrm>
+          <a:prstGeom prst="straightConnector1">
+            <a:avLst/>
+          </a:prstGeom>
+          <a:ln>
+            <a:tailEnd type="triangle"/>
+          </a:ln>
+        </p:spPr>
+        <p:style>
+          <a:lnRef idx="3">
+            <a:schemeClr val="accent3"/>
+          </a:lnRef>
+          <a:fillRef idx="0">
+            <a:schemeClr val="accent3"/>
+          </a:fillRef>
+          <a:effectRef idx="2">
+            <a:schemeClr val="accent3"/>
+          </a:effectRef>
+          <a:fontRef idx="minor">
+            <a:schemeClr val="tx1"/>
+          </a:fontRef>
+        </p:style>
+      </p:cxnSp>
+      <p:sp>
+        <p:nvSpPr>
+          <p:cNvPr id="65" name="TextBox 64">
+            <a:extLst>
+              <a:ext uri="{FF2B5EF4-FFF2-40B4-BE49-F238E27FC236}">
+                <a16:creationId xmlns:a16="http://schemas.microsoft.com/office/drawing/2014/main" id="{313DD66B-5936-27CC-E0E9-2CDDB80FB970}"/>
+              </a:ext>
+            </a:extLst>
+          </p:cNvPr>
+          <p:cNvSpPr txBox="1"/>
+          <p:nvPr/>
+        </p:nvSpPr>
+        <p:spPr>
+          <a:xfrm>
+            <a:off x="106953" y="856613"/>
+            <a:ext cx="4590230" cy="369332"/>
+          </a:xfrm>
+          <a:prstGeom prst="rect">
+            <a:avLst/>
+          </a:prstGeom>
+        </p:spPr>
+        <p:style>
+          <a:lnRef idx="2">
+            <a:schemeClr val="accent3"/>
+          </a:lnRef>
+          <a:fillRef idx="1">
+            <a:schemeClr val="lt1"/>
+          </a:fillRef>
+          <a:effectRef idx="0">
+            <a:schemeClr val="accent3"/>
+          </a:effectRef>
+          <a:fontRef idx="minor">
+            <a:schemeClr val="dk1"/>
+          </a:fontRef>
+        </p:style>
+        <p:txBody>
+          <a:bodyPr wrap="square" rtlCol="0">
+            <a:spAutoFit/>
+          </a:bodyPr>
+          <a:lstStyle/>
+          <a:p>
+            <a:r>
+              <a:rPr lang="en-US" altLang="ko-KR" dirty="0"/>
+              <a:t>Package:com.eomcs.oop.ex02</a:t>
+            </a:r>
+            <a:endParaRPr lang="ko-KR" altLang="en-US" dirty="0"/>
+          </a:p>
+        </p:txBody>
+      </p:sp>
+      <p:cxnSp>
+        <p:nvCxnSpPr>
+          <p:cNvPr id="67" name="직선 화살표 연결선 66">
+            <a:extLst>
+              <a:ext uri="{FF2B5EF4-FFF2-40B4-BE49-F238E27FC236}">
+                <a16:creationId xmlns:a16="http://schemas.microsoft.com/office/drawing/2014/main" id="{12FA19F8-D11E-6960-5F6D-3CDBEBF91AF9}"/>
+              </a:ext>
+            </a:extLst>
+          </p:cNvPr>
+          <p:cNvCxnSpPr>
+            <a:cxnSpLocks/>
+            <a:stCxn id="65" idx="2"/>
+            <a:endCxn id="46" idx="0"/>
+          </p:cNvCxnSpPr>
+          <p:nvPr/>
+        </p:nvCxnSpPr>
+        <p:spPr>
+          <a:xfrm>
+            <a:off x="2402068" y="1225945"/>
+            <a:ext cx="2181102" cy="1200630"/>
+          </a:xfrm>
+          <a:prstGeom prst="straightConnector1">
+            <a:avLst/>
+          </a:prstGeom>
+          <a:ln>
+            <a:tailEnd type="triangle"/>
+          </a:ln>
+        </p:spPr>
+        <p:style>
+          <a:lnRef idx="3">
+            <a:schemeClr val="accent3"/>
+          </a:lnRef>
+          <a:fillRef idx="0">
+            <a:schemeClr val="accent3"/>
+          </a:fillRef>
+          <a:effectRef idx="2">
+            <a:schemeClr val="accent3"/>
+          </a:effectRef>
+          <a:fontRef idx="minor">
+            <a:schemeClr val="tx1"/>
+          </a:fontRef>
+        </p:style>
+      </p:cxnSp>
+    </p:spTree>
+    <p:extLst>
+      <p:ext uri="{BB962C8B-B14F-4D97-AF65-F5344CB8AC3E}">
+        <p14:creationId xmlns:p14="http://schemas.microsoft.com/office/powerpoint/2010/main" val="2637410318"/>
+      </p:ext>
+    </p:extLst>
+  </p:cSld>
+  <p:clrMapOvr>
+    <a:masterClrMapping/>
+  </p:clrMapOvr>
+</p:sld>
+</file>
+
+<file path=ppt/slides/slide6.xml><?xml version="1.0" encoding="utf-8"?>
+<p:sld xmlns:a="http://schemas.openxmlformats.org/drawingml/2006/main" xmlns:r="http://schemas.openxmlformats.org/officeDocument/2006/relationships" xmlns:p="http://schemas.openxmlformats.org/presentationml/2006/main">
+  <p:cSld>
+    <p:spTree>
+      <p:nvGrpSpPr>
+        <p:cNvPr id="1" name=""/>
+        <p:cNvGrpSpPr/>
+        <p:nvPr/>
+      </p:nvGrpSpPr>
+      <p:grpSpPr>
+        <a:xfrm>
+          <a:off x="0" y="0"/>
+          <a:ext cx="0" cy="0"/>
+          <a:chOff x="0" y="0"/>
+          <a:chExt cx="0" cy="0"/>
+        </a:xfrm>
+      </p:grpSpPr>
+      <p:sp>
+        <p:nvSpPr>
+          <p:cNvPr id="8" name="TextBox 7">
+            <a:extLst>
+              <a:ext uri="{FF2B5EF4-FFF2-40B4-BE49-F238E27FC236}">
+                <a16:creationId xmlns:a16="http://schemas.microsoft.com/office/drawing/2014/main" id="{6B0C823E-8C87-509F-DAF5-A6984055B74C}"/>
+              </a:ext>
+            </a:extLst>
+          </p:cNvPr>
+          <p:cNvSpPr txBox="1"/>
+          <p:nvPr/>
+        </p:nvSpPr>
+        <p:spPr>
+          <a:xfrm>
+            <a:off x="261255" y="406178"/>
+            <a:ext cx="4923545" cy="369332"/>
+          </a:xfrm>
+          <a:prstGeom prst="rect">
+            <a:avLst/>
+          </a:prstGeom>
+          <a:noFill/>
+        </p:spPr>
+        <p:txBody>
+          <a:bodyPr wrap="square" rtlCol="0">
+            <a:spAutoFit/>
+          </a:bodyPr>
+          <a:lstStyle/>
+          <a:p>
+            <a:r>
+              <a:rPr lang="ko-KR" altLang="en-US" dirty="0"/>
+              <a:t>클래스를 역할에 따라 패키지로 분류하기</a:t>
+            </a:r>
+          </a:p>
+        </p:txBody>
+      </p:sp>
+      <p:sp>
+        <p:nvSpPr>
+          <p:cNvPr id="43" name="TextBox 42">
+            <a:extLst>
+              <a:ext uri="{FF2B5EF4-FFF2-40B4-BE49-F238E27FC236}">
+                <a16:creationId xmlns:a16="http://schemas.microsoft.com/office/drawing/2014/main" id="{5D1B5E8E-5E55-0BBA-7905-DCAA5DD0574A}"/>
+              </a:ext>
+            </a:extLst>
+          </p:cNvPr>
+          <p:cNvSpPr txBox="1"/>
+          <p:nvPr/>
+        </p:nvSpPr>
+        <p:spPr>
+          <a:xfrm>
+            <a:off x="236516" y="2189090"/>
+            <a:ext cx="1861458" cy="369332"/>
+          </a:xfrm>
+          <a:prstGeom prst="rect">
+            <a:avLst/>
+          </a:prstGeom>
+        </p:spPr>
+        <p:style>
+          <a:lnRef idx="2">
+            <a:schemeClr val="accent5"/>
+          </a:lnRef>
+          <a:fillRef idx="1">
+            <a:schemeClr val="lt1"/>
+          </a:fillRef>
+          <a:effectRef idx="0">
+            <a:schemeClr val="accent5"/>
+          </a:effectRef>
+          <a:fontRef idx="minor">
+            <a:schemeClr val="dk1"/>
+          </a:fontRef>
+        </p:style>
+        <p:txBody>
+          <a:bodyPr wrap="square" rtlCol="0">
+            <a:spAutoFit/>
+          </a:bodyPr>
+          <a:lstStyle/>
+          <a:p>
+            <a:r>
+              <a:rPr lang="en-US" altLang="ko-KR" dirty="0"/>
+              <a:t>Exam0210 class</a:t>
+            </a:r>
+            <a:endParaRPr lang="ko-KR" altLang="en-US" dirty="0"/>
+          </a:p>
+        </p:txBody>
+      </p:sp>
+      <p:sp>
+        <p:nvSpPr>
+          <p:cNvPr id="44" name="직사각형 43">
+            <a:extLst>
+              <a:ext uri="{FF2B5EF4-FFF2-40B4-BE49-F238E27FC236}">
+                <a16:creationId xmlns:a16="http://schemas.microsoft.com/office/drawing/2014/main" id="{7142E9A9-B7BA-62DC-30D4-EC2CF1C7BF8E}"/>
+              </a:ext>
+            </a:extLst>
+          </p:cNvPr>
+          <p:cNvSpPr/>
+          <p:nvPr/>
+        </p:nvSpPr>
+        <p:spPr>
+          <a:xfrm>
+            <a:off x="198899" y="2558422"/>
+            <a:ext cx="3211286" cy="1575021"/>
+          </a:xfrm>
+          <a:prstGeom prst="rect">
+            <a:avLst/>
+          </a:prstGeom>
+        </p:spPr>
+        <p:style>
+          <a:lnRef idx="2">
+            <a:schemeClr val="accent1">
+              <a:shade val="50000"/>
+            </a:schemeClr>
+          </a:lnRef>
+          <a:fillRef idx="1">
+            <a:schemeClr val="accent1"/>
+          </a:fillRef>
+          <a:effectRef idx="0">
+            <a:schemeClr val="accent1"/>
+          </a:effectRef>
+          <a:fontRef idx="minor">
+            <a:schemeClr val="lt1"/>
+          </a:fontRef>
+        </p:style>
+        <p:txBody>
+          <a:bodyPr rtlCol="0" anchor="ctr"/>
+          <a:lstStyle/>
+          <a:p>
+            <a:pPr algn="ctr"/>
+            <a:endParaRPr lang="ko-KR" altLang="en-US"/>
+          </a:p>
+        </p:txBody>
+      </p:sp>
+      <p:sp>
+        <p:nvSpPr>
+          <p:cNvPr id="45" name="직사각형 44">
+            <a:extLst>
+              <a:ext uri="{FF2B5EF4-FFF2-40B4-BE49-F238E27FC236}">
+                <a16:creationId xmlns:a16="http://schemas.microsoft.com/office/drawing/2014/main" id="{DA98B227-A840-FC61-17BC-41D310D788DD}"/>
+              </a:ext>
+            </a:extLst>
+          </p:cNvPr>
+          <p:cNvSpPr/>
+          <p:nvPr/>
+        </p:nvSpPr>
+        <p:spPr>
+          <a:xfrm>
+            <a:off x="7306490" y="2504938"/>
+            <a:ext cx="2950653" cy="3624491"/>
+          </a:xfrm>
+          <a:prstGeom prst="rect">
+            <a:avLst/>
+          </a:prstGeom>
+        </p:spPr>
+        <p:style>
+          <a:lnRef idx="1">
+            <a:schemeClr val="accent1"/>
+          </a:lnRef>
+          <a:fillRef idx="2">
+            <a:schemeClr val="accent1"/>
+          </a:fillRef>
+          <a:effectRef idx="1">
+            <a:schemeClr val="accent1"/>
+          </a:effectRef>
+          <a:fontRef idx="minor">
+            <a:schemeClr val="dk1"/>
+          </a:fontRef>
+        </p:style>
+        <p:txBody>
+          <a:bodyPr rtlCol="0" anchor="ctr"/>
+          <a:lstStyle/>
+          <a:p>
+            <a:pPr algn="ctr"/>
+            <a:endParaRPr lang="ko-KR" altLang="en-US"/>
+          </a:p>
+        </p:txBody>
+      </p:sp>
+      <p:sp>
+        <p:nvSpPr>
+          <p:cNvPr id="46" name="TextBox 45">
+            <a:extLst>
+              <a:ext uri="{FF2B5EF4-FFF2-40B4-BE49-F238E27FC236}">
+                <a16:creationId xmlns:a16="http://schemas.microsoft.com/office/drawing/2014/main" id="{D4EFABAC-F2A6-7F16-CEFA-30F4B289429E}"/>
+              </a:ext>
+            </a:extLst>
+          </p:cNvPr>
+          <p:cNvSpPr txBox="1"/>
+          <p:nvPr/>
+        </p:nvSpPr>
+        <p:spPr>
+          <a:xfrm>
+            <a:off x="7306721" y="2240728"/>
+            <a:ext cx="1861852" cy="369332"/>
+          </a:xfrm>
+          <a:prstGeom prst="rect">
+            <a:avLst/>
+          </a:prstGeom>
+        </p:spPr>
+        <p:style>
+          <a:lnRef idx="2">
+            <a:schemeClr val="accent5"/>
+          </a:lnRef>
+          <a:fillRef idx="1">
+            <a:schemeClr val="lt1"/>
+          </a:fillRef>
+          <a:effectRef idx="0">
+            <a:schemeClr val="accent5"/>
+          </a:effectRef>
+          <a:fontRef idx="minor">
+            <a:schemeClr val="dk1"/>
+          </a:fontRef>
+        </p:style>
+        <p:txBody>
+          <a:bodyPr wrap="square" rtlCol="0">
+            <a:spAutoFit/>
+          </a:bodyPr>
+          <a:lstStyle/>
+          <a:p>
+            <a:r>
+              <a:rPr lang="en-US" altLang="ko-KR" dirty="0"/>
+              <a:t>Calculator class</a:t>
+            </a:r>
+            <a:endParaRPr lang="ko-KR" altLang="en-US" dirty="0"/>
+          </a:p>
+        </p:txBody>
+      </p:sp>
+      <p:sp>
+        <p:nvSpPr>
+          <p:cNvPr id="47" name="직사각형 46">
+            <a:extLst>
+              <a:ext uri="{FF2B5EF4-FFF2-40B4-BE49-F238E27FC236}">
+                <a16:creationId xmlns:a16="http://schemas.microsoft.com/office/drawing/2014/main" id="{A271D386-E4BD-365D-BA06-686A94E36B1E}"/>
+              </a:ext>
+            </a:extLst>
+          </p:cNvPr>
+          <p:cNvSpPr/>
+          <p:nvPr/>
+        </p:nvSpPr>
+        <p:spPr>
+          <a:xfrm>
+            <a:off x="7437263" y="2775850"/>
+            <a:ext cx="2275596" cy="412367"/>
+          </a:xfrm>
+          <a:prstGeom prst="rect">
+            <a:avLst/>
+          </a:prstGeom>
+        </p:spPr>
+        <p:style>
+          <a:lnRef idx="2">
+            <a:schemeClr val="accent5">
+              <a:shade val="50000"/>
+            </a:schemeClr>
+          </a:lnRef>
+          <a:fillRef idx="1">
+            <a:schemeClr val="accent5"/>
+          </a:fillRef>
+          <a:effectRef idx="0">
+            <a:schemeClr val="accent5"/>
+          </a:effectRef>
+          <a:fontRef idx="minor">
+            <a:schemeClr val="lt1"/>
+          </a:fontRef>
+        </p:style>
+        <p:txBody>
+          <a:bodyPr rtlCol="0" anchor="ctr"/>
+          <a:lstStyle/>
+          <a:p>
+            <a:pPr algn="ctr"/>
+            <a:r>
+              <a:rPr lang="en-US" altLang="ko-KR" dirty="0"/>
+              <a:t>plus()</a:t>
+            </a:r>
+            <a:r>
+              <a:rPr lang="ko-KR" altLang="en-US" dirty="0"/>
+              <a:t> </a:t>
+            </a:r>
+            <a:r>
+              <a:rPr lang="en-US" altLang="ko-KR" dirty="0"/>
+              <a:t>method</a:t>
+            </a:r>
+            <a:endParaRPr lang="ko-KR" altLang="en-US" dirty="0"/>
+          </a:p>
+        </p:txBody>
+      </p:sp>
+      <p:sp>
+        <p:nvSpPr>
+          <p:cNvPr id="48" name="직사각형 47">
+            <a:extLst>
+              <a:ext uri="{FF2B5EF4-FFF2-40B4-BE49-F238E27FC236}">
+                <a16:creationId xmlns:a16="http://schemas.microsoft.com/office/drawing/2014/main" id="{4EE013FD-B2F0-27F8-24BC-1B4055CCB98D}"/>
+              </a:ext>
+            </a:extLst>
+          </p:cNvPr>
+          <p:cNvSpPr/>
+          <p:nvPr/>
+        </p:nvSpPr>
+        <p:spPr>
+          <a:xfrm>
+            <a:off x="7437263" y="3348718"/>
+            <a:ext cx="2275596" cy="412367"/>
+          </a:xfrm>
+          <a:prstGeom prst="rect">
+            <a:avLst/>
+          </a:prstGeom>
+        </p:spPr>
+        <p:style>
+          <a:lnRef idx="2">
+            <a:schemeClr val="accent5">
+              <a:shade val="50000"/>
+            </a:schemeClr>
+          </a:lnRef>
+          <a:fillRef idx="1">
+            <a:schemeClr val="accent5"/>
+          </a:fillRef>
+          <a:effectRef idx="0">
+            <a:schemeClr val="accent5"/>
+          </a:effectRef>
+          <a:fontRef idx="minor">
+            <a:schemeClr val="lt1"/>
+          </a:fontRef>
+        </p:style>
+        <p:txBody>
+          <a:bodyPr rtlCol="0" anchor="ctr"/>
+          <a:lstStyle/>
+          <a:p>
+            <a:pPr algn="ctr"/>
+            <a:r>
+              <a:rPr lang="en-US" altLang="ko-KR" dirty="0"/>
+              <a:t>minus()</a:t>
+            </a:r>
+            <a:r>
+              <a:rPr lang="ko-KR" altLang="en-US" dirty="0"/>
+              <a:t> </a:t>
+            </a:r>
+            <a:r>
+              <a:rPr lang="en-US" altLang="ko-KR" dirty="0"/>
+              <a:t>method</a:t>
+            </a:r>
+            <a:endParaRPr lang="ko-KR" altLang="en-US" dirty="0"/>
+          </a:p>
+        </p:txBody>
+      </p:sp>
+      <p:sp>
+        <p:nvSpPr>
+          <p:cNvPr id="49" name="직사각형 48">
+            <a:extLst>
+              <a:ext uri="{FF2B5EF4-FFF2-40B4-BE49-F238E27FC236}">
+                <a16:creationId xmlns:a16="http://schemas.microsoft.com/office/drawing/2014/main" id="{3D0D6240-135E-72F3-A16B-2B6031C1D7C2}"/>
+              </a:ext>
+            </a:extLst>
+          </p:cNvPr>
+          <p:cNvSpPr/>
+          <p:nvPr/>
+        </p:nvSpPr>
+        <p:spPr>
+          <a:xfrm>
+            <a:off x="7437263" y="3882118"/>
+            <a:ext cx="2275596" cy="412367"/>
+          </a:xfrm>
+          <a:prstGeom prst="rect">
+            <a:avLst/>
+          </a:prstGeom>
+        </p:spPr>
+        <p:style>
+          <a:lnRef idx="2">
+            <a:schemeClr val="accent5">
+              <a:shade val="50000"/>
+            </a:schemeClr>
+          </a:lnRef>
+          <a:fillRef idx="1">
+            <a:schemeClr val="accent5"/>
+          </a:fillRef>
+          <a:effectRef idx="0">
+            <a:schemeClr val="accent5"/>
+          </a:effectRef>
+          <a:fontRef idx="minor">
+            <a:schemeClr val="lt1"/>
+          </a:fontRef>
+        </p:style>
+        <p:txBody>
+          <a:bodyPr rtlCol="0" anchor="ctr"/>
+          <a:lstStyle/>
+          <a:p>
+            <a:pPr algn="ctr"/>
+            <a:r>
+              <a:rPr lang="en-US" altLang="ko-KR" dirty="0"/>
+              <a:t>multiple()</a:t>
+            </a:r>
+            <a:r>
+              <a:rPr lang="ko-KR" altLang="en-US" dirty="0"/>
+              <a:t> </a:t>
+            </a:r>
+            <a:r>
+              <a:rPr lang="en-US" altLang="ko-KR" dirty="0"/>
+              <a:t>method</a:t>
+            </a:r>
+            <a:endParaRPr lang="ko-KR" altLang="en-US" dirty="0"/>
+          </a:p>
+        </p:txBody>
+      </p:sp>
+      <p:sp>
+        <p:nvSpPr>
+          <p:cNvPr id="58" name="직사각형 57">
+            <a:extLst>
+              <a:ext uri="{FF2B5EF4-FFF2-40B4-BE49-F238E27FC236}">
+                <a16:creationId xmlns:a16="http://schemas.microsoft.com/office/drawing/2014/main" id="{0304DEF2-90DA-3D21-6CFD-EBD3A44DBE7E}"/>
+              </a:ext>
+            </a:extLst>
+          </p:cNvPr>
+          <p:cNvSpPr/>
+          <p:nvPr/>
+        </p:nvSpPr>
+        <p:spPr>
+          <a:xfrm>
+            <a:off x="7437263" y="4415518"/>
+            <a:ext cx="2275596" cy="412367"/>
+          </a:xfrm>
+          <a:prstGeom prst="rect">
+            <a:avLst/>
+          </a:prstGeom>
+        </p:spPr>
+        <p:style>
+          <a:lnRef idx="2">
+            <a:schemeClr val="accent5">
+              <a:shade val="50000"/>
+            </a:schemeClr>
+          </a:lnRef>
+          <a:fillRef idx="1">
+            <a:schemeClr val="accent5"/>
+          </a:fillRef>
+          <a:effectRef idx="0">
+            <a:schemeClr val="accent5"/>
+          </a:effectRef>
+          <a:fontRef idx="minor">
+            <a:schemeClr val="lt1"/>
+          </a:fontRef>
+        </p:style>
+        <p:txBody>
+          <a:bodyPr rtlCol="0" anchor="ctr"/>
+          <a:lstStyle/>
+          <a:p>
+            <a:pPr algn="ctr"/>
+            <a:r>
+              <a:rPr lang="en-US" altLang="ko-KR" dirty="0" err="1"/>
+              <a:t>devide</a:t>
+            </a:r>
+            <a:r>
+              <a:rPr lang="en-US" altLang="ko-KR" dirty="0"/>
+              <a:t>()</a:t>
+            </a:r>
+            <a:r>
+              <a:rPr lang="ko-KR" altLang="en-US" dirty="0"/>
+              <a:t> </a:t>
+            </a:r>
+            <a:r>
+              <a:rPr lang="en-US" altLang="ko-KR" dirty="0"/>
+              <a:t>method</a:t>
+            </a:r>
+            <a:endParaRPr lang="ko-KR" altLang="en-US" dirty="0"/>
+          </a:p>
+        </p:txBody>
+      </p:sp>
+      <p:sp>
+        <p:nvSpPr>
+          <p:cNvPr id="59" name="직사각형 58">
+            <a:extLst>
+              <a:ext uri="{FF2B5EF4-FFF2-40B4-BE49-F238E27FC236}">
+                <a16:creationId xmlns:a16="http://schemas.microsoft.com/office/drawing/2014/main" id="{38EB11CB-61AE-41C0-2892-E7C42D4110EF}"/>
+              </a:ext>
+            </a:extLst>
+          </p:cNvPr>
+          <p:cNvSpPr/>
+          <p:nvPr/>
+        </p:nvSpPr>
+        <p:spPr>
+          <a:xfrm>
+            <a:off x="362185" y="2812868"/>
+            <a:ext cx="2275114" cy="391885"/>
+          </a:xfrm>
+          <a:prstGeom prst="rect">
+            <a:avLst/>
+          </a:prstGeom>
+        </p:spPr>
+        <p:style>
+          <a:lnRef idx="1">
+            <a:schemeClr val="accent6"/>
+          </a:lnRef>
+          <a:fillRef idx="2">
+            <a:schemeClr val="accent6"/>
+          </a:fillRef>
+          <a:effectRef idx="1">
+            <a:schemeClr val="accent6"/>
+          </a:effectRef>
+          <a:fontRef idx="minor">
+            <a:schemeClr val="dk1"/>
+          </a:fontRef>
+        </p:style>
+        <p:txBody>
+          <a:bodyPr rtlCol="0" anchor="ctr"/>
+          <a:lstStyle/>
+          <a:p>
+            <a:pPr algn="ctr"/>
+            <a:r>
+              <a:rPr lang="en-US" altLang="ko-KR" dirty="0"/>
+              <a:t>main()</a:t>
+            </a:r>
+            <a:r>
+              <a:rPr lang="ko-KR" altLang="en-US" dirty="0"/>
+              <a:t> </a:t>
+            </a:r>
+            <a:r>
+              <a:rPr lang="en-US" altLang="ko-KR" dirty="0"/>
+              <a:t>method</a:t>
+            </a:r>
+            <a:endParaRPr lang="ko-KR" altLang="en-US" dirty="0"/>
+          </a:p>
+        </p:txBody>
+      </p:sp>
+      <p:sp>
+        <p:nvSpPr>
+          <p:cNvPr id="61" name="직사각형 60">
+            <a:extLst>
+              <a:ext uri="{FF2B5EF4-FFF2-40B4-BE49-F238E27FC236}">
+                <a16:creationId xmlns:a16="http://schemas.microsoft.com/office/drawing/2014/main" id="{654AE0AE-AA59-2B09-045A-E83D6B02F28F}"/>
+              </a:ext>
+            </a:extLst>
+          </p:cNvPr>
+          <p:cNvSpPr/>
+          <p:nvPr/>
+        </p:nvSpPr>
+        <p:spPr>
+          <a:xfrm>
+            <a:off x="7434538" y="5507933"/>
+            <a:ext cx="2275596" cy="412367"/>
+          </a:xfrm>
+          <a:prstGeom prst="rect">
+            <a:avLst/>
+          </a:prstGeom>
+        </p:spPr>
+        <p:style>
+          <a:lnRef idx="1">
+            <a:schemeClr val="accent2"/>
+          </a:lnRef>
+          <a:fillRef idx="2">
+            <a:schemeClr val="accent2"/>
+          </a:fillRef>
+          <a:effectRef idx="1">
+            <a:schemeClr val="accent2"/>
+          </a:effectRef>
+          <a:fontRef idx="minor">
+            <a:schemeClr val="dk1"/>
+          </a:fontRef>
+        </p:style>
+        <p:txBody>
+          <a:bodyPr rtlCol="0" anchor="ctr"/>
+          <a:lstStyle/>
+          <a:p>
+            <a:pPr algn="ctr"/>
+            <a:r>
+              <a:rPr lang="en-US" altLang="ko-KR" dirty="0"/>
+              <a:t>abs()</a:t>
+            </a:r>
+            <a:r>
+              <a:rPr lang="ko-KR" altLang="en-US" dirty="0"/>
+              <a:t> </a:t>
+            </a:r>
+            <a:r>
+              <a:rPr lang="en-US" altLang="ko-KR" dirty="0"/>
+              <a:t>method</a:t>
+            </a:r>
+            <a:endParaRPr lang="ko-KR" altLang="en-US" dirty="0"/>
+          </a:p>
+        </p:txBody>
+      </p:sp>
+      <p:sp>
+        <p:nvSpPr>
+          <p:cNvPr id="63" name="TextBox 62">
+            <a:extLst>
+              <a:ext uri="{FF2B5EF4-FFF2-40B4-BE49-F238E27FC236}">
+                <a16:creationId xmlns:a16="http://schemas.microsoft.com/office/drawing/2014/main" id="{4B10252C-D3F8-254E-D37F-F46F3A0625B7}"/>
+              </a:ext>
+            </a:extLst>
+          </p:cNvPr>
+          <p:cNvSpPr txBox="1"/>
+          <p:nvPr/>
+        </p:nvSpPr>
+        <p:spPr>
+          <a:xfrm>
+            <a:off x="7434722" y="4950097"/>
+            <a:ext cx="1404555" cy="369332"/>
+          </a:xfrm>
+          <a:prstGeom prst="rect">
+            <a:avLst/>
+          </a:prstGeom>
+        </p:spPr>
+        <p:style>
+          <a:lnRef idx="2">
+            <a:schemeClr val="accent5">
+              <a:shade val="50000"/>
+            </a:schemeClr>
+          </a:lnRef>
+          <a:fillRef idx="1">
+            <a:schemeClr val="accent5"/>
+          </a:fillRef>
+          <a:effectRef idx="0">
+            <a:schemeClr val="accent5"/>
+          </a:effectRef>
+          <a:fontRef idx="minor">
+            <a:schemeClr val="lt1"/>
+          </a:fontRef>
+        </p:style>
+        <p:txBody>
+          <a:bodyPr wrap="square" rtlCol="0">
+            <a:spAutoFit/>
+          </a:bodyPr>
+          <a:lstStyle/>
+          <a:p>
+            <a:r>
+              <a:rPr lang="en-US" altLang="ko-KR" dirty="0"/>
+              <a:t>result </a:t>
+            </a:r>
+            <a:r>
+              <a:rPr lang="ko-KR" altLang="en-US" dirty="0"/>
+              <a:t>변수</a:t>
+            </a:r>
+          </a:p>
+        </p:txBody>
+      </p:sp>
+      <p:cxnSp>
+        <p:nvCxnSpPr>
+          <p:cNvPr id="64" name="직선 화살표 연결선 63">
+            <a:extLst>
+              <a:ext uri="{FF2B5EF4-FFF2-40B4-BE49-F238E27FC236}">
+                <a16:creationId xmlns:a16="http://schemas.microsoft.com/office/drawing/2014/main" id="{198E0539-ECED-6686-05B4-BEC6D28FD0D8}"/>
+              </a:ext>
+            </a:extLst>
+          </p:cNvPr>
+          <p:cNvCxnSpPr>
+            <a:cxnSpLocks/>
+            <a:stCxn id="65" idx="2"/>
+            <a:endCxn id="43" idx="0"/>
+          </p:cNvCxnSpPr>
+          <p:nvPr/>
+        </p:nvCxnSpPr>
+        <p:spPr>
+          <a:xfrm flipH="1">
+            <a:off x="1167245" y="1225945"/>
+            <a:ext cx="1234823" cy="963145"/>
+          </a:xfrm>
+          <a:prstGeom prst="straightConnector1">
+            <a:avLst/>
+          </a:prstGeom>
+          <a:ln>
+            <a:tailEnd type="triangle"/>
+          </a:ln>
+        </p:spPr>
+        <p:style>
+          <a:lnRef idx="3">
+            <a:schemeClr val="accent3"/>
+          </a:lnRef>
+          <a:fillRef idx="0">
+            <a:schemeClr val="accent3"/>
+          </a:fillRef>
+          <a:effectRef idx="2">
+            <a:schemeClr val="accent3"/>
+          </a:effectRef>
+          <a:fontRef idx="minor">
+            <a:schemeClr val="tx1"/>
+          </a:fontRef>
+        </p:style>
+      </p:cxnSp>
+      <p:sp>
+        <p:nvSpPr>
+          <p:cNvPr id="65" name="TextBox 64">
+            <a:extLst>
+              <a:ext uri="{FF2B5EF4-FFF2-40B4-BE49-F238E27FC236}">
+                <a16:creationId xmlns:a16="http://schemas.microsoft.com/office/drawing/2014/main" id="{313DD66B-5936-27CC-E0E9-2CDDB80FB970}"/>
+              </a:ext>
+            </a:extLst>
+          </p:cNvPr>
+          <p:cNvSpPr txBox="1"/>
+          <p:nvPr/>
+        </p:nvSpPr>
+        <p:spPr>
+          <a:xfrm>
+            <a:off x="106953" y="856613"/>
+            <a:ext cx="4590230" cy="369332"/>
+          </a:xfrm>
+          <a:prstGeom prst="rect">
+            <a:avLst/>
+          </a:prstGeom>
+        </p:spPr>
+        <p:style>
+          <a:lnRef idx="2">
+            <a:schemeClr val="accent3"/>
+          </a:lnRef>
+          <a:fillRef idx="1">
+            <a:schemeClr val="lt1"/>
+          </a:fillRef>
+          <a:effectRef idx="0">
+            <a:schemeClr val="accent3"/>
+          </a:effectRef>
+          <a:fontRef idx="minor">
+            <a:schemeClr val="dk1"/>
+          </a:fontRef>
+        </p:style>
+        <p:txBody>
+          <a:bodyPr wrap="square" rtlCol="0">
+            <a:spAutoFit/>
+          </a:bodyPr>
+          <a:lstStyle/>
+          <a:p>
+            <a:r>
+              <a:rPr lang="en-US" altLang="ko-KR" dirty="0"/>
+              <a:t>Package:com.eomcs.oop.ex02</a:t>
+            </a:r>
+            <a:endParaRPr lang="ko-KR" altLang="en-US" dirty="0"/>
+          </a:p>
+        </p:txBody>
+      </p:sp>
+      <p:cxnSp>
+        <p:nvCxnSpPr>
+          <p:cNvPr id="67" name="직선 화살표 연결선 66">
+            <a:extLst>
+              <a:ext uri="{FF2B5EF4-FFF2-40B4-BE49-F238E27FC236}">
+                <a16:creationId xmlns:a16="http://schemas.microsoft.com/office/drawing/2014/main" id="{12FA19F8-D11E-6960-5F6D-3CDBEBF91AF9}"/>
+              </a:ext>
+            </a:extLst>
+          </p:cNvPr>
+          <p:cNvCxnSpPr>
+            <a:cxnSpLocks/>
+            <a:stCxn id="17" idx="2"/>
+            <a:endCxn id="46" idx="0"/>
+          </p:cNvCxnSpPr>
+          <p:nvPr/>
+        </p:nvCxnSpPr>
+        <p:spPr>
+          <a:xfrm>
+            <a:off x="6782936" y="1824890"/>
+            <a:ext cx="1454711" cy="415838"/>
+          </a:xfrm>
+          <a:prstGeom prst="straightConnector1">
+            <a:avLst/>
+          </a:prstGeom>
+          <a:ln>
+            <a:tailEnd type="triangle"/>
+          </a:ln>
+        </p:spPr>
+        <p:style>
+          <a:lnRef idx="3">
+            <a:schemeClr val="accent3"/>
+          </a:lnRef>
+          <a:fillRef idx="0">
+            <a:schemeClr val="accent3"/>
+          </a:fillRef>
+          <a:effectRef idx="2">
+            <a:schemeClr val="accent3"/>
+          </a:effectRef>
+          <a:fontRef idx="minor">
+            <a:schemeClr val="tx1"/>
+          </a:fontRef>
+        </p:style>
+      </p:cxnSp>
+      <p:sp>
+        <p:nvSpPr>
+          <p:cNvPr id="17" name="TextBox 16">
+            <a:extLst>
+              <a:ext uri="{FF2B5EF4-FFF2-40B4-BE49-F238E27FC236}">
+                <a16:creationId xmlns:a16="http://schemas.microsoft.com/office/drawing/2014/main" id="{EE280409-9B4B-14A7-8D94-AA1F87D8A0CF}"/>
+              </a:ext>
+            </a:extLst>
+          </p:cNvPr>
+          <p:cNvSpPr txBox="1"/>
+          <p:nvPr/>
+        </p:nvSpPr>
+        <p:spPr>
+          <a:xfrm>
+            <a:off x="4487821" y="1455558"/>
+            <a:ext cx="4590230" cy="369332"/>
+          </a:xfrm>
+          <a:prstGeom prst="rect">
+            <a:avLst/>
+          </a:prstGeom>
+        </p:spPr>
+        <p:style>
+          <a:lnRef idx="2">
+            <a:schemeClr val="accent3"/>
+          </a:lnRef>
+          <a:fillRef idx="1">
+            <a:schemeClr val="lt1"/>
+          </a:fillRef>
+          <a:effectRef idx="0">
+            <a:schemeClr val="accent3"/>
+          </a:effectRef>
+          <a:fontRef idx="minor">
+            <a:schemeClr val="dk1"/>
+          </a:fontRef>
+        </p:style>
+        <p:txBody>
+          <a:bodyPr wrap="square" rtlCol="0">
+            <a:spAutoFit/>
+          </a:bodyPr>
+          <a:lstStyle/>
+          <a:p>
+            <a:r>
+              <a:rPr lang="en-US" altLang="ko-KR" dirty="0"/>
+              <a:t>Package:com.eomcs.oop.ex02.util</a:t>
+            </a:r>
+            <a:endParaRPr lang="ko-KR" altLang="en-US" dirty="0"/>
+          </a:p>
+        </p:txBody>
+      </p:sp>
+      <p:sp>
+        <p:nvSpPr>
+          <p:cNvPr id="4" name="TextBox 3">
+            <a:extLst>
+              <a:ext uri="{FF2B5EF4-FFF2-40B4-BE49-F238E27FC236}">
+                <a16:creationId xmlns:a16="http://schemas.microsoft.com/office/drawing/2014/main" id="{8BCF229B-46F2-C477-D411-D10CA435F68C}"/>
+              </a:ext>
+            </a:extLst>
+          </p:cNvPr>
+          <p:cNvSpPr txBox="1"/>
+          <p:nvPr/>
+        </p:nvSpPr>
+        <p:spPr>
+          <a:xfrm>
+            <a:off x="158544" y="4502775"/>
+            <a:ext cx="5026256" cy="923330"/>
+          </a:xfrm>
+          <a:prstGeom prst="rect">
+            <a:avLst/>
+          </a:prstGeom>
+        </p:spPr>
+        <p:style>
+          <a:lnRef idx="2">
+            <a:schemeClr val="accent4"/>
+          </a:lnRef>
+          <a:fillRef idx="1">
+            <a:schemeClr val="lt1"/>
+          </a:fillRef>
+          <a:effectRef idx="0">
+            <a:schemeClr val="accent4"/>
+          </a:effectRef>
+          <a:fontRef idx="minor">
+            <a:schemeClr val="dk1"/>
+          </a:fontRef>
+        </p:style>
+        <p:txBody>
+          <a:bodyPr wrap="square" rtlCol="0">
+            <a:spAutoFit/>
+          </a:bodyPr>
+          <a:lstStyle/>
+          <a:p>
+            <a:r>
+              <a:rPr lang="en-US" altLang="ko-KR" dirty="0">
+                <a:solidFill>
+                  <a:schemeClr val="accent1"/>
+                </a:solidFill>
+              </a:rPr>
+              <a:t>import com.eomcs.oop.ex02.util.Calculator</a:t>
+            </a:r>
+            <a:r>
+              <a:rPr lang="en-US" altLang="ko-KR" dirty="0"/>
+              <a:t>;</a:t>
+            </a:r>
+          </a:p>
+          <a:p>
+            <a:pPr marL="285750" indent="-285750">
+              <a:buFont typeface="Wingdings" panose="05000000000000000000" pitchFamily="2" charset="2"/>
+              <a:buChar char="à"/>
+            </a:pPr>
+            <a:r>
+              <a:rPr lang="ko-KR" altLang="en-US" dirty="0">
+                <a:sym typeface="Wingdings" panose="05000000000000000000" pitchFamily="2" charset="2"/>
+              </a:rPr>
+              <a:t>클래스를 쓰기전에</a:t>
+            </a:r>
+            <a:r>
+              <a:rPr lang="en-US" altLang="ko-KR" dirty="0">
+                <a:sym typeface="Wingdings" panose="05000000000000000000" pitchFamily="2" charset="2"/>
+              </a:rPr>
+              <a:t>, </a:t>
+            </a:r>
+          </a:p>
+          <a:p>
+            <a:r>
+              <a:rPr lang="ko-KR" altLang="en-US" dirty="0">
+                <a:sym typeface="Wingdings" panose="05000000000000000000" pitchFamily="2" charset="2"/>
+              </a:rPr>
+              <a:t>패키지 소속을 컴파일에게 알려준다</a:t>
+            </a:r>
+            <a:r>
+              <a:rPr lang="en-US" altLang="ko-KR" dirty="0">
+                <a:sym typeface="Wingdings" panose="05000000000000000000" pitchFamily="2" charset="2"/>
+              </a:rPr>
+              <a:t>.</a:t>
+            </a:r>
+            <a:endParaRPr lang="en-US" altLang="ko-KR" dirty="0"/>
+          </a:p>
+        </p:txBody>
+      </p:sp>
+      <p:cxnSp>
+        <p:nvCxnSpPr>
+          <p:cNvPr id="21" name="직선 화살표 연결선 20">
+            <a:extLst>
+              <a:ext uri="{FF2B5EF4-FFF2-40B4-BE49-F238E27FC236}">
+                <a16:creationId xmlns:a16="http://schemas.microsoft.com/office/drawing/2014/main" id="{1037C73C-9874-57EE-0B5E-FE728A274223}"/>
+              </a:ext>
+            </a:extLst>
+          </p:cNvPr>
+          <p:cNvCxnSpPr>
+            <a:cxnSpLocks/>
+            <a:stCxn id="44" idx="2"/>
+            <a:endCxn id="4" idx="0"/>
+          </p:cNvCxnSpPr>
+          <p:nvPr/>
+        </p:nvCxnSpPr>
+        <p:spPr>
+          <a:xfrm>
+            <a:off x="1804542" y="4133443"/>
+            <a:ext cx="867130" cy="369332"/>
+          </a:xfrm>
+          <a:prstGeom prst="straightConnector1">
+            <a:avLst/>
+          </a:prstGeom>
+          <a:ln>
+            <a:tailEnd type="triangle"/>
+          </a:ln>
+        </p:spPr>
+        <p:style>
+          <a:lnRef idx="3">
+            <a:schemeClr val="accent4"/>
+          </a:lnRef>
+          <a:fillRef idx="0">
+            <a:schemeClr val="accent4"/>
+          </a:fillRef>
+          <a:effectRef idx="2">
+            <a:schemeClr val="accent4"/>
+          </a:effectRef>
+          <a:fontRef idx="minor">
+            <a:schemeClr val="tx1"/>
+          </a:fontRef>
+        </p:style>
+      </p:cxnSp>
+    </p:spTree>
+    <p:extLst>
+      <p:ext uri="{BB962C8B-B14F-4D97-AF65-F5344CB8AC3E}">
+        <p14:creationId xmlns:p14="http://schemas.microsoft.com/office/powerpoint/2010/main" val="609599378"/>
+      </p:ext>
+    </p:extLst>
+  </p:cSld>
+  <p:clrMapOvr>
+    <a:masterClrMapping/>
+  </p:clrMapOvr>
+</p:sld>
+</file>
+
+<file path=ppt/slides/slide7.xml><?xml version="1.0" encoding="utf-8"?>
+<p:sld xmlns:a="http://schemas.openxmlformats.org/drawingml/2006/main" xmlns:r="http://schemas.openxmlformats.org/officeDocument/2006/relationships" xmlns:p="http://schemas.openxmlformats.org/presentationml/2006/main">
+  <p:cSld>
+    <p:spTree>
+      <p:nvGrpSpPr>
+        <p:cNvPr id="1" name=""/>
+        <p:cNvGrpSpPr/>
+        <p:nvPr/>
+      </p:nvGrpSpPr>
+      <p:grpSpPr>
+        <a:xfrm>
+          <a:off x="0" y="0"/>
+          <a:ext cx="0" cy="0"/>
+          <a:chOff x="0" y="0"/>
+          <a:chExt cx="0" cy="0"/>
+        </a:xfrm>
+      </p:grpSpPr>
+      <p:sp>
+        <p:nvSpPr>
+          <p:cNvPr id="2" name="직사각형 1">
+            <a:extLst>
+              <a:ext uri="{FF2B5EF4-FFF2-40B4-BE49-F238E27FC236}">
+                <a16:creationId xmlns:a16="http://schemas.microsoft.com/office/drawing/2014/main" id="{8D52B1CF-8057-AD71-0A6F-928E11694953}"/>
+              </a:ext>
+            </a:extLst>
+          </p:cNvPr>
+          <p:cNvSpPr/>
+          <p:nvPr/>
+        </p:nvSpPr>
+        <p:spPr>
+          <a:xfrm>
+            <a:off x="230523" y="2570090"/>
+            <a:ext cx="3211286" cy="4015767"/>
+          </a:xfrm>
+          <a:prstGeom prst="rect">
+            <a:avLst/>
+          </a:prstGeom>
+        </p:spPr>
+        <p:style>
+          <a:lnRef idx="2">
+            <a:schemeClr val="accent1">
+              <a:shade val="50000"/>
+            </a:schemeClr>
+          </a:lnRef>
+          <a:fillRef idx="1">
+            <a:schemeClr val="accent1"/>
+          </a:fillRef>
+          <a:effectRef idx="0">
+            <a:schemeClr val="accent1"/>
+          </a:effectRef>
+          <a:fontRef idx="minor">
+            <a:schemeClr val="lt1"/>
+          </a:fontRef>
+        </p:style>
+        <p:txBody>
+          <a:bodyPr rtlCol="0" anchor="ctr"/>
+          <a:lstStyle/>
+          <a:p>
+            <a:pPr algn="ctr"/>
+            <a:endParaRPr lang="ko-KR" altLang="en-US"/>
+          </a:p>
+        </p:txBody>
+      </p:sp>
+      <p:sp>
+        <p:nvSpPr>
+          <p:cNvPr id="3" name="TextBox 2">
+            <a:extLst>
+              <a:ext uri="{FF2B5EF4-FFF2-40B4-BE49-F238E27FC236}">
+                <a16:creationId xmlns:a16="http://schemas.microsoft.com/office/drawing/2014/main" id="{DF3E3316-B51F-3707-F43B-8BFCDE911E2F}"/>
+              </a:ext>
+            </a:extLst>
+          </p:cNvPr>
+          <p:cNvSpPr txBox="1"/>
+          <p:nvPr/>
+        </p:nvSpPr>
+        <p:spPr>
+          <a:xfrm>
+            <a:off x="230523" y="2031429"/>
+            <a:ext cx="1861458" cy="369332"/>
+          </a:xfrm>
+          <a:prstGeom prst="rect">
+            <a:avLst/>
+          </a:prstGeom>
+        </p:spPr>
+        <p:style>
+          <a:lnRef idx="2">
+            <a:schemeClr val="accent5"/>
+          </a:lnRef>
+          <a:fillRef idx="1">
+            <a:schemeClr val="lt1"/>
+          </a:fillRef>
+          <a:effectRef idx="0">
+            <a:schemeClr val="accent5"/>
+          </a:effectRef>
+          <a:fontRef idx="minor">
+            <a:schemeClr val="dk1"/>
+          </a:fontRef>
+        </p:style>
+        <p:txBody>
+          <a:bodyPr wrap="square" rtlCol="0">
+            <a:spAutoFit/>
+          </a:bodyPr>
+          <a:lstStyle/>
+          <a:p>
+            <a:r>
+              <a:rPr lang="en-US" altLang="ko-KR" dirty="0"/>
+              <a:t>Method Area</a:t>
+            </a:r>
+            <a:endParaRPr lang="ko-KR" altLang="en-US" dirty="0"/>
+          </a:p>
+        </p:txBody>
+      </p:sp>
+      <p:sp>
+        <p:nvSpPr>
+          <p:cNvPr id="8" name="TextBox 7">
+            <a:extLst>
+              <a:ext uri="{FF2B5EF4-FFF2-40B4-BE49-F238E27FC236}">
+                <a16:creationId xmlns:a16="http://schemas.microsoft.com/office/drawing/2014/main" id="{6B0C823E-8C87-509F-DAF5-A6984055B74C}"/>
+              </a:ext>
+            </a:extLst>
+          </p:cNvPr>
+          <p:cNvSpPr txBox="1"/>
+          <p:nvPr/>
+        </p:nvSpPr>
+        <p:spPr>
+          <a:xfrm>
+            <a:off x="329572" y="2875674"/>
+            <a:ext cx="1970315" cy="369332"/>
+          </a:xfrm>
+          <a:prstGeom prst="rect">
+            <a:avLst/>
+          </a:prstGeom>
+        </p:spPr>
+        <p:style>
+          <a:lnRef idx="2">
+            <a:schemeClr val="accent6"/>
+          </a:lnRef>
+          <a:fillRef idx="1">
+            <a:schemeClr val="lt1"/>
+          </a:fillRef>
+          <a:effectRef idx="0">
+            <a:schemeClr val="accent6"/>
+          </a:effectRef>
+          <a:fontRef idx="minor">
+            <a:schemeClr val="dk1"/>
+          </a:fontRef>
+        </p:style>
+        <p:txBody>
+          <a:bodyPr wrap="square" rtlCol="0">
+            <a:spAutoFit/>
+          </a:bodyPr>
+          <a:lstStyle/>
+          <a:p>
+            <a:r>
+              <a:rPr lang="en-US" altLang="ko-KR" dirty="0"/>
+              <a:t>1. Class loading</a:t>
+            </a:r>
+            <a:endParaRPr lang="ko-KR" altLang="en-US" dirty="0"/>
+          </a:p>
+        </p:txBody>
+      </p:sp>
+      <p:sp>
+        <p:nvSpPr>
+          <p:cNvPr id="19" name="직사각형 18">
+            <a:extLst>
+              <a:ext uri="{FF2B5EF4-FFF2-40B4-BE49-F238E27FC236}">
+                <a16:creationId xmlns:a16="http://schemas.microsoft.com/office/drawing/2014/main" id="{53EB5C89-B7DF-3E36-29CD-311ED6093B45}"/>
+              </a:ext>
+            </a:extLst>
+          </p:cNvPr>
+          <p:cNvSpPr/>
+          <p:nvPr/>
+        </p:nvSpPr>
+        <p:spPr>
+          <a:xfrm>
+            <a:off x="335496" y="3278866"/>
+            <a:ext cx="2275114" cy="3154196"/>
+          </a:xfrm>
+          <a:prstGeom prst="rect">
+            <a:avLst/>
+          </a:prstGeom>
+        </p:spPr>
+        <p:style>
+          <a:lnRef idx="1">
+            <a:schemeClr val="accent6"/>
+          </a:lnRef>
+          <a:fillRef idx="2">
+            <a:schemeClr val="accent6"/>
+          </a:fillRef>
+          <a:effectRef idx="1">
+            <a:schemeClr val="accent6"/>
+          </a:effectRef>
+          <a:fontRef idx="minor">
+            <a:schemeClr val="dk1"/>
+          </a:fontRef>
+        </p:style>
+        <p:txBody>
+          <a:bodyPr rtlCol="0" anchor="t"/>
+          <a:lstStyle/>
+          <a:p>
+            <a:r>
+              <a:rPr lang="en-US" altLang="ko-KR" dirty="0"/>
+              <a:t>A class</a:t>
+            </a:r>
+            <a:endParaRPr lang="ko-KR" altLang="en-US" dirty="0"/>
+          </a:p>
+        </p:txBody>
+      </p:sp>
+      <p:sp>
+        <p:nvSpPr>
+          <p:cNvPr id="43" name="TextBox 42">
+            <a:extLst>
+              <a:ext uri="{FF2B5EF4-FFF2-40B4-BE49-F238E27FC236}">
+                <a16:creationId xmlns:a16="http://schemas.microsoft.com/office/drawing/2014/main" id="{871A3977-6482-99D8-153D-C6FF40C0A5C5}"/>
+              </a:ext>
+            </a:extLst>
+          </p:cNvPr>
+          <p:cNvSpPr txBox="1"/>
+          <p:nvPr/>
+        </p:nvSpPr>
+        <p:spPr>
+          <a:xfrm>
+            <a:off x="177171" y="424938"/>
+            <a:ext cx="2275115" cy="923330"/>
+          </a:xfrm>
+          <a:prstGeom prst="rect">
+            <a:avLst/>
+          </a:prstGeom>
+          <a:noFill/>
+          <a:ln>
+            <a:solidFill>
+              <a:srgbClr val="FF0000"/>
+            </a:solidFill>
+          </a:ln>
+        </p:spPr>
+        <p:txBody>
+          <a:bodyPr wrap="square" rtlCol="0">
+            <a:spAutoFit/>
+          </a:bodyPr>
+          <a:lstStyle/>
+          <a:p>
+            <a:pPr marL="285750" indent="-285750">
+              <a:buFont typeface="Arial" panose="020B0604020202020204" pitchFamily="34" charset="0"/>
+              <a:buChar char="•"/>
+            </a:pPr>
+            <a:r>
+              <a:rPr lang="ko-KR" altLang="en-US" dirty="0"/>
+              <a:t>모든 </a:t>
+            </a:r>
+            <a:r>
+              <a:rPr lang="ko-KR" altLang="en-US" b="1" dirty="0"/>
+              <a:t>명령어</a:t>
+            </a:r>
+            <a:r>
+              <a:rPr lang="ko-KR" altLang="en-US" dirty="0"/>
+              <a:t> 생성</a:t>
+            </a:r>
+            <a:endParaRPr lang="en-US" altLang="ko-KR" dirty="0"/>
+          </a:p>
+          <a:p>
+            <a:pPr marL="285750" indent="-285750">
+              <a:buFont typeface="Arial" panose="020B0604020202020204" pitchFamily="34" charset="0"/>
+              <a:buChar char="•"/>
+            </a:pPr>
+            <a:r>
+              <a:rPr lang="en-US" altLang="ko-KR" b="1" dirty="0"/>
+              <a:t>Method</a:t>
+            </a:r>
+            <a:r>
+              <a:rPr lang="en-US" altLang="ko-KR" dirty="0"/>
+              <a:t> </a:t>
+            </a:r>
+            <a:r>
+              <a:rPr lang="ko-KR" altLang="en-US" dirty="0"/>
+              <a:t>생성</a:t>
+            </a:r>
+            <a:endParaRPr lang="en-US" altLang="ko-KR" dirty="0"/>
+          </a:p>
+          <a:p>
+            <a:pPr marL="285750" indent="-285750">
+              <a:buFont typeface="Arial" panose="020B0604020202020204" pitchFamily="34" charset="0"/>
+              <a:buChar char="•"/>
+            </a:pPr>
+            <a:endParaRPr lang="en-US" altLang="ko-KR" dirty="0"/>
+          </a:p>
+        </p:txBody>
+      </p:sp>
+      <p:cxnSp>
+        <p:nvCxnSpPr>
+          <p:cNvPr id="39" name="직선 화살표 연결선 38">
+            <a:extLst>
+              <a:ext uri="{FF2B5EF4-FFF2-40B4-BE49-F238E27FC236}">
+                <a16:creationId xmlns:a16="http://schemas.microsoft.com/office/drawing/2014/main" id="{9D49235C-F654-8729-4E96-0E52737EE018}"/>
+              </a:ext>
+            </a:extLst>
+          </p:cNvPr>
+          <p:cNvCxnSpPr>
+            <a:stCxn id="3" idx="0"/>
+            <a:endCxn id="43" idx="2"/>
+          </p:cNvCxnSpPr>
+          <p:nvPr/>
+        </p:nvCxnSpPr>
+        <p:spPr>
+          <a:xfrm flipV="1">
+            <a:off x="1161252" y="1348268"/>
+            <a:ext cx="153477" cy="683161"/>
+          </a:xfrm>
+          <a:prstGeom prst="straightConnector1">
+            <a:avLst/>
+          </a:prstGeom>
+          <a:ln>
+            <a:solidFill>
+              <a:srgbClr val="FF0000"/>
+            </a:solidFill>
+            <a:tailEnd type="triangle"/>
+          </a:ln>
+        </p:spPr>
+        <p:style>
+          <a:lnRef idx="1">
+            <a:schemeClr val="accent1"/>
+          </a:lnRef>
+          <a:fillRef idx="0">
+            <a:schemeClr val="accent1"/>
+          </a:fillRef>
+          <a:effectRef idx="0">
+            <a:schemeClr val="accent1"/>
+          </a:effectRef>
+          <a:fontRef idx="minor">
+            <a:schemeClr val="tx1"/>
+          </a:fontRef>
+        </p:style>
+      </p:cxnSp>
+      <p:sp>
+        <p:nvSpPr>
+          <p:cNvPr id="63" name="직사각형 62">
+            <a:extLst>
+              <a:ext uri="{FF2B5EF4-FFF2-40B4-BE49-F238E27FC236}">
+                <a16:creationId xmlns:a16="http://schemas.microsoft.com/office/drawing/2014/main" id="{913EBF9E-CB38-639A-EAB8-866A2838A009}"/>
+              </a:ext>
+            </a:extLst>
+          </p:cNvPr>
+          <p:cNvSpPr/>
+          <p:nvPr/>
+        </p:nvSpPr>
+        <p:spPr>
+          <a:xfrm>
+            <a:off x="3962499" y="3934483"/>
+            <a:ext cx="3211286" cy="2542517"/>
+          </a:xfrm>
+          <a:prstGeom prst="rect">
+            <a:avLst/>
+          </a:prstGeom>
+        </p:spPr>
+        <p:style>
+          <a:lnRef idx="2">
+            <a:schemeClr val="accent1">
+              <a:shade val="50000"/>
+            </a:schemeClr>
+          </a:lnRef>
+          <a:fillRef idx="1">
+            <a:schemeClr val="accent1"/>
+          </a:fillRef>
+          <a:effectRef idx="0">
+            <a:schemeClr val="accent1"/>
+          </a:effectRef>
+          <a:fontRef idx="minor">
+            <a:schemeClr val="lt1"/>
+          </a:fontRef>
+        </p:style>
+        <p:txBody>
+          <a:bodyPr rtlCol="0" anchor="ctr"/>
+          <a:lstStyle/>
+          <a:p>
+            <a:pPr algn="ctr"/>
+            <a:endParaRPr lang="ko-KR" altLang="en-US"/>
+          </a:p>
+        </p:txBody>
+      </p:sp>
+      <p:sp>
+        <p:nvSpPr>
+          <p:cNvPr id="64" name="TextBox 63">
+            <a:extLst>
+              <a:ext uri="{FF2B5EF4-FFF2-40B4-BE49-F238E27FC236}">
+                <a16:creationId xmlns:a16="http://schemas.microsoft.com/office/drawing/2014/main" id="{2FC61834-7859-0746-7600-8D8318C81C18}"/>
+              </a:ext>
+            </a:extLst>
+          </p:cNvPr>
+          <p:cNvSpPr txBox="1"/>
+          <p:nvPr/>
+        </p:nvSpPr>
+        <p:spPr>
+          <a:xfrm>
+            <a:off x="3962499" y="3395822"/>
+            <a:ext cx="1861458" cy="369332"/>
+          </a:xfrm>
+          <a:prstGeom prst="rect">
+            <a:avLst/>
+          </a:prstGeom>
+        </p:spPr>
+        <p:style>
+          <a:lnRef idx="2">
+            <a:schemeClr val="accent5"/>
+          </a:lnRef>
+          <a:fillRef idx="1">
+            <a:schemeClr val="lt1"/>
+          </a:fillRef>
+          <a:effectRef idx="0">
+            <a:schemeClr val="accent5"/>
+          </a:effectRef>
+          <a:fontRef idx="minor">
+            <a:schemeClr val="dk1"/>
+          </a:fontRef>
+        </p:style>
+        <p:txBody>
+          <a:bodyPr wrap="square" rtlCol="0">
+            <a:spAutoFit/>
+          </a:bodyPr>
+          <a:lstStyle/>
+          <a:p>
+            <a:r>
+              <a:rPr lang="en-US" altLang="ko-KR" dirty="0"/>
+              <a:t>JVM Stack</a:t>
+            </a:r>
+            <a:endParaRPr lang="ko-KR" altLang="en-US" dirty="0"/>
+          </a:p>
+        </p:txBody>
+      </p:sp>
+      <p:sp>
+        <p:nvSpPr>
+          <p:cNvPr id="65" name="TextBox 64">
+            <a:extLst>
+              <a:ext uri="{FF2B5EF4-FFF2-40B4-BE49-F238E27FC236}">
+                <a16:creationId xmlns:a16="http://schemas.microsoft.com/office/drawing/2014/main" id="{C678C0C2-9E1D-D966-0DEE-B26DF71ED352}"/>
+              </a:ext>
+            </a:extLst>
+          </p:cNvPr>
+          <p:cNvSpPr txBox="1"/>
+          <p:nvPr/>
+        </p:nvSpPr>
+        <p:spPr>
+          <a:xfrm>
+            <a:off x="4061548" y="4240067"/>
+            <a:ext cx="2555012" cy="369332"/>
+          </a:xfrm>
+          <a:prstGeom prst="rect">
+            <a:avLst/>
+          </a:prstGeom>
+        </p:spPr>
+        <p:style>
+          <a:lnRef idx="2">
+            <a:schemeClr val="accent6"/>
+          </a:lnRef>
+          <a:fillRef idx="1">
+            <a:schemeClr val="lt1"/>
+          </a:fillRef>
+          <a:effectRef idx="0">
+            <a:schemeClr val="accent6"/>
+          </a:effectRef>
+          <a:fontRef idx="minor">
+            <a:schemeClr val="dk1"/>
+          </a:fontRef>
+        </p:style>
+        <p:txBody>
+          <a:bodyPr wrap="square" rtlCol="0">
+            <a:spAutoFit/>
+          </a:bodyPr>
+          <a:lstStyle/>
+          <a:p>
+            <a:r>
+              <a:rPr lang="en-US" altLang="ko-KR" dirty="0"/>
+              <a:t>3. Local </a:t>
+            </a:r>
+            <a:r>
+              <a:rPr lang="ko-KR" altLang="en-US" dirty="0"/>
+              <a:t>변수 생성</a:t>
+            </a:r>
+          </a:p>
+        </p:txBody>
+      </p:sp>
+      <p:sp>
+        <p:nvSpPr>
+          <p:cNvPr id="71" name="TextBox 70">
+            <a:extLst>
+              <a:ext uri="{FF2B5EF4-FFF2-40B4-BE49-F238E27FC236}">
+                <a16:creationId xmlns:a16="http://schemas.microsoft.com/office/drawing/2014/main" id="{34D4E101-00BF-3667-056F-B08A32EE7EDA}"/>
+              </a:ext>
+            </a:extLst>
+          </p:cNvPr>
+          <p:cNvSpPr txBox="1"/>
+          <p:nvPr/>
+        </p:nvSpPr>
+        <p:spPr>
+          <a:xfrm>
+            <a:off x="3800290" y="1235333"/>
+            <a:ext cx="3373495" cy="1200329"/>
+          </a:xfrm>
+          <a:prstGeom prst="rect">
+            <a:avLst/>
+          </a:prstGeom>
+          <a:noFill/>
+          <a:ln>
+            <a:solidFill>
+              <a:srgbClr val="FF0000"/>
+            </a:solidFill>
+          </a:ln>
+        </p:spPr>
+        <p:txBody>
+          <a:bodyPr wrap="square" rtlCol="0">
+            <a:spAutoFit/>
+          </a:bodyPr>
+          <a:lstStyle/>
+          <a:p>
+            <a:pPr marL="285750" indent="-285750">
+              <a:buFont typeface="Arial" panose="020B0604020202020204" pitchFamily="34" charset="0"/>
+              <a:buChar char="•"/>
+            </a:pPr>
+            <a:r>
+              <a:rPr lang="en-US" altLang="ko-KR" dirty="0"/>
+              <a:t>Local </a:t>
+            </a:r>
+            <a:r>
+              <a:rPr lang="ko-KR" altLang="en-US" b="1" dirty="0"/>
+              <a:t>변수</a:t>
+            </a:r>
+            <a:r>
+              <a:rPr lang="ko-KR" altLang="en-US" dirty="0"/>
+              <a:t> 생성</a:t>
+            </a:r>
+            <a:endParaRPr lang="en-US" altLang="ko-KR" dirty="0"/>
+          </a:p>
+          <a:p>
+            <a:pPr marL="285750" indent="-285750">
+              <a:buFont typeface="Arial" panose="020B0604020202020204" pitchFamily="34" charset="0"/>
+              <a:buChar char="•"/>
+            </a:pPr>
+            <a:r>
+              <a:rPr lang="ko-KR" altLang="en-US" dirty="0"/>
+              <a:t>메서드 호출시에만 생성</a:t>
+            </a:r>
+            <a:endParaRPr lang="en-US" altLang="ko-KR" dirty="0"/>
+          </a:p>
+          <a:p>
+            <a:pPr marL="285750" indent="-285750">
+              <a:buFont typeface="Arial" panose="020B0604020202020204" pitchFamily="34" charset="0"/>
+              <a:buChar char="•"/>
+            </a:pPr>
+            <a:r>
+              <a:rPr lang="ko-KR" altLang="en-US" dirty="0"/>
+              <a:t>메서드 호출 끝나면 사라짐</a:t>
+            </a:r>
+            <a:endParaRPr lang="en-US" altLang="ko-KR" dirty="0"/>
+          </a:p>
+          <a:p>
+            <a:pPr marL="285750" indent="-285750">
+              <a:buFont typeface="Arial" panose="020B0604020202020204" pitchFamily="34" charset="0"/>
+              <a:buChar char="•"/>
+            </a:pPr>
+            <a:endParaRPr lang="en-US" altLang="ko-KR" dirty="0"/>
+          </a:p>
+        </p:txBody>
+      </p:sp>
+      <p:sp>
+        <p:nvSpPr>
+          <p:cNvPr id="72" name="TextBox 71">
+            <a:extLst>
+              <a:ext uri="{FF2B5EF4-FFF2-40B4-BE49-F238E27FC236}">
+                <a16:creationId xmlns:a16="http://schemas.microsoft.com/office/drawing/2014/main" id="{FF69A95E-CD91-2395-3EA4-E6F720E8F7B9}"/>
+              </a:ext>
+            </a:extLst>
+          </p:cNvPr>
+          <p:cNvSpPr txBox="1"/>
+          <p:nvPr/>
+        </p:nvSpPr>
+        <p:spPr>
+          <a:xfrm>
+            <a:off x="4221245" y="4722253"/>
+            <a:ext cx="723590" cy="369332"/>
+          </a:xfrm>
+          <a:prstGeom prst="rect">
+            <a:avLst/>
+          </a:prstGeom>
+        </p:spPr>
+        <p:style>
+          <a:lnRef idx="2">
+            <a:schemeClr val="accent4"/>
+          </a:lnRef>
+          <a:fillRef idx="1">
+            <a:schemeClr val="lt1"/>
+          </a:fillRef>
+          <a:effectRef idx="0">
+            <a:schemeClr val="accent4"/>
+          </a:effectRef>
+          <a:fontRef idx="minor">
+            <a:schemeClr val="dk1"/>
+          </a:fontRef>
+        </p:style>
+        <p:txBody>
+          <a:bodyPr wrap="square" rtlCol="0">
+            <a:spAutoFit/>
+          </a:bodyPr>
+          <a:lstStyle/>
+          <a:p>
+            <a:r>
+              <a:rPr lang="en-US" altLang="ko-KR" dirty="0"/>
+              <a:t>obj1</a:t>
+            </a:r>
+            <a:endParaRPr lang="ko-KR" altLang="en-US" dirty="0"/>
+          </a:p>
+        </p:txBody>
+      </p:sp>
+      <p:cxnSp>
+        <p:nvCxnSpPr>
+          <p:cNvPr id="73" name="직선 화살표 연결선 72">
+            <a:extLst>
+              <a:ext uri="{FF2B5EF4-FFF2-40B4-BE49-F238E27FC236}">
+                <a16:creationId xmlns:a16="http://schemas.microsoft.com/office/drawing/2014/main" id="{3608EACB-0643-722D-4D43-D8D6E9330893}"/>
+              </a:ext>
+            </a:extLst>
+          </p:cNvPr>
+          <p:cNvCxnSpPr>
+            <a:cxnSpLocks/>
+            <a:stCxn id="64" idx="0"/>
+            <a:endCxn id="71" idx="2"/>
+          </p:cNvCxnSpPr>
+          <p:nvPr/>
+        </p:nvCxnSpPr>
+        <p:spPr>
+          <a:xfrm flipV="1">
+            <a:off x="4893228" y="2435662"/>
+            <a:ext cx="593810" cy="960160"/>
+          </a:xfrm>
+          <a:prstGeom prst="straightConnector1">
+            <a:avLst/>
+          </a:prstGeom>
+          <a:ln>
+            <a:solidFill>
+              <a:srgbClr val="FF0000"/>
+            </a:solidFill>
+            <a:tailEnd type="triangle"/>
+          </a:ln>
+        </p:spPr>
+        <p:style>
+          <a:lnRef idx="1">
+            <a:schemeClr val="accent1"/>
+          </a:lnRef>
+          <a:fillRef idx="0">
+            <a:schemeClr val="accent1"/>
+          </a:fillRef>
+          <a:effectRef idx="0">
+            <a:schemeClr val="accent1"/>
+          </a:effectRef>
+          <a:fontRef idx="minor">
+            <a:schemeClr val="tx1"/>
+          </a:fontRef>
+        </p:style>
+      </p:cxnSp>
+      <p:sp>
+        <p:nvSpPr>
+          <p:cNvPr id="74" name="직사각형 73">
+            <a:extLst>
+              <a:ext uri="{FF2B5EF4-FFF2-40B4-BE49-F238E27FC236}">
+                <a16:creationId xmlns:a16="http://schemas.microsoft.com/office/drawing/2014/main" id="{E30AF10A-BAB0-06E8-74DB-173F4D3BF2F0}"/>
+              </a:ext>
+            </a:extLst>
+          </p:cNvPr>
+          <p:cNvSpPr/>
+          <p:nvPr/>
+        </p:nvSpPr>
+        <p:spPr>
+          <a:xfrm>
+            <a:off x="7758482" y="3015343"/>
+            <a:ext cx="3211286" cy="3461657"/>
+          </a:xfrm>
+          <a:prstGeom prst="rect">
+            <a:avLst/>
+          </a:prstGeom>
+        </p:spPr>
+        <p:style>
+          <a:lnRef idx="2">
+            <a:schemeClr val="accent1">
+              <a:shade val="50000"/>
+            </a:schemeClr>
+          </a:lnRef>
+          <a:fillRef idx="1">
+            <a:schemeClr val="accent1"/>
+          </a:fillRef>
+          <a:effectRef idx="0">
+            <a:schemeClr val="accent1"/>
+          </a:effectRef>
+          <a:fontRef idx="minor">
+            <a:schemeClr val="lt1"/>
+          </a:fontRef>
+        </p:style>
+        <p:txBody>
+          <a:bodyPr rtlCol="0" anchor="ctr"/>
+          <a:lstStyle/>
+          <a:p>
+            <a:pPr algn="ctr"/>
+            <a:endParaRPr lang="ko-KR" altLang="en-US"/>
+          </a:p>
+        </p:txBody>
+      </p:sp>
+      <p:sp>
+        <p:nvSpPr>
+          <p:cNvPr id="75" name="TextBox 74">
+            <a:extLst>
+              <a:ext uri="{FF2B5EF4-FFF2-40B4-BE49-F238E27FC236}">
+                <a16:creationId xmlns:a16="http://schemas.microsoft.com/office/drawing/2014/main" id="{585E2F26-667F-40BB-F23C-3CF581C4D4E1}"/>
+              </a:ext>
+            </a:extLst>
+          </p:cNvPr>
+          <p:cNvSpPr txBox="1"/>
+          <p:nvPr/>
+        </p:nvSpPr>
+        <p:spPr>
+          <a:xfrm>
+            <a:off x="7946149" y="2250085"/>
+            <a:ext cx="1861458" cy="369332"/>
+          </a:xfrm>
+          <a:prstGeom prst="rect">
+            <a:avLst/>
+          </a:prstGeom>
+        </p:spPr>
+        <p:style>
+          <a:lnRef idx="2">
+            <a:schemeClr val="accent5"/>
+          </a:lnRef>
+          <a:fillRef idx="1">
+            <a:schemeClr val="lt1"/>
+          </a:fillRef>
+          <a:effectRef idx="0">
+            <a:schemeClr val="accent5"/>
+          </a:effectRef>
+          <a:fontRef idx="minor">
+            <a:schemeClr val="dk1"/>
+          </a:fontRef>
+        </p:style>
+        <p:txBody>
+          <a:bodyPr wrap="square" rtlCol="0">
+            <a:spAutoFit/>
+          </a:bodyPr>
+          <a:lstStyle/>
+          <a:p>
+            <a:r>
+              <a:rPr lang="en-US" altLang="ko-KR" dirty="0"/>
+              <a:t>Heap</a:t>
+            </a:r>
+            <a:endParaRPr lang="ko-KR" altLang="en-US" dirty="0"/>
+          </a:p>
+        </p:txBody>
+      </p:sp>
+      <p:sp>
+        <p:nvSpPr>
+          <p:cNvPr id="80" name="TextBox 79">
+            <a:extLst>
+              <a:ext uri="{FF2B5EF4-FFF2-40B4-BE49-F238E27FC236}">
+                <a16:creationId xmlns:a16="http://schemas.microsoft.com/office/drawing/2014/main" id="{533C5A1B-56AF-D239-E48F-9F40098DBD83}"/>
+              </a:ext>
+            </a:extLst>
+          </p:cNvPr>
+          <p:cNvSpPr txBox="1"/>
+          <p:nvPr/>
+        </p:nvSpPr>
+        <p:spPr>
+          <a:xfrm>
+            <a:off x="7892797" y="643594"/>
+            <a:ext cx="3211286" cy="1200329"/>
+          </a:xfrm>
+          <a:prstGeom prst="rect">
+            <a:avLst/>
+          </a:prstGeom>
+          <a:noFill/>
+          <a:ln>
+            <a:solidFill>
+              <a:srgbClr val="FF0000"/>
+            </a:solidFill>
+          </a:ln>
+        </p:spPr>
+        <p:txBody>
+          <a:bodyPr wrap="square" rtlCol="0">
+            <a:spAutoFit/>
+          </a:bodyPr>
+          <a:lstStyle/>
+          <a:p>
+            <a:r>
+              <a:rPr lang="en-US" altLang="ko-KR" b="1" dirty="0"/>
+              <a:t>New</a:t>
+            </a:r>
+            <a:r>
+              <a:rPr lang="en-US" altLang="ko-KR" dirty="0"/>
+              <a:t> </a:t>
+            </a:r>
+            <a:r>
+              <a:rPr lang="ko-KR" altLang="en-US" dirty="0"/>
+              <a:t>했을 때</a:t>
+            </a:r>
+            <a:r>
+              <a:rPr lang="en-US" altLang="ko-KR" dirty="0"/>
+              <a:t>,</a:t>
+            </a:r>
+          </a:p>
+          <a:p>
+            <a:r>
+              <a:rPr lang="en-US" altLang="ko-KR" dirty="0"/>
+              <a:t>Instance</a:t>
+            </a:r>
+            <a:r>
+              <a:rPr lang="ko-KR" altLang="en-US" dirty="0"/>
+              <a:t> </a:t>
+            </a:r>
+            <a:r>
+              <a:rPr lang="ko-KR" altLang="en-US" b="1" dirty="0"/>
+              <a:t>변수</a:t>
+            </a:r>
+            <a:r>
+              <a:rPr lang="ko-KR" altLang="en-US" dirty="0"/>
+              <a:t> 생성</a:t>
+            </a:r>
+            <a:endParaRPr lang="en-US" altLang="ko-KR" dirty="0"/>
+          </a:p>
+          <a:p>
+            <a:r>
+              <a:rPr lang="en-US" altLang="ko-KR" b="1" dirty="0"/>
+              <a:t>Heap</a:t>
+            </a:r>
+            <a:r>
+              <a:rPr lang="ko-KR" altLang="en-US" b="1" dirty="0"/>
+              <a:t>에는 메소드 생성</a:t>
+            </a:r>
+            <a:r>
+              <a:rPr lang="en-US" altLang="ko-KR" b="1" dirty="0"/>
+              <a:t>X</a:t>
+            </a:r>
+          </a:p>
+          <a:p>
+            <a:endParaRPr lang="en-US" altLang="ko-KR" dirty="0"/>
+          </a:p>
+        </p:txBody>
+      </p:sp>
+      <p:cxnSp>
+        <p:nvCxnSpPr>
+          <p:cNvPr id="82" name="직선 화살표 연결선 81">
+            <a:extLst>
+              <a:ext uri="{FF2B5EF4-FFF2-40B4-BE49-F238E27FC236}">
+                <a16:creationId xmlns:a16="http://schemas.microsoft.com/office/drawing/2014/main" id="{34D7CB79-4C5B-0D0C-9CE6-CEBFDCA0F17A}"/>
+              </a:ext>
+            </a:extLst>
+          </p:cNvPr>
+          <p:cNvCxnSpPr>
+            <a:cxnSpLocks/>
+            <a:stCxn id="75" idx="0"/>
+            <a:endCxn id="80" idx="2"/>
+          </p:cNvCxnSpPr>
+          <p:nvPr/>
+        </p:nvCxnSpPr>
+        <p:spPr>
+          <a:xfrm flipV="1">
+            <a:off x="8876878" y="1843923"/>
+            <a:ext cx="621562" cy="406162"/>
+          </a:xfrm>
+          <a:prstGeom prst="straightConnector1">
+            <a:avLst/>
+          </a:prstGeom>
+          <a:ln>
+            <a:solidFill>
+              <a:srgbClr val="FF0000"/>
+            </a:solidFill>
+            <a:tailEnd type="triangle"/>
+          </a:ln>
+        </p:spPr>
+        <p:style>
+          <a:lnRef idx="1">
+            <a:schemeClr val="accent1"/>
+          </a:lnRef>
+          <a:fillRef idx="0">
+            <a:schemeClr val="accent1"/>
+          </a:fillRef>
+          <a:effectRef idx="0">
+            <a:schemeClr val="accent1"/>
+          </a:effectRef>
+          <a:fontRef idx="minor">
+            <a:schemeClr val="tx1"/>
+          </a:fontRef>
+        </p:style>
+      </p:cxnSp>
+      <p:sp>
+        <p:nvSpPr>
+          <p:cNvPr id="87" name="TextBox 86">
+            <a:extLst>
+              <a:ext uri="{FF2B5EF4-FFF2-40B4-BE49-F238E27FC236}">
+                <a16:creationId xmlns:a16="http://schemas.microsoft.com/office/drawing/2014/main" id="{9150F6FB-BDB8-5B98-F01B-F6E2417BFEA4}"/>
+              </a:ext>
+            </a:extLst>
+          </p:cNvPr>
+          <p:cNvSpPr txBox="1"/>
+          <p:nvPr/>
+        </p:nvSpPr>
+        <p:spPr>
+          <a:xfrm>
+            <a:off x="4221245" y="5105433"/>
+            <a:ext cx="1022316" cy="369332"/>
+          </a:xfrm>
+          <a:prstGeom prst="rect">
+            <a:avLst/>
+          </a:prstGeom>
+        </p:spPr>
+        <p:style>
+          <a:lnRef idx="2">
+            <a:schemeClr val="accent4">
+              <a:shade val="50000"/>
+            </a:schemeClr>
+          </a:lnRef>
+          <a:fillRef idx="1">
+            <a:schemeClr val="accent4"/>
+          </a:fillRef>
+          <a:effectRef idx="0">
+            <a:schemeClr val="accent4"/>
+          </a:effectRef>
+          <a:fontRef idx="minor">
+            <a:schemeClr val="lt1"/>
+          </a:fontRef>
+        </p:style>
+        <p:txBody>
+          <a:bodyPr wrap="square" rtlCol="0">
+            <a:spAutoFit/>
+          </a:bodyPr>
+          <a:lstStyle/>
+          <a:p>
+            <a:pPr algn="ctr"/>
+            <a:r>
+              <a:rPr lang="en-US" altLang="ko-KR" dirty="0"/>
+              <a:t>200</a:t>
+            </a:r>
+            <a:endParaRPr lang="ko-KR" altLang="en-US" dirty="0"/>
+          </a:p>
+        </p:txBody>
+      </p:sp>
+      <p:sp>
+        <p:nvSpPr>
+          <p:cNvPr id="88" name="TextBox 87">
+            <a:extLst>
+              <a:ext uri="{FF2B5EF4-FFF2-40B4-BE49-F238E27FC236}">
+                <a16:creationId xmlns:a16="http://schemas.microsoft.com/office/drawing/2014/main" id="{1510F588-A1BA-F277-3110-C6B81983F20B}"/>
+              </a:ext>
+            </a:extLst>
+          </p:cNvPr>
+          <p:cNvSpPr txBox="1"/>
+          <p:nvPr/>
+        </p:nvSpPr>
+        <p:spPr>
+          <a:xfrm>
+            <a:off x="5546123" y="5091585"/>
+            <a:ext cx="1022316" cy="369332"/>
+          </a:xfrm>
+          <a:prstGeom prst="rect">
+            <a:avLst/>
+          </a:prstGeom>
+        </p:spPr>
+        <p:style>
+          <a:lnRef idx="2">
+            <a:schemeClr val="accent4">
+              <a:shade val="50000"/>
+            </a:schemeClr>
+          </a:lnRef>
+          <a:fillRef idx="1">
+            <a:schemeClr val="accent4"/>
+          </a:fillRef>
+          <a:effectRef idx="0">
+            <a:schemeClr val="accent4"/>
+          </a:effectRef>
+          <a:fontRef idx="minor">
+            <a:schemeClr val="lt1"/>
+          </a:fontRef>
+        </p:style>
+        <p:txBody>
+          <a:bodyPr wrap="square" rtlCol="0">
+            <a:spAutoFit/>
+          </a:bodyPr>
+          <a:lstStyle/>
+          <a:p>
+            <a:pPr algn="ctr"/>
+            <a:r>
+              <a:rPr lang="en-US" altLang="ko-KR" dirty="0"/>
+              <a:t>400</a:t>
+            </a:r>
+            <a:endParaRPr lang="ko-KR" altLang="en-US" dirty="0"/>
+          </a:p>
+        </p:txBody>
+      </p:sp>
+      <p:sp>
+        <p:nvSpPr>
+          <p:cNvPr id="89" name="TextBox 88">
+            <a:extLst>
+              <a:ext uri="{FF2B5EF4-FFF2-40B4-BE49-F238E27FC236}">
+                <a16:creationId xmlns:a16="http://schemas.microsoft.com/office/drawing/2014/main" id="{F31F441F-171C-BFA1-2B0B-BDCC62873FC3}"/>
+              </a:ext>
+            </a:extLst>
+          </p:cNvPr>
+          <p:cNvSpPr txBox="1"/>
+          <p:nvPr/>
+        </p:nvSpPr>
+        <p:spPr>
+          <a:xfrm>
+            <a:off x="5554126" y="4736101"/>
+            <a:ext cx="723590" cy="369332"/>
+          </a:xfrm>
+          <a:prstGeom prst="rect">
+            <a:avLst/>
+          </a:prstGeom>
+        </p:spPr>
+        <p:style>
+          <a:lnRef idx="2">
+            <a:schemeClr val="accent4"/>
+          </a:lnRef>
+          <a:fillRef idx="1">
+            <a:schemeClr val="lt1"/>
+          </a:fillRef>
+          <a:effectRef idx="0">
+            <a:schemeClr val="accent4"/>
+          </a:effectRef>
+          <a:fontRef idx="minor">
+            <a:schemeClr val="dk1"/>
+          </a:fontRef>
+        </p:style>
+        <p:txBody>
+          <a:bodyPr wrap="square" rtlCol="0">
+            <a:spAutoFit/>
+          </a:bodyPr>
+          <a:lstStyle/>
+          <a:p>
+            <a:r>
+              <a:rPr lang="en-US" altLang="ko-KR" dirty="0"/>
+              <a:t>obj2</a:t>
+            </a:r>
+            <a:endParaRPr lang="ko-KR" altLang="en-US" dirty="0"/>
+          </a:p>
+        </p:txBody>
+      </p:sp>
+      <p:sp>
+        <p:nvSpPr>
+          <p:cNvPr id="49" name="TextBox 48">
+            <a:extLst>
+              <a:ext uri="{FF2B5EF4-FFF2-40B4-BE49-F238E27FC236}">
+                <a16:creationId xmlns:a16="http://schemas.microsoft.com/office/drawing/2014/main" id="{31C5A4EE-DD67-E8C9-A802-D2CF4A550BAD}"/>
+              </a:ext>
+            </a:extLst>
+          </p:cNvPr>
+          <p:cNvSpPr txBox="1"/>
+          <p:nvPr/>
+        </p:nvSpPr>
+        <p:spPr>
+          <a:xfrm>
+            <a:off x="1096141" y="3765154"/>
+            <a:ext cx="1404257" cy="1200329"/>
+          </a:xfrm>
+          <a:prstGeom prst="rect">
+            <a:avLst/>
+          </a:prstGeom>
+        </p:spPr>
+        <p:style>
+          <a:lnRef idx="2">
+            <a:schemeClr val="accent4"/>
+          </a:lnRef>
+          <a:fillRef idx="1">
+            <a:schemeClr val="lt1"/>
+          </a:fillRef>
+          <a:effectRef idx="0">
+            <a:schemeClr val="accent4"/>
+          </a:effectRef>
+          <a:fontRef idx="minor">
+            <a:schemeClr val="dk1"/>
+          </a:fontRef>
+        </p:style>
+        <p:txBody>
+          <a:bodyPr wrap="square" rtlCol="0">
+            <a:spAutoFit/>
+          </a:bodyPr>
+          <a:lstStyle/>
+          <a:p>
+            <a:r>
+              <a:rPr lang="en-US" altLang="ko-KR" dirty="0"/>
+              <a:t>2. Class</a:t>
+            </a:r>
+          </a:p>
+          <a:p>
+            <a:r>
+              <a:rPr lang="ko-KR" altLang="en-US" dirty="0"/>
+              <a:t>변수 생성</a:t>
+            </a:r>
+            <a:endParaRPr lang="en-US" altLang="ko-KR" dirty="0"/>
+          </a:p>
+          <a:p>
+            <a:r>
+              <a:rPr lang="en-US" altLang="ko-KR" dirty="0"/>
+              <a:t>(</a:t>
+            </a:r>
+            <a:r>
+              <a:rPr lang="ko-KR" altLang="en-US" dirty="0"/>
+              <a:t>단</a:t>
+            </a:r>
+            <a:r>
+              <a:rPr lang="en-US" altLang="ko-KR" dirty="0"/>
+              <a:t> </a:t>
+            </a:r>
+            <a:r>
+              <a:rPr lang="ko-KR" altLang="en-US" dirty="0"/>
+              <a:t>한 번만 로딩 됨</a:t>
+            </a:r>
+            <a:r>
+              <a:rPr lang="en-US" altLang="ko-KR" dirty="0"/>
+              <a:t>)</a:t>
+            </a:r>
+          </a:p>
+        </p:txBody>
+      </p:sp>
+      <p:sp>
+        <p:nvSpPr>
+          <p:cNvPr id="31" name="TextBox 30">
+            <a:extLst>
+              <a:ext uri="{FF2B5EF4-FFF2-40B4-BE49-F238E27FC236}">
+                <a16:creationId xmlns:a16="http://schemas.microsoft.com/office/drawing/2014/main" id="{0B752293-3A50-3AC5-76CF-1E1946684606}"/>
+              </a:ext>
+            </a:extLst>
+          </p:cNvPr>
+          <p:cNvSpPr txBox="1"/>
+          <p:nvPr/>
+        </p:nvSpPr>
+        <p:spPr>
+          <a:xfrm>
+            <a:off x="414541" y="3769116"/>
+            <a:ext cx="523578" cy="369332"/>
+          </a:xfrm>
+          <a:prstGeom prst="rect">
+            <a:avLst/>
+          </a:prstGeom>
+        </p:spPr>
+        <p:style>
+          <a:lnRef idx="2">
+            <a:schemeClr val="accent4">
+              <a:shade val="50000"/>
+            </a:schemeClr>
+          </a:lnRef>
+          <a:fillRef idx="1">
+            <a:schemeClr val="accent4"/>
+          </a:fillRef>
+          <a:effectRef idx="0">
+            <a:schemeClr val="accent4"/>
+          </a:effectRef>
+          <a:fontRef idx="minor">
+            <a:schemeClr val="lt1"/>
+          </a:fontRef>
+        </p:style>
+        <p:txBody>
+          <a:bodyPr wrap="square" rtlCol="0">
+            <a:spAutoFit/>
+          </a:bodyPr>
+          <a:lstStyle/>
+          <a:p>
+            <a:pPr algn="ctr"/>
+            <a:r>
+              <a:rPr lang="en-US" altLang="ko-KR" dirty="0"/>
+              <a:t>c</a:t>
+            </a:r>
+            <a:endParaRPr lang="ko-KR" altLang="en-US" dirty="0"/>
+          </a:p>
+        </p:txBody>
+      </p:sp>
+      <p:sp>
+        <p:nvSpPr>
+          <p:cNvPr id="96" name="TextBox 95">
+            <a:extLst>
+              <a:ext uri="{FF2B5EF4-FFF2-40B4-BE49-F238E27FC236}">
+                <a16:creationId xmlns:a16="http://schemas.microsoft.com/office/drawing/2014/main" id="{3E765CD3-33C6-42A8-75E4-04D83305E2B6}"/>
+              </a:ext>
+            </a:extLst>
+          </p:cNvPr>
+          <p:cNvSpPr txBox="1"/>
+          <p:nvPr/>
+        </p:nvSpPr>
+        <p:spPr>
+          <a:xfrm>
+            <a:off x="414541" y="5276251"/>
+            <a:ext cx="523578" cy="369332"/>
+          </a:xfrm>
+          <a:prstGeom prst="rect">
+            <a:avLst/>
+          </a:prstGeom>
+        </p:spPr>
+        <p:style>
+          <a:lnRef idx="2">
+            <a:schemeClr val="accent4">
+              <a:shade val="50000"/>
+            </a:schemeClr>
+          </a:lnRef>
+          <a:fillRef idx="1">
+            <a:schemeClr val="accent4"/>
+          </a:fillRef>
+          <a:effectRef idx="0">
+            <a:schemeClr val="accent4"/>
+          </a:effectRef>
+          <a:fontRef idx="minor">
+            <a:schemeClr val="lt1"/>
+          </a:fontRef>
+        </p:style>
+        <p:txBody>
+          <a:bodyPr wrap="square" rtlCol="0">
+            <a:spAutoFit/>
+          </a:bodyPr>
+          <a:lstStyle/>
+          <a:p>
+            <a:pPr algn="ctr"/>
+            <a:r>
+              <a:rPr lang="en-US" altLang="ko-KR" dirty="0"/>
+              <a:t>m</a:t>
+            </a:r>
+            <a:endParaRPr lang="ko-KR" altLang="en-US" dirty="0"/>
+          </a:p>
+        </p:txBody>
+      </p:sp>
+      <p:sp>
+        <p:nvSpPr>
+          <p:cNvPr id="100" name="TextBox 99">
+            <a:extLst>
+              <a:ext uri="{FF2B5EF4-FFF2-40B4-BE49-F238E27FC236}">
+                <a16:creationId xmlns:a16="http://schemas.microsoft.com/office/drawing/2014/main" id="{AF0832E0-E50E-470C-1E5D-B70C2B1552BC}"/>
+              </a:ext>
+            </a:extLst>
+          </p:cNvPr>
+          <p:cNvSpPr txBox="1"/>
+          <p:nvPr/>
+        </p:nvSpPr>
+        <p:spPr>
+          <a:xfrm>
+            <a:off x="1074737" y="5308941"/>
+            <a:ext cx="2299094" cy="923330"/>
+          </a:xfrm>
+          <a:prstGeom prst="rect">
+            <a:avLst/>
+          </a:prstGeom>
+        </p:spPr>
+        <p:style>
+          <a:lnRef idx="2">
+            <a:schemeClr val="accent4"/>
+          </a:lnRef>
+          <a:fillRef idx="1">
+            <a:schemeClr val="lt1"/>
+          </a:fillRef>
+          <a:effectRef idx="0">
+            <a:schemeClr val="accent4"/>
+          </a:effectRef>
+          <a:fontRef idx="minor">
+            <a:schemeClr val="dk1"/>
+          </a:fontRef>
+        </p:style>
+        <p:txBody>
+          <a:bodyPr wrap="square" rtlCol="0">
+            <a:spAutoFit/>
+          </a:bodyPr>
+          <a:lstStyle/>
+          <a:p>
+            <a:r>
+              <a:rPr lang="en-US" altLang="ko-KR" dirty="0"/>
+              <a:t>Instance method</a:t>
+            </a:r>
+            <a:r>
+              <a:rPr lang="ko-KR" altLang="en-US" dirty="0"/>
+              <a:t>도 </a:t>
+            </a:r>
+            <a:r>
+              <a:rPr lang="en-US" altLang="ko-KR" dirty="0"/>
+              <a:t>method area</a:t>
+            </a:r>
+            <a:r>
+              <a:rPr lang="ko-KR" altLang="en-US" dirty="0"/>
+              <a:t>에</a:t>
+            </a:r>
+            <a:endParaRPr lang="en-US" altLang="ko-KR" dirty="0"/>
+          </a:p>
+          <a:p>
+            <a:r>
+              <a:rPr lang="ko-KR" altLang="en-US" dirty="0"/>
+              <a:t>생성된다</a:t>
+            </a:r>
+            <a:r>
+              <a:rPr lang="en-US" altLang="ko-KR" dirty="0"/>
+              <a:t>!!</a:t>
+            </a:r>
+          </a:p>
+        </p:txBody>
+      </p:sp>
+      <p:sp>
+        <p:nvSpPr>
+          <p:cNvPr id="101" name="직사각형 100">
+            <a:extLst>
+              <a:ext uri="{FF2B5EF4-FFF2-40B4-BE49-F238E27FC236}">
+                <a16:creationId xmlns:a16="http://schemas.microsoft.com/office/drawing/2014/main" id="{C31D2F35-54DB-EBAA-11B4-F498DAB954BC}"/>
+              </a:ext>
+            </a:extLst>
+          </p:cNvPr>
+          <p:cNvSpPr/>
+          <p:nvPr/>
+        </p:nvSpPr>
+        <p:spPr>
+          <a:xfrm>
+            <a:off x="7892797" y="3306162"/>
+            <a:ext cx="2829632" cy="1327580"/>
+          </a:xfrm>
+          <a:prstGeom prst="rect">
+            <a:avLst/>
+          </a:prstGeom>
+        </p:spPr>
+        <p:style>
+          <a:lnRef idx="1">
+            <a:schemeClr val="accent6"/>
+          </a:lnRef>
+          <a:fillRef idx="2">
+            <a:schemeClr val="accent6"/>
+          </a:fillRef>
+          <a:effectRef idx="1">
+            <a:schemeClr val="accent6"/>
+          </a:effectRef>
+          <a:fontRef idx="minor">
+            <a:schemeClr val="dk1"/>
+          </a:fontRef>
+        </p:style>
+        <p:txBody>
+          <a:bodyPr rtlCol="0" anchor="t"/>
+          <a:lstStyle/>
+          <a:p>
+            <a:r>
+              <a:rPr lang="en-US" altLang="ko-KR" dirty="0"/>
+              <a:t>200(obj1)</a:t>
+            </a:r>
+            <a:endParaRPr lang="ko-KR" altLang="en-US" dirty="0"/>
+          </a:p>
+        </p:txBody>
+      </p:sp>
+      <p:sp>
+        <p:nvSpPr>
+          <p:cNvPr id="91" name="TextBox 90">
+            <a:extLst>
+              <a:ext uri="{FF2B5EF4-FFF2-40B4-BE49-F238E27FC236}">
+                <a16:creationId xmlns:a16="http://schemas.microsoft.com/office/drawing/2014/main" id="{4ACD0544-0BAF-EEBF-7C78-AE2D4133540A}"/>
+              </a:ext>
+            </a:extLst>
+          </p:cNvPr>
+          <p:cNvSpPr txBox="1"/>
+          <p:nvPr/>
+        </p:nvSpPr>
+        <p:spPr>
+          <a:xfrm>
+            <a:off x="8031245" y="3684896"/>
+            <a:ext cx="723590" cy="369332"/>
+          </a:xfrm>
+          <a:prstGeom prst="rect">
+            <a:avLst/>
+          </a:prstGeom>
+        </p:spPr>
+        <p:style>
+          <a:lnRef idx="2">
+            <a:schemeClr val="accent4"/>
+          </a:lnRef>
+          <a:fillRef idx="1">
+            <a:schemeClr val="lt1"/>
+          </a:fillRef>
+          <a:effectRef idx="0">
+            <a:schemeClr val="accent4"/>
+          </a:effectRef>
+          <a:fontRef idx="minor">
+            <a:schemeClr val="dk1"/>
+          </a:fontRef>
+        </p:style>
+        <p:txBody>
+          <a:bodyPr wrap="square" rtlCol="0">
+            <a:spAutoFit/>
+          </a:bodyPr>
+          <a:lstStyle/>
+          <a:p>
+            <a:pPr algn="ctr"/>
+            <a:r>
+              <a:rPr lang="en-US" altLang="ko-KR" dirty="0"/>
+              <a:t>a</a:t>
+            </a:r>
+            <a:endParaRPr lang="ko-KR" altLang="en-US" dirty="0"/>
+          </a:p>
+        </p:txBody>
+      </p:sp>
+      <p:sp>
+        <p:nvSpPr>
+          <p:cNvPr id="92" name="TextBox 91">
+            <a:extLst>
+              <a:ext uri="{FF2B5EF4-FFF2-40B4-BE49-F238E27FC236}">
+                <a16:creationId xmlns:a16="http://schemas.microsoft.com/office/drawing/2014/main" id="{CEA69DA5-7E35-7C6B-1AF1-6DDE3F4FA6D6}"/>
+              </a:ext>
+            </a:extLst>
+          </p:cNvPr>
+          <p:cNvSpPr txBox="1"/>
+          <p:nvPr/>
+        </p:nvSpPr>
+        <p:spPr>
+          <a:xfrm>
+            <a:off x="8031245" y="4068076"/>
+            <a:ext cx="1022316" cy="369332"/>
+          </a:xfrm>
+          <a:prstGeom prst="rect">
+            <a:avLst/>
+          </a:prstGeom>
+        </p:spPr>
+        <p:style>
+          <a:lnRef idx="2">
+            <a:schemeClr val="accent4">
+              <a:shade val="50000"/>
+            </a:schemeClr>
+          </a:lnRef>
+          <a:fillRef idx="1">
+            <a:schemeClr val="accent4"/>
+          </a:fillRef>
+          <a:effectRef idx="0">
+            <a:schemeClr val="accent4"/>
+          </a:effectRef>
+          <a:fontRef idx="minor">
+            <a:schemeClr val="lt1"/>
+          </a:fontRef>
+        </p:style>
+        <p:txBody>
+          <a:bodyPr wrap="square" rtlCol="0">
+            <a:spAutoFit/>
+          </a:bodyPr>
+          <a:lstStyle/>
+          <a:p>
+            <a:pPr algn="ctr"/>
+            <a:endParaRPr lang="ko-KR" altLang="en-US" dirty="0"/>
+          </a:p>
+        </p:txBody>
+      </p:sp>
+      <p:sp>
+        <p:nvSpPr>
+          <p:cNvPr id="93" name="TextBox 92">
+            <a:extLst>
+              <a:ext uri="{FF2B5EF4-FFF2-40B4-BE49-F238E27FC236}">
+                <a16:creationId xmlns:a16="http://schemas.microsoft.com/office/drawing/2014/main" id="{A5148E1A-F20A-4AEA-3B56-7069AB844AFA}"/>
+              </a:ext>
+            </a:extLst>
+          </p:cNvPr>
+          <p:cNvSpPr txBox="1"/>
+          <p:nvPr/>
+        </p:nvSpPr>
+        <p:spPr>
+          <a:xfrm>
+            <a:off x="9356123" y="4054228"/>
+            <a:ext cx="1022316" cy="369332"/>
+          </a:xfrm>
+          <a:prstGeom prst="rect">
+            <a:avLst/>
+          </a:prstGeom>
+        </p:spPr>
+        <p:style>
+          <a:lnRef idx="2">
+            <a:schemeClr val="accent4">
+              <a:shade val="50000"/>
+            </a:schemeClr>
+          </a:lnRef>
+          <a:fillRef idx="1">
+            <a:schemeClr val="accent4"/>
+          </a:fillRef>
+          <a:effectRef idx="0">
+            <a:schemeClr val="accent4"/>
+          </a:effectRef>
+          <a:fontRef idx="minor">
+            <a:schemeClr val="lt1"/>
+          </a:fontRef>
+        </p:style>
+        <p:txBody>
+          <a:bodyPr wrap="square" rtlCol="0">
+            <a:spAutoFit/>
+          </a:bodyPr>
+          <a:lstStyle/>
+          <a:p>
+            <a:pPr algn="ctr"/>
+            <a:endParaRPr lang="ko-KR" altLang="en-US" dirty="0"/>
+          </a:p>
+        </p:txBody>
+      </p:sp>
+      <p:sp>
+        <p:nvSpPr>
+          <p:cNvPr id="95" name="TextBox 94">
+            <a:extLst>
+              <a:ext uri="{FF2B5EF4-FFF2-40B4-BE49-F238E27FC236}">
+                <a16:creationId xmlns:a16="http://schemas.microsoft.com/office/drawing/2014/main" id="{C0624111-A8FD-96CE-D1C1-D4710E7203B6}"/>
+              </a:ext>
+            </a:extLst>
+          </p:cNvPr>
+          <p:cNvSpPr txBox="1"/>
+          <p:nvPr/>
+        </p:nvSpPr>
+        <p:spPr>
+          <a:xfrm>
+            <a:off x="9339532" y="3677722"/>
+            <a:ext cx="723590" cy="369332"/>
+          </a:xfrm>
+          <a:prstGeom prst="rect">
+            <a:avLst/>
+          </a:prstGeom>
+        </p:spPr>
+        <p:style>
+          <a:lnRef idx="2">
+            <a:schemeClr val="accent4"/>
+          </a:lnRef>
+          <a:fillRef idx="1">
+            <a:schemeClr val="lt1"/>
+          </a:fillRef>
+          <a:effectRef idx="0">
+            <a:schemeClr val="accent4"/>
+          </a:effectRef>
+          <a:fontRef idx="minor">
+            <a:schemeClr val="dk1"/>
+          </a:fontRef>
+        </p:style>
+        <p:txBody>
+          <a:bodyPr wrap="square" rtlCol="0">
+            <a:spAutoFit/>
+          </a:bodyPr>
+          <a:lstStyle/>
+          <a:p>
+            <a:pPr algn="ctr"/>
+            <a:r>
+              <a:rPr lang="en-US" altLang="ko-KR" dirty="0"/>
+              <a:t>b</a:t>
+            </a:r>
+            <a:endParaRPr lang="ko-KR" altLang="en-US" dirty="0"/>
+          </a:p>
+        </p:txBody>
+      </p:sp>
+      <p:sp>
+        <p:nvSpPr>
+          <p:cNvPr id="107" name="직사각형 106">
+            <a:extLst>
+              <a:ext uri="{FF2B5EF4-FFF2-40B4-BE49-F238E27FC236}">
+                <a16:creationId xmlns:a16="http://schemas.microsoft.com/office/drawing/2014/main" id="{02A42505-4A1A-0BA5-44F4-335436CF2AB1}"/>
+              </a:ext>
+            </a:extLst>
+          </p:cNvPr>
+          <p:cNvSpPr/>
+          <p:nvPr/>
+        </p:nvSpPr>
+        <p:spPr>
+          <a:xfrm>
+            <a:off x="7892797" y="4838857"/>
+            <a:ext cx="2829632" cy="1327580"/>
+          </a:xfrm>
+          <a:prstGeom prst="rect">
+            <a:avLst/>
+          </a:prstGeom>
+        </p:spPr>
+        <p:style>
+          <a:lnRef idx="1">
+            <a:schemeClr val="accent6"/>
+          </a:lnRef>
+          <a:fillRef idx="2">
+            <a:schemeClr val="accent6"/>
+          </a:fillRef>
+          <a:effectRef idx="1">
+            <a:schemeClr val="accent6"/>
+          </a:effectRef>
+          <a:fontRef idx="minor">
+            <a:schemeClr val="dk1"/>
+          </a:fontRef>
+        </p:style>
+        <p:txBody>
+          <a:bodyPr rtlCol="0" anchor="t"/>
+          <a:lstStyle/>
+          <a:p>
+            <a:r>
+              <a:rPr lang="en-US" altLang="ko-KR" dirty="0"/>
+              <a:t>400(obj2)</a:t>
+            </a:r>
+            <a:endParaRPr lang="ko-KR" altLang="en-US" dirty="0"/>
+          </a:p>
+        </p:txBody>
+      </p:sp>
+      <p:sp>
+        <p:nvSpPr>
+          <p:cNvPr id="108" name="TextBox 107">
+            <a:extLst>
+              <a:ext uri="{FF2B5EF4-FFF2-40B4-BE49-F238E27FC236}">
+                <a16:creationId xmlns:a16="http://schemas.microsoft.com/office/drawing/2014/main" id="{58EC9F3A-C0CA-8F42-28CC-A321D0EA46E9}"/>
+              </a:ext>
+            </a:extLst>
+          </p:cNvPr>
+          <p:cNvSpPr txBox="1"/>
+          <p:nvPr/>
+        </p:nvSpPr>
+        <p:spPr>
+          <a:xfrm>
+            <a:off x="8031245" y="5217591"/>
+            <a:ext cx="723590" cy="369332"/>
+          </a:xfrm>
+          <a:prstGeom prst="rect">
+            <a:avLst/>
+          </a:prstGeom>
+        </p:spPr>
+        <p:style>
+          <a:lnRef idx="2">
+            <a:schemeClr val="accent4"/>
+          </a:lnRef>
+          <a:fillRef idx="1">
+            <a:schemeClr val="lt1"/>
+          </a:fillRef>
+          <a:effectRef idx="0">
+            <a:schemeClr val="accent4"/>
+          </a:effectRef>
+          <a:fontRef idx="minor">
+            <a:schemeClr val="dk1"/>
+          </a:fontRef>
+        </p:style>
+        <p:txBody>
+          <a:bodyPr wrap="square" rtlCol="0">
+            <a:spAutoFit/>
+          </a:bodyPr>
+          <a:lstStyle/>
+          <a:p>
+            <a:pPr algn="ctr"/>
+            <a:r>
+              <a:rPr lang="en-US" altLang="ko-KR" dirty="0"/>
+              <a:t>a</a:t>
+            </a:r>
+            <a:endParaRPr lang="ko-KR" altLang="en-US" dirty="0"/>
+          </a:p>
+        </p:txBody>
+      </p:sp>
+      <p:sp>
+        <p:nvSpPr>
+          <p:cNvPr id="109" name="TextBox 108">
+            <a:extLst>
+              <a:ext uri="{FF2B5EF4-FFF2-40B4-BE49-F238E27FC236}">
+                <a16:creationId xmlns:a16="http://schemas.microsoft.com/office/drawing/2014/main" id="{00E674C0-AE08-5D13-8B69-362D1B79599A}"/>
+              </a:ext>
+            </a:extLst>
+          </p:cNvPr>
+          <p:cNvSpPr txBox="1"/>
+          <p:nvPr/>
+        </p:nvSpPr>
+        <p:spPr>
+          <a:xfrm>
+            <a:off x="8031245" y="5600771"/>
+            <a:ext cx="1022316" cy="369332"/>
+          </a:xfrm>
+          <a:prstGeom prst="rect">
+            <a:avLst/>
+          </a:prstGeom>
+        </p:spPr>
+        <p:style>
+          <a:lnRef idx="2">
+            <a:schemeClr val="accent4">
+              <a:shade val="50000"/>
+            </a:schemeClr>
+          </a:lnRef>
+          <a:fillRef idx="1">
+            <a:schemeClr val="accent4"/>
+          </a:fillRef>
+          <a:effectRef idx="0">
+            <a:schemeClr val="accent4"/>
+          </a:effectRef>
+          <a:fontRef idx="minor">
+            <a:schemeClr val="lt1"/>
+          </a:fontRef>
+        </p:style>
+        <p:txBody>
+          <a:bodyPr wrap="square" rtlCol="0">
+            <a:spAutoFit/>
+          </a:bodyPr>
+          <a:lstStyle/>
+          <a:p>
+            <a:pPr algn="ctr"/>
+            <a:endParaRPr lang="ko-KR" altLang="en-US" dirty="0"/>
+          </a:p>
+        </p:txBody>
+      </p:sp>
+      <p:sp>
+        <p:nvSpPr>
+          <p:cNvPr id="110" name="TextBox 109">
+            <a:extLst>
+              <a:ext uri="{FF2B5EF4-FFF2-40B4-BE49-F238E27FC236}">
+                <a16:creationId xmlns:a16="http://schemas.microsoft.com/office/drawing/2014/main" id="{3590BE77-6259-FA2F-42A4-FA285701605A}"/>
+              </a:ext>
+            </a:extLst>
+          </p:cNvPr>
+          <p:cNvSpPr txBox="1"/>
+          <p:nvPr/>
+        </p:nvSpPr>
+        <p:spPr>
+          <a:xfrm>
+            <a:off x="9356123" y="5586923"/>
+            <a:ext cx="1022316" cy="369332"/>
+          </a:xfrm>
+          <a:prstGeom prst="rect">
+            <a:avLst/>
+          </a:prstGeom>
+        </p:spPr>
+        <p:style>
+          <a:lnRef idx="2">
+            <a:schemeClr val="accent4">
+              <a:shade val="50000"/>
+            </a:schemeClr>
+          </a:lnRef>
+          <a:fillRef idx="1">
+            <a:schemeClr val="accent4"/>
+          </a:fillRef>
+          <a:effectRef idx="0">
+            <a:schemeClr val="accent4"/>
+          </a:effectRef>
+          <a:fontRef idx="minor">
+            <a:schemeClr val="lt1"/>
+          </a:fontRef>
+        </p:style>
+        <p:txBody>
+          <a:bodyPr wrap="square" rtlCol="0">
+            <a:spAutoFit/>
+          </a:bodyPr>
+          <a:lstStyle/>
+          <a:p>
+            <a:pPr algn="ctr"/>
+            <a:endParaRPr lang="ko-KR" altLang="en-US" dirty="0"/>
+          </a:p>
+        </p:txBody>
+      </p:sp>
+      <p:sp>
+        <p:nvSpPr>
+          <p:cNvPr id="111" name="TextBox 110">
+            <a:extLst>
+              <a:ext uri="{FF2B5EF4-FFF2-40B4-BE49-F238E27FC236}">
+                <a16:creationId xmlns:a16="http://schemas.microsoft.com/office/drawing/2014/main" id="{42868D82-2116-616E-3091-31DA8F3E27AF}"/>
+              </a:ext>
+            </a:extLst>
+          </p:cNvPr>
+          <p:cNvSpPr txBox="1"/>
+          <p:nvPr/>
+        </p:nvSpPr>
+        <p:spPr>
+          <a:xfrm>
+            <a:off x="9339532" y="5210417"/>
+            <a:ext cx="723590" cy="369332"/>
+          </a:xfrm>
+          <a:prstGeom prst="rect">
+            <a:avLst/>
+          </a:prstGeom>
+        </p:spPr>
+        <p:style>
+          <a:lnRef idx="2">
+            <a:schemeClr val="accent4"/>
+          </a:lnRef>
+          <a:fillRef idx="1">
+            <a:schemeClr val="lt1"/>
+          </a:fillRef>
+          <a:effectRef idx="0">
+            <a:schemeClr val="accent4"/>
+          </a:effectRef>
+          <a:fontRef idx="minor">
+            <a:schemeClr val="dk1"/>
+          </a:fontRef>
+        </p:style>
+        <p:txBody>
+          <a:bodyPr wrap="square" rtlCol="0">
+            <a:spAutoFit/>
+          </a:bodyPr>
+          <a:lstStyle/>
+          <a:p>
+            <a:pPr algn="ctr"/>
+            <a:r>
+              <a:rPr lang="en-US" altLang="ko-KR" dirty="0"/>
+              <a:t>b</a:t>
+            </a:r>
+            <a:endParaRPr lang="ko-KR" altLang="en-US" dirty="0"/>
+          </a:p>
+        </p:txBody>
+      </p:sp>
+      <p:sp>
+        <p:nvSpPr>
+          <p:cNvPr id="112" name="TextBox 111">
+            <a:extLst>
+              <a:ext uri="{FF2B5EF4-FFF2-40B4-BE49-F238E27FC236}">
+                <a16:creationId xmlns:a16="http://schemas.microsoft.com/office/drawing/2014/main" id="{3A99576F-BEE2-A7CD-269B-3AC7D5757212}"/>
+              </a:ext>
+            </a:extLst>
+          </p:cNvPr>
+          <p:cNvSpPr txBox="1"/>
+          <p:nvPr/>
+        </p:nvSpPr>
+        <p:spPr>
+          <a:xfrm>
+            <a:off x="10378439" y="2434751"/>
+            <a:ext cx="1631196" cy="646331"/>
+          </a:xfrm>
+          <a:prstGeom prst="rect">
+            <a:avLst/>
+          </a:prstGeom>
+        </p:spPr>
+        <p:style>
+          <a:lnRef idx="2">
+            <a:schemeClr val="accent6"/>
+          </a:lnRef>
+          <a:fillRef idx="1">
+            <a:schemeClr val="lt1"/>
+          </a:fillRef>
+          <a:effectRef idx="0">
+            <a:schemeClr val="accent6"/>
+          </a:effectRef>
+          <a:fontRef idx="minor">
+            <a:schemeClr val="dk1"/>
+          </a:fontRef>
+        </p:style>
+        <p:txBody>
+          <a:bodyPr wrap="square" rtlCol="0">
+            <a:spAutoFit/>
+          </a:bodyPr>
+          <a:lstStyle/>
+          <a:p>
+            <a:r>
+              <a:rPr lang="en-US" altLang="ko-KR" dirty="0"/>
+              <a:t>A</a:t>
+            </a:r>
+            <a:r>
+              <a:rPr lang="ko-KR" altLang="en-US" dirty="0"/>
+              <a:t>클래스의</a:t>
+            </a:r>
+            <a:endParaRPr lang="en-US" altLang="ko-KR" dirty="0"/>
+          </a:p>
+          <a:p>
+            <a:r>
+              <a:rPr lang="ko-KR" altLang="en-US" dirty="0"/>
+              <a:t>인스턴스</a:t>
+            </a:r>
+            <a:r>
+              <a:rPr lang="en-US" altLang="ko-KR" dirty="0"/>
+              <a:t>)</a:t>
+            </a:r>
+            <a:endParaRPr lang="ko-KR" altLang="en-US" dirty="0"/>
+          </a:p>
+        </p:txBody>
+      </p:sp>
+      <p:cxnSp>
+        <p:nvCxnSpPr>
+          <p:cNvPr id="115" name="연결선: 구부러짐 114">
+            <a:extLst>
+              <a:ext uri="{FF2B5EF4-FFF2-40B4-BE49-F238E27FC236}">
+                <a16:creationId xmlns:a16="http://schemas.microsoft.com/office/drawing/2014/main" id="{177B61E9-E86B-2EF8-B8C8-2828DBFC4B1F}"/>
+              </a:ext>
+            </a:extLst>
+          </p:cNvPr>
+          <p:cNvCxnSpPr>
+            <a:cxnSpLocks/>
+            <a:stCxn id="112" idx="2"/>
+            <a:endCxn id="101" idx="3"/>
+          </p:cNvCxnSpPr>
+          <p:nvPr/>
+        </p:nvCxnSpPr>
+        <p:spPr>
+          <a:xfrm rot="5400000">
+            <a:off x="10513798" y="3289713"/>
+            <a:ext cx="888870" cy="471608"/>
+          </a:xfrm>
+          <a:prstGeom prst="curvedConnector2">
+            <a:avLst/>
+          </a:prstGeom>
+          <a:ln>
+            <a:tailEnd type="triangle"/>
+          </a:ln>
+        </p:spPr>
+        <p:style>
+          <a:lnRef idx="3">
+            <a:schemeClr val="accent6"/>
+          </a:lnRef>
+          <a:fillRef idx="0">
+            <a:schemeClr val="accent6"/>
+          </a:fillRef>
+          <a:effectRef idx="2">
+            <a:schemeClr val="accent6"/>
+          </a:effectRef>
+          <a:fontRef idx="minor">
+            <a:schemeClr val="tx1"/>
+          </a:fontRef>
+        </p:style>
+      </p:cxnSp>
+      <p:cxnSp>
+        <p:nvCxnSpPr>
+          <p:cNvPr id="116" name="연결선: 구부러짐 115">
+            <a:extLst>
+              <a:ext uri="{FF2B5EF4-FFF2-40B4-BE49-F238E27FC236}">
+                <a16:creationId xmlns:a16="http://schemas.microsoft.com/office/drawing/2014/main" id="{8667EC5D-6405-34EF-8996-46E51000AAE7}"/>
+              </a:ext>
+            </a:extLst>
+          </p:cNvPr>
+          <p:cNvCxnSpPr>
+            <a:cxnSpLocks/>
+            <a:stCxn id="112" idx="2"/>
+            <a:endCxn id="107" idx="3"/>
+          </p:cNvCxnSpPr>
+          <p:nvPr/>
+        </p:nvCxnSpPr>
+        <p:spPr>
+          <a:xfrm rot="5400000">
+            <a:off x="9747451" y="4056060"/>
+            <a:ext cx="2421565" cy="471608"/>
+          </a:xfrm>
+          <a:prstGeom prst="curvedConnector2">
+            <a:avLst/>
+          </a:prstGeom>
+          <a:ln>
+            <a:tailEnd type="triangle"/>
+          </a:ln>
+        </p:spPr>
+        <p:style>
+          <a:lnRef idx="3">
+            <a:schemeClr val="accent6"/>
+          </a:lnRef>
+          <a:fillRef idx="0">
+            <a:schemeClr val="accent6"/>
+          </a:fillRef>
+          <a:effectRef idx="2">
+            <a:schemeClr val="accent6"/>
+          </a:effectRef>
+          <a:fontRef idx="minor">
+            <a:schemeClr val="tx1"/>
+          </a:fontRef>
+        </p:style>
+      </p:cxnSp>
+    </p:spTree>
+    <p:extLst>
+      <p:ext uri="{BB962C8B-B14F-4D97-AF65-F5344CB8AC3E}">
+        <p14:creationId xmlns:p14="http://schemas.microsoft.com/office/powerpoint/2010/main" val="1456888780"/>
+      </p:ext>
+    </p:extLst>
+  </p:cSld>
+  <p:clrMapOvr>
+    <a:masterClrMapping/>
+  </p:clrMapOvr>
+</p:sld>
+</file>
+
+<file path=ppt/slides/slide8.xml><?xml version="1.0" encoding="utf-8"?>
 <p:sld xmlns:a="http://schemas.openxmlformats.org/drawingml/2006/main" xmlns:r="http://schemas.openxmlformats.org/officeDocument/2006/relationships" xmlns:p="http://schemas.openxmlformats.org/presentationml/2006/main">
   <p:cSld>
     <p:spTree>
